--- a/fll–FortranLinkedListLibrary.pptx
+++ b/fll–FortranLinkedListLibrary.pptx
@@ -16,30 +16,32 @@
     <p:sldId id="262" r:id="rId10"/>
     <p:sldId id="263" r:id="rId11"/>
     <p:sldId id="264" r:id="rId12"/>
-    <p:sldId id="265" r:id="rId13"/>
-    <p:sldId id="266" r:id="rId14"/>
-    <p:sldId id="267" r:id="rId15"/>
-    <p:sldId id="268" r:id="rId16"/>
-    <p:sldId id="270" r:id="rId17"/>
-    <p:sldId id="271" r:id="rId18"/>
-    <p:sldId id="277" r:id="rId19"/>
-    <p:sldId id="272" r:id="rId20"/>
-    <p:sldId id="273" r:id="rId21"/>
-    <p:sldId id="275" r:id="rId22"/>
-    <p:sldId id="276" r:id="rId23"/>
-    <p:sldId id="279" r:id="rId24"/>
-    <p:sldId id="280" r:id="rId25"/>
-    <p:sldId id="282" r:id="rId26"/>
-    <p:sldId id="283" r:id="rId27"/>
-    <p:sldId id="284" r:id="rId28"/>
-    <p:sldId id="285" r:id="rId29"/>
-    <p:sldId id="287" r:id="rId30"/>
-    <p:sldId id="288" r:id="rId31"/>
-    <p:sldId id="289" r:id="rId32"/>
-    <p:sldId id="290" r:id="rId33"/>
-    <p:sldId id="291" r:id="rId34"/>
-    <p:sldId id="292" r:id="rId35"/>
-    <p:sldId id="294" r:id="rId36"/>
+    <p:sldId id="295" r:id="rId13"/>
+    <p:sldId id="296" r:id="rId14"/>
+    <p:sldId id="265" r:id="rId15"/>
+    <p:sldId id="266" r:id="rId16"/>
+    <p:sldId id="267" r:id="rId17"/>
+    <p:sldId id="268" r:id="rId18"/>
+    <p:sldId id="270" r:id="rId19"/>
+    <p:sldId id="271" r:id="rId20"/>
+    <p:sldId id="277" r:id="rId21"/>
+    <p:sldId id="272" r:id="rId22"/>
+    <p:sldId id="273" r:id="rId23"/>
+    <p:sldId id="275" r:id="rId24"/>
+    <p:sldId id="276" r:id="rId25"/>
+    <p:sldId id="279" r:id="rId26"/>
+    <p:sldId id="280" r:id="rId27"/>
+    <p:sldId id="282" r:id="rId28"/>
+    <p:sldId id="283" r:id="rId29"/>
+    <p:sldId id="284" r:id="rId30"/>
+    <p:sldId id="285" r:id="rId31"/>
+    <p:sldId id="287" r:id="rId32"/>
+    <p:sldId id="288" r:id="rId33"/>
+    <p:sldId id="289" r:id="rId34"/>
+    <p:sldId id="290" r:id="rId35"/>
+    <p:sldId id="291" r:id="rId36"/>
+    <p:sldId id="292" r:id="rId37"/>
+    <p:sldId id="294" r:id="rId38"/>
   </p:sldIdLst>
   <p:sldSz cx="12192000" cy="6858000"/>
   <p:notesSz cx="6858000" cy="9144000"/>
@@ -140,7 +142,18 @@
   </p:defaultTextStyle>
   <p:extLst>
     <p:ext uri="{EFAFB233-063F-42B5-8137-9DF3F51BA10A}">
-      <p15:sldGuideLst xmlns:p15="http://schemas.microsoft.com/office/powerpoint/2012/main" xmlns=""/>
+      <p15:sldGuideLst xmlns:p15="http://schemas.microsoft.com/office/powerpoint/2012/main">
+        <p15:guide id="1" orient="horz" pos="2160">
+          <p15:clr>
+            <a:srgbClr val="A4A3A4"/>
+          </p15:clr>
+        </p15:guide>
+        <p15:guide id="2" pos="3840">
+          <p15:clr>
+            <a:srgbClr val="A4A3A4"/>
+          </p15:clr>
+        </p15:guide>
+      </p15:sldGuideLst>
     </p:ext>
   </p:extLst>
 </p:presentation>
@@ -277,7 +290,7 @@
           <a:p>
             <a:fld id="{BBA6F3EE-D71F-4D2E-BE27-0C1865A4236A}" type="datetimeFigureOut">
               <a:rPr lang="en-US" smtClean="0"/>
-              <a:t>6/20/2017</a:t>
+              <a:t>1/18/2019</a:t>
             </a:fld>
             <a:endParaRPr lang="en-US"/>
           </a:p>
@@ -447,7 +460,7 @@
           <a:p>
             <a:fld id="{BBA6F3EE-D71F-4D2E-BE27-0C1865A4236A}" type="datetimeFigureOut">
               <a:rPr lang="en-US" smtClean="0"/>
-              <a:t>6/20/2017</a:t>
+              <a:t>1/18/2019</a:t>
             </a:fld>
             <a:endParaRPr lang="en-US"/>
           </a:p>
@@ -627,7 +640,7 @@
           <a:p>
             <a:fld id="{BBA6F3EE-D71F-4D2E-BE27-0C1865A4236A}" type="datetimeFigureOut">
               <a:rPr lang="en-US" smtClean="0"/>
-              <a:t>6/20/2017</a:t>
+              <a:t>1/18/2019</a:t>
             </a:fld>
             <a:endParaRPr lang="en-US"/>
           </a:p>
@@ -797,7 +810,7 @@
           <a:p>
             <a:fld id="{BBA6F3EE-D71F-4D2E-BE27-0C1865A4236A}" type="datetimeFigureOut">
               <a:rPr lang="en-US" smtClean="0"/>
-              <a:t>6/20/2017</a:t>
+              <a:t>1/18/2019</a:t>
             </a:fld>
             <a:endParaRPr lang="en-US"/>
           </a:p>
@@ -1043,7 +1056,7 @@
           <a:p>
             <a:fld id="{BBA6F3EE-D71F-4D2E-BE27-0C1865A4236A}" type="datetimeFigureOut">
               <a:rPr lang="en-US" smtClean="0"/>
-              <a:t>6/20/2017</a:t>
+              <a:t>1/18/2019</a:t>
             </a:fld>
             <a:endParaRPr lang="en-US"/>
           </a:p>
@@ -1275,7 +1288,7 @@
           <a:p>
             <a:fld id="{BBA6F3EE-D71F-4D2E-BE27-0C1865A4236A}" type="datetimeFigureOut">
               <a:rPr lang="en-US" smtClean="0"/>
-              <a:t>6/20/2017</a:t>
+              <a:t>1/18/2019</a:t>
             </a:fld>
             <a:endParaRPr lang="en-US"/>
           </a:p>
@@ -1642,7 +1655,7 @@
           <a:p>
             <a:fld id="{BBA6F3EE-D71F-4D2E-BE27-0C1865A4236A}" type="datetimeFigureOut">
               <a:rPr lang="en-US" smtClean="0"/>
-              <a:t>6/20/2017</a:t>
+              <a:t>1/18/2019</a:t>
             </a:fld>
             <a:endParaRPr lang="en-US"/>
           </a:p>
@@ -1760,7 +1773,7 @@
           <a:p>
             <a:fld id="{BBA6F3EE-D71F-4D2E-BE27-0C1865A4236A}" type="datetimeFigureOut">
               <a:rPr lang="en-US" smtClean="0"/>
-              <a:t>6/20/2017</a:t>
+              <a:t>1/18/2019</a:t>
             </a:fld>
             <a:endParaRPr lang="en-US"/>
           </a:p>
@@ -1855,7 +1868,7 @@
           <a:p>
             <a:fld id="{BBA6F3EE-D71F-4D2E-BE27-0C1865A4236A}" type="datetimeFigureOut">
               <a:rPr lang="en-US" smtClean="0"/>
-              <a:t>6/20/2017</a:t>
+              <a:t>1/18/2019</a:t>
             </a:fld>
             <a:endParaRPr lang="en-US"/>
           </a:p>
@@ -2132,7 +2145,7 @@
           <a:p>
             <a:fld id="{BBA6F3EE-D71F-4D2E-BE27-0C1865A4236A}" type="datetimeFigureOut">
               <a:rPr lang="en-US" smtClean="0"/>
-              <a:t>6/20/2017</a:t>
+              <a:t>1/18/2019</a:t>
             </a:fld>
             <a:endParaRPr lang="en-US"/>
           </a:p>
@@ -2385,7 +2398,7 @@
           <a:p>
             <a:fld id="{BBA6F3EE-D71F-4D2E-BE27-0C1865A4236A}" type="datetimeFigureOut">
               <a:rPr lang="en-US" smtClean="0"/>
-              <a:t>6/20/2017</a:t>
+              <a:t>1/18/2019</a:t>
             </a:fld>
             <a:endParaRPr lang="en-US"/>
           </a:p>
@@ -2598,7 +2611,7 @@
           <a:p>
             <a:fld id="{BBA6F3EE-D71F-4D2E-BE27-0C1865A4236A}" type="datetimeFigureOut">
               <a:rPr lang="en-US" smtClean="0"/>
-              <a:t>6/20/2017</a:t>
+              <a:t>1/18/2019</a:t>
             </a:fld>
             <a:endParaRPr lang="en-US"/>
           </a:p>
@@ -3035,15 +3048,7 @@
                   <a:srgbClr val="002060"/>
                 </a:solidFill>
               </a:rPr>
-              <a:t> – Fortran Linked List </a:t>
-            </a:r>
-            <a:r>
-              <a:rPr lang="en-US" b="1" dirty="0" smtClean="0">
-                <a:solidFill>
-                  <a:srgbClr val="002060"/>
-                </a:solidFill>
-              </a:rPr>
-              <a:t>Library </a:t>
+              <a:t> – Fortran Linked List Library </a:t>
             </a:r>
             <a:r>
               <a:rPr lang="en-US" sz="3600" b="1" dirty="0" smtClean="0">
@@ -3118,6 +3123,13 @@
   <p:clrMapOvr>
     <a:masterClrMapping/>
   </p:clrMapOvr>
+  <p:timing>
+    <p:tnLst>
+      <p:par>
+        <p:cTn id="1" dur="indefinite" restart="never" nodeType="tmRoot"/>
+      </p:par>
+    </p:tnLst>
+  </p:timing>
 </p:sld>
 </file>
 
@@ -3550,7 +3562,7 @@
           <a:lstStyle/>
           <a:p>
             <a:r>
-              <a:rPr lang="en-US" b="1" dirty="0" smtClean="0">
+              <a:rPr lang="en-US" b="1" dirty="0">
                 <a:solidFill>
                   <a:srgbClr val="002060"/>
                 </a:solidFill>
@@ -3558,26 +3570,22 @@
               <a:t>Function </a:t>
             </a:r>
             <a:r>
-              <a:rPr lang="en-US" b="1" dirty="0" err="1" smtClean="0">
+              <a:rPr lang="en-US" b="1" dirty="0" err="1">
                 <a:solidFill>
                   <a:srgbClr val="002060"/>
                 </a:solidFill>
               </a:rPr>
-              <a:t>fll_locate</a:t>
-            </a:r>
-            <a:r>
-              <a:rPr lang="en-US" b="1" dirty="0" smtClean="0">
+              <a:t>fll_mk</a:t>
+            </a:r>
+            <a:r>
+              <a:rPr lang="en-US" b="1" dirty="0">
                 <a:solidFill>
                   <a:srgbClr val="002060"/>
                 </a:solidFill>
               </a:rPr>
               <a:t>()</a:t>
             </a:r>
-            <a:endParaRPr lang="en-US" b="1" dirty="0">
-              <a:solidFill>
-                <a:srgbClr val="002060"/>
-              </a:solidFill>
-            </a:endParaRPr>
+            <a:endParaRPr lang="en-US" dirty="0"/>
           </a:p>
         </p:txBody>
       </p:sp>
@@ -3597,171 +3605,214 @@
           <a:lstStyle/>
           <a:p>
             <a:r>
-              <a:rPr lang="en-US" b="1" dirty="0" err="1" smtClean="0">
-                <a:solidFill>
-                  <a:srgbClr val="C00000"/>
-                </a:solidFill>
-              </a:rPr>
-              <a:t>fll_locate</a:t>
-            </a:r>
-            <a:r>
-              <a:rPr lang="en-US" b="1" dirty="0" smtClean="0">
-                <a:solidFill>
-                  <a:srgbClr val="C00000"/>
-                </a:solidFill>
-              </a:rPr>
-              <a:t> (</a:t>
-            </a:r>
-            <a:r>
-              <a:rPr lang="en-US" b="1" dirty="0" err="1" smtClean="0">
-                <a:solidFill>
-                  <a:srgbClr val="C00000"/>
-                </a:solidFill>
-              </a:rPr>
-              <a:t>pnode,name</a:t>
-            </a:r>
-            <a:r>
-              <a:rPr lang="en-US" b="1" dirty="0" smtClean="0">
-                <a:solidFill>
-                  <a:srgbClr val="C00000"/>
-                </a:solidFill>
-              </a:rPr>
-              <a:t>, </a:t>
-            </a:r>
-            <a:r>
-              <a:rPr lang="en-US" b="1" dirty="0" err="1" smtClean="0">
-                <a:solidFill>
-                  <a:srgbClr val="C00000"/>
-                </a:solidFill>
-              </a:rPr>
-              <a:t>type,dim</a:t>
-            </a:r>
-            <a:r>
-              <a:rPr lang="en-US" b="1" dirty="0">
-                <a:solidFill>
-                  <a:srgbClr val="C00000"/>
-                </a:solidFill>
-              </a:rPr>
-              <a:t>, </a:t>
-            </a:r>
-            <a:r>
-              <a:rPr lang="en-US" b="1" dirty="0" err="1">
-                <a:solidFill>
-                  <a:srgbClr val="C00000"/>
-                </a:solidFill>
-              </a:rPr>
-              <a:t>number,recursive,fpar</a:t>
-            </a:r>
-            <a:r>
-              <a:rPr lang="en-US" b="1" dirty="0" smtClean="0">
-                <a:solidFill>
-                  <a:srgbClr val="C00000"/>
-                </a:solidFill>
-              </a:rPr>
-              <a:t>)</a:t>
-            </a:r>
+              <a:rPr lang="en-US" dirty="0" smtClean="0"/>
+              <a:t>Note on </a:t>
+            </a:r>
+            <a:r>
+              <a:rPr lang="en-US" dirty="0" err="1" smtClean="0"/>
+              <a:t>fll_mk</a:t>
+            </a:r>
+            <a:endParaRPr lang="en-US" dirty="0" smtClean="0"/>
           </a:p>
           <a:p>
             <a:pPr lvl="1"/>
             <a:r>
-              <a:rPr lang="en-US" dirty="0" smtClean="0"/>
-              <a:t>Locates node</a:t>
-            </a:r>
+              <a:rPr lang="en-US" dirty="0" err="1" smtClean="0"/>
+              <a:t>fll_mk</a:t>
+            </a:r>
+            <a:r>
+              <a:rPr lang="en-US" dirty="0" smtClean="0"/>
+              <a:t> will decide what to allocate based on </a:t>
+            </a:r>
+            <a:r>
+              <a:rPr lang="en-US" dirty="0" err="1" smtClean="0"/>
+              <a:t>ndim</a:t>
+            </a:r>
+            <a:r>
+              <a:rPr lang="en-US" dirty="0" smtClean="0"/>
+              <a:t> and </a:t>
+            </a:r>
+            <a:r>
+              <a:rPr lang="en-US" dirty="0" err="1" smtClean="0"/>
+              <a:t>nsize</a:t>
+            </a:r>
+            <a:endParaRPr lang="en-US" dirty="0" smtClean="0"/>
           </a:p>
           <a:p>
             <a:pPr lvl="1"/>
             <a:r>
               <a:rPr lang="en-US" dirty="0" smtClean="0"/>
-              <a:t>Input parameters</a:t>
+              <a:t>If </a:t>
+            </a:r>
+            <a:r>
+              <a:rPr lang="en-US" dirty="0" err="1" smtClean="0"/>
+              <a:t>ndim</a:t>
+            </a:r>
+            <a:r>
+              <a:rPr lang="en-US" dirty="0" smtClean="0"/>
+              <a:t> = 1 </a:t>
+            </a:r>
+            <a:r>
+              <a:rPr lang="en-US" b="1" dirty="0" smtClean="0"/>
+              <a:t>and</a:t>
+            </a:r>
+            <a:r>
+              <a:rPr lang="en-US" dirty="0" smtClean="0"/>
+              <a:t> </a:t>
+            </a:r>
+            <a:r>
+              <a:rPr lang="en-US" dirty="0" err="1" smtClean="0"/>
+              <a:t>nsize</a:t>
+            </a:r>
+            <a:r>
+              <a:rPr lang="en-US" dirty="0" smtClean="0"/>
+              <a:t> = 1   the access variable is static and accessed with index 0</a:t>
             </a:r>
           </a:p>
           <a:p>
             <a:pPr lvl="2"/>
             <a:r>
+              <a:rPr lang="en-US" dirty="0" smtClean="0"/>
+              <a:t>Example tmp%L0 </a:t>
+            </a:r>
+          </a:p>
+          <a:p>
+            <a:pPr lvl="1"/>
+            <a:r>
+              <a:rPr lang="en-US" dirty="0"/>
+              <a:t>If </a:t>
+            </a:r>
+            <a:r>
+              <a:rPr lang="en-US" dirty="0" err="1"/>
+              <a:t>ndim</a:t>
+            </a:r>
+            <a:r>
+              <a:rPr lang="en-US" dirty="0"/>
+              <a:t> = 1 </a:t>
+            </a:r>
+            <a:r>
+              <a:rPr lang="en-US" b="1" dirty="0" smtClean="0"/>
+              <a:t>or</a:t>
+            </a:r>
+            <a:r>
+              <a:rPr lang="en-US" dirty="0" smtClean="0"/>
+              <a:t> </a:t>
+            </a:r>
+            <a:r>
               <a:rPr lang="en-US" dirty="0" err="1" smtClean="0"/>
-              <a:t>Pnode</a:t>
-            </a:r>
-            <a:r>
-              <a:rPr lang="en-US" dirty="0" smtClean="0"/>
-              <a:t> – list where to search</a:t>
-            </a:r>
+              <a:t>nsize</a:t>
+            </a:r>
+            <a:r>
+              <a:rPr lang="en-US" dirty="0" smtClean="0"/>
+              <a:t> </a:t>
+            </a:r>
+            <a:r>
+              <a:rPr lang="en-US" dirty="0"/>
+              <a:t>= 1   the </a:t>
+            </a:r>
+            <a:r>
+              <a:rPr lang="en-US" dirty="0" err="1"/>
+              <a:t>acces</a:t>
+            </a:r>
+            <a:r>
+              <a:rPr lang="en-US" dirty="0"/>
+              <a:t> variable is </a:t>
+            </a:r>
+            <a:r>
+              <a:rPr lang="en-US" dirty="0" smtClean="0"/>
+              <a:t>one dimensional array accessed with index1</a:t>
+            </a:r>
+            <a:endParaRPr lang="en-US" dirty="0"/>
           </a:p>
           <a:p>
             <a:pPr lvl="2"/>
             <a:r>
-              <a:rPr lang="en-US" dirty="0" smtClean="0"/>
-              <a:t>Name – name of node</a:t>
-            </a:r>
+              <a:rPr lang="en-US" dirty="0"/>
+              <a:t>Example </a:t>
+            </a:r>
+            <a:r>
+              <a:rPr lang="en-US" dirty="0" smtClean="0"/>
+              <a:t>tmp%L1</a:t>
+            </a:r>
+          </a:p>
+          <a:p>
+            <a:pPr lvl="1"/>
+            <a:r>
+              <a:rPr lang="en-US" dirty="0"/>
+              <a:t>If </a:t>
+            </a:r>
+            <a:r>
+              <a:rPr lang="en-US" dirty="0" err="1"/>
+              <a:t>ndim</a:t>
+            </a:r>
+            <a:r>
+              <a:rPr lang="en-US" dirty="0"/>
+              <a:t> </a:t>
+            </a:r>
+            <a:r>
+              <a:rPr lang="en-US" dirty="0" smtClean="0"/>
+              <a:t>&gt; </a:t>
+            </a:r>
+            <a:r>
+              <a:rPr lang="en-US" dirty="0"/>
+              <a:t>1 </a:t>
+            </a:r>
+            <a:r>
+              <a:rPr lang="en-US" b="1" dirty="0" smtClean="0"/>
+              <a:t>and </a:t>
+            </a:r>
+            <a:r>
+              <a:rPr lang="en-US" dirty="0" err="1" smtClean="0"/>
+              <a:t>nsize</a:t>
+            </a:r>
+            <a:r>
+              <a:rPr lang="en-US" dirty="0" smtClean="0"/>
+              <a:t> &gt; </a:t>
+            </a:r>
+            <a:r>
+              <a:rPr lang="en-US" dirty="0"/>
+              <a:t>1   the </a:t>
+            </a:r>
+            <a:r>
+              <a:rPr lang="en-US" dirty="0" err="1"/>
+              <a:t>acces</a:t>
+            </a:r>
+            <a:r>
+              <a:rPr lang="en-US" dirty="0"/>
+              <a:t> variable is </a:t>
+            </a:r>
+            <a:r>
+              <a:rPr lang="en-US" dirty="0" smtClean="0"/>
+              <a:t>two dimensional </a:t>
+            </a:r>
+            <a:r>
+              <a:rPr lang="en-US" dirty="0"/>
+              <a:t>array accessed with </a:t>
+            </a:r>
+            <a:r>
+              <a:rPr lang="en-US" dirty="0" smtClean="0"/>
+              <a:t>index 2</a:t>
+            </a:r>
+            <a:endParaRPr lang="en-US" dirty="0"/>
           </a:p>
           <a:p>
             <a:pPr lvl="2"/>
             <a:r>
-              <a:rPr lang="en-US" dirty="0" smtClean="0"/>
-              <a:t>Number – order of the node (1</a:t>
-            </a:r>
-            <a:r>
-              <a:rPr lang="en-US" baseline="30000" dirty="0" smtClean="0"/>
-              <a:t>st</a:t>
-            </a:r>
-            <a:r>
-              <a:rPr lang="en-US" dirty="0" smtClean="0"/>
-              <a:t>, 2</a:t>
-            </a:r>
-            <a:r>
-              <a:rPr lang="en-US" baseline="30000" dirty="0" smtClean="0"/>
-              <a:t>nd</a:t>
-            </a:r>
-            <a:r>
-              <a:rPr lang="en-US" dirty="0" smtClean="0"/>
-              <a:t> </a:t>
-            </a:r>
-            <a:r>
-              <a:rPr lang="en-US" dirty="0" err="1" smtClean="0"/>
-              <a:t>etc</a:t>
-            </a:r>
-            <a:r>
-              <a:rPr lang="en-US" dirty="0" smtClean="0"/>
-              <a:t>…) if more nodes of the same name </a:t>
-            </a:r>
+              <a:rPr lang="en-US" dirty="0"/>
+              <a:t>Example </a:t>
+            </a:r>
+            <a:r>
+              <a:rPr lang="en-US" dirty="0" smtClean="0"/>
+              <a:t>tmp%L2</a:t>
+            </a:r>
+            <a:endParaRPr lang="en-US" dirty="0"/>
           </a:p>
           <a:p>
             <a:pPr lvl="2"/>
-            <a:r>
-              <a:rPr lang="en-US" dirty="0" smtClean="0"/>
-              <a:t>Type – type of node</a:t>
-            </a:r>
+            <a:endParaRPr lang="en-US" dirty="0"/>
           </a:p>
           <a:p>
             <a:pPr lvl="2"/>
-            <a:r>
-              <a:rPr lang="en-US" dirty="0" smtClean="0"/>
-              <a:t>Dim – dimensions of arrays in the node, can be 0,1,2, if any other number the dimensions is not considered</a:t>
-            </a:r>
-          </a:p>
-          <a:p>
-            <a:pPr lvl="2"/>
-            <a:r>
-              <a:rPr lang="en-US" dirty="0" smtClean="0"/>
-              <a:t>Recursive – search list recursively, if so, number == 1</a:t>
-            </a:r>
-          </a:p>
-          <a:p>
-            <a:pPr lvl="2"/>
-            <a:r>
-              <a:rPr lang="en-US" dirty="0" smtClean="0"/>
-              <a:t>Both name and type can be set to *</a:t>
-            </a:r>
-          </a:p>
-          <a:p>
-            <a:pPr lvl="1"/>
-            <a:r>
-              <a:rPr lang="en-US" dirty="0" smtClean="0"/>
-              <a:t>Return </a:t>
-            </a:r>
-            <a:r>
-              <a:rPr lang="en-US" dirty="0" smtClean="0"/>
-              <a:t>– pointer to located node</a:t>
-            </a:r>
             <a:endParaRPr lang="en-US" dirty="0"/>
           </a:p>
         </p:txBody>
@@ -3769,7 +3820,7 @@
     </p:spTree>
     <p:extLst>
       <p:ext uri="{BB962C8B-B14F-4D97-AF65-F5344CB8AC3E}">
-        <p14:creationId xmlns:p14="http://schemas.microsoft.com/office/powerpoint/2010/main" val="51338362"/>
+        <p14:creationId xmlns:p14="http://schemas.microsoft.com/office/powerpoint/2010/main" val="2693670773"/>
       </p:ext>
     </p:extLst>
   </p:cSld>
@@ -3812,7 +3863,7 @@
           <a:lstStyle/>
           <a:p>
             <a:r>
-              <a:rPr lang="en-US" b="1" dirty="0" smtClean="0">
+              <a:rPr lang="en-US" b="1" dirty="0">
                 <a:solidFill>
                   <a:srgbClr val="002060"/>
                 </a:solidFill>
@@ -3820,26 +3871,22 @@
               <a:t>Function </a:t>
             </a:r>
             <a:r>
-              <a:rPr lang="en-US" b="1" dirty="0" err="1" smtClean="0">
+              <a:rPr lang="en-US" b="1" dirty="0" err="1">
                 <a:solidFill>
                   <a:srgbClr val="002060"/>
                 </a:solidFill>
               </a:rPr>
-              <a:t>fll_nnodes</a:t>
-            </a:r>
-            <a:r>
-              <a:rPr lang="en-US" b="1" dirty="0" smtClean="0">
+              <a:t>fll_mk</a:t>
+            </a:r>
+            <a:r>
+              <a:rPr lang="en-US" b="1" dirty="0">
                 <a:solidFill>
                   <a:srgbClr val="002060"/>
                 </a:solidFill>
               </a:rPr>
               <a:t>()</a:t>
             </a:r>
-            <a:endParaRPr lang="en-US" b="1" dirty="0">
-              <a:solidFill>
-                <a:srgbClr val="002060"/>
-              </a:solidFill>
-            </a:endParaRPr>
+            <a:endParaRPr lang="en-US" dirty="0"/>
           </a:p>
         </p:txBody>
       </p:sp>
@@ -3855,169 +3902,259 @@
         </p:nvSpPr>
         <p:spPr/>
         <p:txBody>
-          <a:bodyPr>
-            <a:normAutofit/>
-          </a:bodyPr>
-          <a:lstStyle/>
-          <a:p>
+          <a:bodyPr/>
+          <a:lstStyle/>
+          <a:p>
+            <a:r>
+              <a:rPr lang="en-US" dirty="0" smtClean="0"/>
+              <a:t>If user wants to force the shape of array, user must specify the index during </a:t>
+            </a:r>
+            <a:r>
+              <a:rPr lang="en-US" dirty="0" err="1" smtClean="0"/>
+              <a:t>fll_mk</a:t>
+            </a:r>
+            <a:endParaRPr lang="en-US" dirty="0" smtClean="0"/>
+          </a:p>
+          <a:p>
+            <a:pPr lvl="1"/>
+            <a:r>
+              <a:rPr lang="en-US" dirty="0" smtClean="0"/>
+              <a:t>Example </a:t>
+            </a:r>
+          </a:p>
+          <a:p>
+            <a:pPr marL="457200" lvl="1" indent="0">
+              <a:buNone/>
+            </a:pPr>
             <a:r>
               <a:rPr lang="en-US" b="1" dirty="0" err="1" smtClean="0">
                 <a:solidFill>
-                  <a:srgbClr val="C00000"/>
-                </a:solidFill>
-              </a:rPr>
-              <a:t>fll_nnodes</a:t>
+                  <a:srgbClr val="FF0000"/>
+                </a:solidFill>
+              </a:rPr>
+              <a:t>Ptmp</a:t>
             </a:r>
             <a:r>
               <a:rPr lang="en-US" b="1" dirty="0" smtClean="0">
                 <a:solidFill>
-                  <a:srgbClr val="C00000"/>
-                </a:solidFill>
-              </a:rPr>
-              <a:t>(</a:t>
+                  <a:srgbClr val="FF0000"/>
+                </a:solidFill>
+              </a:rPr>
+              <a:t> =&gt; </a:t>
             </a:r>
             <a:r>
               <a:rPr lang="en-US" b="1" dirty="0" err="1" smtClean="0">
                 <a:solidFill>
-                  <a:srgbClr val="C00000"/>
-                </a:solidFill>
-              </a:rPr>
-              <a:t>pnode,name,type,dim</a:t>
-            </a:r>
-            <a:r>
-              <a:rPr lang="en-US" b="1" dirty="0">
-                <a:solidFill>
-                  <a:srgbClr val="C00000"/>
+                  <a:srgbClr val="FF0000"/>
+                </a:solidFill>
+              </a:rPr>
+              <a:t>fll_mk</a:t>
+            </a:r>
+            <a:r>
+              <a:rPr lang="en-US" b="1" dirty="0" smtClean="0">
+                <a:solidFill>
+                  <a:srgbClr val="FF0000"/>
+                </a:solidFill>
+              </a:rPr>
+              <a:t>(‘</a:t>
+            </a:r>
+            <a:r>
+              <a:rPr lang="en-US" b="1" dirty="0" err="1" smtClean="0">
+                <a:solidFill>
+                  <a:srgbClr val="FF0000"/>
+                </a:solidFill>
+              </a:rPr>
+              <a:t>node_name</a:t>
+            </a:r>
+            <a:r>
+              <a:rPr lang="en-US" b="1" dirty="0" smtClean="0">
+                <a:solidFill>
+                  <a:srgbClr val="FF0000"/>
+                </a:solidFill>
+              </a:rPr>
+              <a:t>’, ‘L2’ , </a:t>
+            </a:r>
+            <a:r>
+              <a:rPr lang="en-US" b="1" dirty="0" err="1" smtClean="0">
+                <a:solidFill>
+                  <a:srgbClr val="FF0000"/>
+                </a:solidFill>
+              </a:rPr>
+              <a:t>ndim</a:t>
+            </a:r>
+            <a:r>
+              <a:rPr lang="en-US" b="1" dirty="0" smtClean="0">
+                <a:solidFill>
+                  <a:srgbClr val="FF0000"/>
                 </a:solidFill>
               </a:rPr>
               <a:t>, </a:t>
             </a:r>
             <a:r>
-              <a:rPr lang="en-US" b="1" dirty="0" err="1">
-                <a:solidFill>
-                  <a:srgbClr val="C00000"/>
-                </a:solidFill>
-              </a:rPr>
-              <a:t>number,recursive,fpar</a:t>
+              <a:rPr lang="en-US" b="1" dirty="0" err="1" smtClean="0">
+                <a:solidFill>
+                  <a:srgbClr val="FF0000"/>
+                </a:solidFill>
+              </a:rPr>
+              <a:t>nsize</a:t>
             </a:r>
             <a:r>
               <a:rPr lang="en-US" b="1" dirty="0" smtClean="0">
                 <a:solidFill>
-                  <a:srgbClr val="C00000"/>
+                  <a:srgbClr val="FF0000"/>
+                </a:solidFill>
+              </a:rPr>
+              <a:t>, </a:t>
+            </a:r>
+            <a:r>
+              <a:rPr lang="en-US" b="1" dirty="0" err="1" smtClean="0">
+                <a:solidFill>
+                  <a:srgbClr val="FF0000"/>
+                </a:solidFill>
+              </a:rPr>
+              <a:t>fpar</a:t>
+            </a:r>
+            <a:r>
+              <a:rPr lang="en-US" b="1" dirty="0" smtClean="0">
+                <a:solidFill>
+                  <a:srgbClr val="FF0000"/>
                 </a:solidFill>
               </a:rPr>
               <a:t>)</a:t>
             </a:r>
+            <a:endParaRPr lang="en-US" dirty="0" smtClean="0"/>
           </a:p>
           <a:p>
             <a:pPr lvl="1"/>
             <a:r>
               <a:rPr lang="en-US" dirty="0" smtClean="0"/>
-              <a:t>Return number of nodes </a:t>
+              <a:t>This will allocate two dimensional array accessed by tmp%l2 independent of values of </a:t>
             </a:r>
             <a:r>
               <a:rPr lang="en-US" dirty="0" err="1" smtClean="0"/>
-              <a:t>pnode</a:t>
-            </a:r>
-            <a:r>
-              <a:rPr lang="en-US" dirty="0" smtClean="0"/>
-              <a:t> list</a:t>
-            </a:r>
+              <a:t>ndim</a:t>
+            </a:r>
+            <a:r>
+              <a:rPr lang="en-US" dirty="0" smtClean="0"/>
+              <a:t> and </a:t>
+            </a:r>
+            <a:r>
+              <a:rPr lang="en-US" dirty="0" err="1" smtClean="0"/>
+              <a:t>nsize</a:t>
+            </a:r>
+            <a:endParaRPr lang="en-US" dirty="0"/>
           </a:p>
           <a:p>
             <a:pPr lvl="1"/>
             <a:r>
               <a:rPr lang="en-US" dirty="0" smtClean="0"/>
-              <a:t>Input parameters</a:t>
-            </a:r>
+              <a:t>The arrays are then located by using function </a:t>
+            </a:r>
+            <a:r>
+              <a:rPr lang="en-US" dirty="0" err="1" smtClean="0"/>
+              <a:t>fll_getndata</a:t>
+            </a:r>
+            <a:r>
+              <a:rPr lang="en-US" dirty="0" smtClean="0"/>
+              <a:t> with specified type and additional parameter </a:t>
+            </a:r>
+            <a:r>
+              <a:rPr lang="en-US" dirty="0" err="1" smtClean="0"/>
+              <a:t>force_type</a:t>
+            </a:r>
+            <a:r>
+              <a:rPr lang="en-US" dirty="0" smtClean="0"/>
+              <a:t> = ‘y’</a:t>
+            </a:r>
+          </a:p>
+          <a:p>
+            <a:pPr lvl="1"/>
+            <a:r>
+              <a:rPr lang="en-US" dirty="0" smtClean="0"/>
+              <a:t>Example: the array above would be accessed</a:t>
+            </a:r>
+          </a:p>
+          <a:p>
+            <a:pPr marL="914400" lvl="2" indent="0">
+              <a:buNone/>
+            </a:pPr>
+            <a:r>
+              <a:rPr lang="en-US" sz="2400" b="1" dirty="0" smtClean="0">
+                <a:solidFill>
+                  <a:srgbClr val="FF0000"/>
+                </a:solidFill>
+              </a:rPr>
+              <a:t>Array </a:t>
+            </a:r>
+            <a:r>
+              <a:rPr lang="en-US" sz="2400" b="1" dirty="0">
+                <a:solidFill>
+                  <a:srgbClr val="FF0000"/>
+                </a:solidFill>
+              </a:rPr>
+              <a:t>=&gt; fll_getndata_l2(pointer, ‘</a:t>
+            </a:r>
+            <a:r>
+              <a:rPr lang="en-US" sz="2400" b="1" dirty="0" err="1">
+                <a:solidFill>
+                  <a:srgbClr val="FF0000"/>
+                </a:solidFill>
+              </a:rPr>
+              <a:t>node_name</a:t>
+            </a:r>
+            <a:r>
+              <a:rPr lang="en-US" sz="2400" b="1" dirty="0">
+                <a:solidFill>
+                  <a:srgbClr val="FF0000"/>
+                </a:solidFill>
+              </a:rPr>
+              <a:t>’, 1_lint, </a:t>
+            </a:r>
+            <a:r>
+              <a:rPr lang="en-US" sz="2400" b="1" dirty="0" err="1">
+                <a:solidFill>
+                  <a:srgbClr val="FF0000"/>
+                </a:solidFill>
+              </a:rPr>
+              <a:t>fpar</a:t>
+            </a:r>
+            <a:r>
+              <a:rPr lang="en-US" sz="2400" b="1" dirty="0">
+                <a:solidFill>
+                  <a:srgbClr val="FF0000"/>
+                </a:solidFill>
+              </a:rPr>
+              <a:t>, </a:t>
+            </a:r>
+            <a:r>
+              <a:rPr lang="en-US" sz="2400" b="1" dirty="0" err="1">
+                <a:solidFill>
+                  <a:srgbClr val="FF0000"/>
+                </a:solidFill>
+              </a:rPr>
+              <a:t>force_type</a:t>
+            </a:r>
+            <a:r>
+              <a:rPr lang="en-US" sz="2400" b="1" dirty="0">
+                <a:solidFill>
+                  <a:srgbClr val="FF0000"/>
+                </a:solidFill>
+              </a:rPr>
+              <a:t>=‘y’)</a:t>
+            </a:r>
+          </a:p>
+          <a:p>
+            <a:pPr marL="457200" lvl="1" indent="0">
+              <a:buNone/>
+            </a:pPr>
+            <a:endParaRPr lang="en-US" dirty="0"/>
           </a:p>
           <a:p>
             <a:pPr lvl="2"/>
-            <a:r>
-              <a:rPr lang="en-US" dirty="0" err="1" smtClean="0"/>
-              <a:t>Pnode</a:t>
-            </a:r>
-            <a:r>
-              <a:rPr lang="en-US" dirty="0" smtClean="0"/>
-              <a:t> – list where to search</a:t>
-            </a:r>
+            <a:endParaRPr lang="en-US" dirty="0"/>
           </a:p>
           <a:p>
             <a:pPr lvl="2"/>
-            <a:r>
-              <a:rPr lang="en-US" dirty="0" smtClean="0"/>
-              <a:t>Name – name of node</a:t>
-            </a:r>
-          </a:p>
-          <a:p>
-            <a:pPr lvl="2"/>
-            <a:r>
-              <a:rPr lang="en-US" dirty="0" smtClean="0"/>
-              <a:t>Number – order of the node (1</a:t>
-            </a:r>
-            <a:r>
-              <a:rPr lang="en-US" baseline="30000" dirty="0" smtClean="0"/>
-              <a:t>st</a:t>
-            </a:r>
-            <a:r>
-              <a:rPr lang="en-US" dirty="0" smtClean="0"/>
-              <a:t>, 2</a:t>
-            </a:r>
-            <a:r>
-              <a:rPr lang="en-US" baseline="30000" dirty="0" smtClean="0"/>
-              <a:t>nd</a:t>
-            </a:r>
-            <a:r>
-              <a:rPr lang="en-US" dirty="0" smtClean="0"/>
-              <a:t> </a:t>
-            </a:r>
-            <a:r>
-              <a:rPr lang="en-US" dirty="0" err="1" smtClean="0"/>
-              <a:t>etc</a:t>
-            </a:r>
-            <a:r>
-              <a:rPr lang="en-US" dirty="0" smtClean="0"/>
-              <a:t>…) if more nodes of the same name </a:t>
-            </a:r>
-          </a:p>
-          <a:p>
-            <a:pPr lvl="2"/>
-            <a:r>
-              <a:rPr lang="en-US" dirty="0" smtClean="0"/>
-              <a:t>Type – type of node</a:t>
-            </a:r>
-          </a:p>
-          <a:p>
-            <a:pPr lvl="2"/>
-            <a:r>
-              <a:rPr lang="en-US" dirty="0"/>
-              <a:t>Dim – dimensions of arrays in the node, can be 0,1,2, if any other number the dimensions is not </a:t>
-            </a:r>
-            <a:r>
-              <a:rPr lang="en-US" dirty="0" smtClean="0"/>
-              <a:t>considered</a:t>
-            </a:r>
-          </a:p>
-          <a:p>
-            <a:pPr lvl="2"/>
-            <a:r>
-              <a:rPr lang="en-US" dirty="0" smtClean="0"/>
-              <a:t>Recursive – search list recursively, if so, number == 1</a:t>
-            </a:r>
-          </a:p>
-          <a:p>
-            <a:pPr lvl="2"/>
-            <a:r>
-              <a:rPr lang="en-US" dirty="0" smtClean="0"/>
-              <a:t>Both name and type can be set to *</a:t>
-            </a:r>
-          </a:p>
-          <a:p>
-            <a:pPr lvl="1"/>
-            <a:r>
-              <a:rPr lang="en-US" dirty="0" smtClean="0"/>
-              <a:t>Return – number of nodes</a:t>
-            </a:r>
             <a:endParaRPr lang="en-US" dirty="0"/>
           </a:p>
         </p:txBody>
@@ -4025,13 +4162,20 @@
     </p:spTree>
     <p:extLst>
       <p:ext uri="{BB962C8B-B14F-4D97-AF65-F5344CB8AC3E}">
-        <p14:creationId xmlns:p14="http://schemas.microsoft.com/office/powerpoint/2010/main" val="2539684297"/>
+        <p14:creationId xmlns:p14="http://schemas.microsoft.com/office/powerpoint/2010/main" val="2984802980"/>
       </p:ext>
     </p:extLst>
   </p:cSld>
   <p:clrMapOvr>
     <a:masterClrMapping/>
   </p:clrMapOvr>
+  <p:timing>
+    <p:tnLst>
+      <p:par>
+        <p:cTn id="1" dur="indefinite" restart="never" nodeType="tmRoot"/>
+      </p:par>
+    </p:tnLst>
+  </p:timing>
 </p:sld>
 </file>
 
@@ -4081,7 +4225,7 @@
                   <a:srgbClr val="002060"/>
                 </a:solidFill>
               </a:rPr>
-              <a:t>fll_getndata</a:t>
+              <a:t>fll_locate</a:t>
             </a:r>
             <a:r>
               <a:rPr lang="en-US" b="1" dirty="0" smtClean="0">
@@ -4111,9 +4255,7 @@
         </p:nvSpPr>
         <p:spPr/>
         <p:txBody>
-          <a:bodyPr>
-            <a:normAutofit/>
-          </a:bodyPr>
+          <a:bodyPr/>
           <a:lstStyle/>
           <a:p>
             <a:r>
@@ -4122,7 +4264,7 @@
                   <a:srgbClr val="C00000"/>
                 </a:solidFill>
               </a:rPr>
-              <a:t>fll_getndata</a:t>
+              <a:t>fll_locate</a:t>
             </a:r>
             <a:r>
               <a:rPr lang="en-US" b="1" dirty="0" smtClean="0">
@@ -4130,7 +4272,7 @@
                   <a:srgbClr val="C00000"/>
                 </a:solidFill>
               </a:rPr>
-              <a:t>(</a:t>
+              <a:t> (</a:t>
             </a:r>
             <a:r>
               <a:rPr lang="en-US" b="1" dirty="0" err="1" smtClean="0">
@@ -4154,6 +4296,22 @@
                   <a:srgbClr val="C00000"/>
                 </a:solidFill>
               </a:rPr>
+              <a:t>type,dim</a:t>
+            </a:r>
+            <a:r>
+              <a:rPr lang="en-US" b="1" dirty="0">
+                <a:solidFill>
+                  <a:srgbClr val="C00000"/>
+                </a:solidFill>
+              </a:rPr>
+              <a:t>, </a:t>
+            </a:r>
+            <a:r>
+              <a:rPr lang="en-US" b="1" dirty="0" err="1">
+                <a:solidFill>
+                  <a:srgbClr val="C00000"/>
+                </a:solidFill>
+              </a:rPr>
               <a:t>number,recursive,fpar</a:t>
             </a:r>
             <a:r>
@@ -4169,7 +4327,7 @@
             <a:pPr lvl="1"/>
             <a:r>
               <a:rPr lang="en-US" dirty="0" smtClean="0"/>
-              <a:t>Returns data in nodes which are not type of DIR</a:t>
+              <a:t>Locates node</a:t>
             </a:r>
           </a:p>
           <a:p>
@@ -4232,21 +4390,20 @@
             <a:pPr lvl="2"/>
             <a:r>
               <a:rPr lang="en-US" dirty="0" smtClean="0"/>
-              <a:t>Dim </a:t>
-            </a:r>
-            <a:r>
-              <a:rPr lang="en-US" dirty="0"/>
-              <a:t>– dimensions of arrays in the node, can be 0,1,2, if any other number the dimensions is not </a:t>
-            </a:r>
-            <a:r>
-              <a:rPr lang="en-US" dirty="0" smtClean="0"/>
-              <a:t>considered</a:t>
+              <a:t>Type – type of node</a:t>
             </a:r>
           </a:p>
           <a:p>
             <a:pPr lvl="2"/>
             <a:r>
               <a:rPr lang="en-US" dirty="0" smtClean="0"/>
+              <a:t>Dim – dimensions of arrays in the node, can be 0,1,2, if any other number the dimensions is not considered</a:t>
+            </a:r>
+          </a:p>
+          <a:p>
+            <a:pPr lvl="2"/>
+            <a:r>
+              <a:rPr lang="en-US" dirty="0" smtClean="0"/>
               <a:t>Recursive – search list recursively, if so, number == 1</a:t>
             </a:r>
           </a:p>
@@ -4261,7 +4418,7 @@
             <a:pPr lvl="1"/>
             <a:r>
               <a:rPr lang="en-US" dirty="0" smtClean="0"/>
-              <a:t>Return – pointer to the data</a:t>
+              <a:t>Return – pointer to located node</a:t>
             </a:r>
             <a:endParaRPr lang="en-US" dirty="0"/>
           </a:p>
@@ -4270,7 +4427,7 @@
     </p:spTree>
     <p:extLst>
       <p:ext uri="{BB962C8B-B14F-4D97-AF65-F5344CB8AC3E}">
-        <p14:creationId xmlns:p14="http://schemas.microsoft.com/office/powerpoint/2010/main" val="628798269"/>
+        <p14:creationId xmlns:p14="http://schemas.microsoft.com/office/powerpoint/2010/main" val="51338362"/>
       </p:ext>
     </p:extLst>
   </p:cSld>
@@ -4313,7 +4470,7 @@
           <a:lstStyle/>
           <a:p>
             <a:r>
-              <a:rPr lang="en-US" b="1" dirty="0">
+              <a:rPr lang="en-US" b="1" dirty="0" smtClean="0">
                 <a:solidFill>
                   <a:srgbClr val="002060"/>
                 </a:solidFill>
@@ -4321,21 +4478,26 @@
               <a:t>Function </a:t>
             </a:r>
             <a:r>
-              <a:rPr lang="en-US" b="1" dirty="0" err="1">
+              <a:rPr lang="en-US" b="1" dirty="0" err="1" smtClean="0">
                 <a:solidFill>
                   <a:srgbClr val="002060"/>
                 </a:solidFill>
               </a:rPr>
-              <a:t>fll_getndata</a:t>
-            </a:r>
-            <a:r>
-              <a:rPr lang="en-US" b="1" dirty="0">
+              <a:t>fll_nnodes</a:t>
+            </a:r>
+            <a:r>
+              <a:rPr lang="en-US" b="1" dirty="0" smtClean="0">
                 <a:solidFill>
                   <a:srgbClr val="002060"/>
                 </a:solidFill>
               </a:rPr>
               <a:t>()</a:t>
             </a:r>
+            <a:endParaRPr lang="en-US" b="1" dirty="0">
+              <a:solidFill>
+                <a:srgbClr val="002060"/>
+              </a:solidFill>
+            </a:endParaRPr>
           </a:p>
         </p:txBody>
       </p:sp>
@@ -4352,181 +4514,168 @@
         <p:spPr/>
         <p:txBody>
           <a:bodyPr>
-            <a:normAutofit lnSpcReduction="10000"/>
+            <a:normAutofit/>
           </a:bodyPr>
           <a:lstStyle/>
           <a:p>
             <a:r>
-              <a:rPr lang="en-US" dirty="0" smtClean="0"/>
-              <a:t>Functions are </a:t>
+              <a:rPr lang="en-US" b="1" dirty="0" err="1" smtClean="0">
+                <a:solidFill>
+                  <a:srgbClr val="C00000"/>
+                </a:solidFill>
+              </a:rPr>
+              <a:t>fll_nnodes</a:t>
+            </a:r>
+            <a:r>
+              <a:rPr lang="en-US" b="1" dirty="0" smtClean="0">
+                <a:solidFill>
+                  <a:srgbClr val="C00000"/>
+                </a:solidFill>
+              </a:rPr>
+              <a:t>(</a:t>
+            </a:r>
+            <a:r>
+              <a:rPr lang="en-US" b="1" dirty="0" err="1" smtClean="0">
+                <a:solidFill>
+                  <a:srgbClr val="C00000"/>
+                </a:solidFill>
+              </a:rPr>
+              <a:t>pnode,name,type,dim</a:t>
+            </a:r>
+            <a:r>
+              <a:rPr lang="en-US" b="1" dirty="0">
+                <a:solidFill>
+                  <a:srgbClr val="C00000"/>
+                </a:solidFill>
+              </a:rPr>
+              <a:t>, </a:t>
+            </a:r>
+            <a:r>
+              <a:rPr lang="en-US" b="1" dirty="0" err="1">
+                <a:solidFill>
+                  <a:srgbClr val="C00000"/>
+                </a:solidFill>
+              </a:rPr>
+              <a:t>number,recursive,fpar</a:t>
+            </a:r>
+            <a:r>
+              <a:rPr lang="en-US" b="1" dirty="0" smtClean="0">
+                <a:solidFill>
+                  <a:srgbClr val="C00000"/>
+                </a:solidFill>
+              </a:rPr>
+              <a:t>)</a:t>
             </a:r>
           </a:p>
           <a:p>
             <a:pPr lvl="1"/>
             <a:r>
               <a:rPr lang="en-US" dirty="0" smtClean="0"/>
-              <a:t>Real numbers</a:t>
+              <a:t>Return number of nodes </a:t>
+            </a:r>
+            <a:r>
+              <a:rPr lang="en-US" dirty="0" err="1" smtClean="0"/>
+              <a:t>pnode</a:t>
+            </a:r>
+            <a:r>
+              <a:rPr lang="en-US" dirty="0" smtClean="0"/>
+              <a:t> list</a:t>
+            </a:r>
+          </a:p>
+          <a:p>
+            <a:pPr lvl="1"/>
+            <a:r>
+              <a:rPr lang="en-US" dirty="0" smtClean="0"/>
+              <a:t>Input parameters</a:t>
             </a:r>
           </a:p>
           <a:p>
             <a:pPr lvl="2"/>
             <a:r>
-              <a:rPr lang="en-US" b="1" dirty="0" smtClean="0">
-                <a:solidFill>
-                  <a:srgbClr val="C00000"/>
-                </a:solidFill>
-              </a:rPr>
-              <a:t>fll_getndata_r0</a:t>
-            </a:r>
-            <a:endParaRPr lang="en-US" b="1" dirty="0">
-              <a:solidFill>
-                <a:srgbClr val="C00000"/>
-              </a:solidFill>
-            </a:endParaRPr>
+              <a:rPr lang="en-US" dirty="0" err="1" smtClean="0"/>
+              <a:t>Pnode</a:t>
+            </a:r>
+            <a:r>
+              <a:rPr lang="en-US" dirty="0" smtClean="0"/>
+              <a:t> – list where to search</a:t>
+            </a:r>
           </a:p>
           <a:p>
             <a:pPr lvl="2"/>
             <a:r>
-              <a:rPr lang="en-US" b="1" dirty="0" smtClean="0">
-                <a:solidFill>
-                  <a:srgbClr val="C00000"/>
-                </a:solidFill>
-              </a:rPr>
-              <a:t>fll_getndata_r1</a:t>
-            </a:r>
-            <a:endParaRPr lang="en-US" b="1" dirty="0">
-              <a:solidFill>
-                <a:srgbClr val="C00000"/>
-              </a:solidFill>
-            </a:endParaRPr>
+              <a:rPr lang="en-US" dirty="0" smtClean="0"/>
+              <a:t>Name – name of node</a:t>
+            </a:r>
           </a:p>
           <a:p>
             <a:pPr lvl="2"/>
             <a:r>
-              <a:rPr lang="en-US" b="1" dirty="0" smtClean="0">
-                <a:solidFill>
-                  <a:srgbClr val="C00000"/>
-                </a:solidFill>
-              </a:rPr>
-              <a:t>fll_getndata_r2</a:t>
+              <a:rPr lang="en-US" dirty="0" smtClean="0"/>
+              <a:t>Number – order of the node (1</a:t>
+            </a:r>
+            <a:r>
+              <a:rPr lang="en-US" baseline="30000" dirty="0" smtClean="0"/>
+              <a:t>st</a:t>
+            </a:r>
+            <a:r>
+              <a:rPr lang="en-US" dirty="0" smtClean="0"/>
+              <a:t>, 2</a:t>
+            </a:r>
+            <a:r>
+              <a:rPr lang="en-US" baseline="30000" dirty="0" smtClean="0"/>
+              <a:t>nd</a:t>
+            </a:r>
+            <a:r>
+              <a:rPr lang="en-US" dirty="0" smtClean="0"/>
+              <a:t> </a:t>
+            </a:r>
+            <a:r>
+              <a:rPr lang="en-US" dirty="0" err="1" smtClean="0"/>
+              <a:t>etc</a:t>
+            </a:r>
+            <a:r>
+              <a:rPr lang="en-US" dirty="0" smtClean="0"/>
+              <a:t>…) if more nodes of the same name </a:t>
+            </a:r>
+          </a:p>
+          <a:p>
+            <a:pPr lvl="2"/>
+            <a:r>
+              <a:rPr lang="en-US" dirty="0" smtClean="0"/>
+              <a:t>Type – type of node</a:t>
+            </a:r>
+          </a:p>
+          <a:p>
+            <a:pPr lvl="2"/>
+            <a:r>
+              <a:rPr lang="en-US" dirty="0"/>
+              <a:t>Dim – dimensions of arrays in the node, can be 0,1,2, if any other number the dimensions is not </a:t>
+            </a:r>
+            <a:r>
+              <a:rPr lang="en-US" dirty="0" smtClean="0"/>
+              <a:t>considered</a:t>
+            </a:r>
+          </a:p>
+          <a:p>
+            <a:pPr lvl="2"/>
+            <a:r>
+              <a:rPr lang="en-US" dirty="0" smtClean="0"/>
+              <a:t>Recursive – search list recursively, if so, number == 1</a:t>
+            </a:r>
+          </a:p>
+          <a:p>
+            <a:pPr lvl="2"/>
+            <a:r>
+              <a:rPr lang="en-US" dirty="0" smtClean="0"/>
+              <a:t>Both name and type can be set to *</a:t>
             </a:r>
           </a:p>
           <a:p>
             <a:pPr lvl="1"/>
             <a:r>
               <a:rPr lang="en-US" dirty="0" smtClean="0"/>
-              <a:t>Double numbers</a:t>
-            </a:r>
-            <a:endParaRPr lang="en-US" dirty="0"/>
-          </a:p>
-          <a:p>
-            <a:pPr lvl="2"/>
-            <a:r>
-              <a:rPr lang="en-US" b="1" dirty="0" smtClean="0">
-                <a:solidFill>
-                  <a:srgbClr val="C00000"/>
-                </a:solidFill>
-              </a:rPr>
-              <a:t>fll_getndata_d0</a:t>
-            </a:r>
-            <a:endParaRPr lang="en-US" b="1" dirty="0">
-              <a:solidFill>
-                <a:srgbClr val="C00000"/>
-              </a:solidFill>
-            </a:endParaRPr>
-          </a:p>
-          <a:p>
-            <a:pPr lvl="2"/>
-            <a:r>
-              <a:rPr lang="en-US" b="1" dirty="0" smtClean="0">
-                <a:solidFill>
-                  <a:srgbClr val="C00000"/>
-                </a:solidFill>
-              </a:rPr>
-              <a:t>fll_getndata_d1</a:t>
-            </a:r>
-            <a:endParaRPr lang="en-US" b="1" dirty="0">
-              <a:solidFill>
-                <a:srgbClr val="C00000"/>
-              </a:solidFill>
-            </a:endParaRPr>
-          </a:p>
-          <a:p>
-            <a:pPr lvl="2"/>
-            <a:r>
-              <a:rPr lang="en-US" b="1" dirty="0" smtClean="0">
-                <a:solidFill>
-                  <a:srgbClr val="C00000"/>
-                </a:solidFill>
-              </a:rPr>
-              <a:t>fll_getndata_d2</a:t>
-            </a:r>
-          </a:p>
-          <a:p>
-            <a:pPr lvl="1"/>
-            <a:r>
-              <a:rPr lang="en-US" dirty="0" smtClean="0"/>
-              <a:t>Strings</a:t>
-            </a:r>
-          </a:p>
-          <a:p>
-            <a:pPr lvl="2"/>
-            <a:r>
-              <a:rPr lang="en-US" b="1" dirty="0" smtClean="0">
-                <a:solidFill>
-                  <a:srgbClr val="C00000"/>
-                </a:solidFill>
-              </a:rPr>
-              <a:t>fll_getndata_s0</a:t>
-            </a:r>
-            <a:endParaRPr lang="en-US" b="1" dirty="0">
-              <a:solidFill>
-                <a:srgbClr val="C00000"/>
-              </a:solidFill>
-            </a:endParaRPr>
-          </a:p>
-          <a:p>
-            <a:pPr lvl="2"/>
-            <a:r>
-              <a:rPr lang="en-US" b="1" dirty="0" smtClean="0">
-                <a:solidFill>
-                  <a:srgbClr val="C00000"/>
-                </a:solidFill>
-              </a:rPr>
-              <a:t>fll_getndata_s1</a:t>
-            </a:r>
-            <a:endParaRPr lang="en-US" b="1" dirty="0">
-              <a:solidFill>
-                <a:srgbClr val="C00000"/>
-              </a:solidFill>
-            </a:endParaRPr>
-          </a:p>
-          <a:p>
-            <a:pPr lvl="2"/>
-            <a:r>
-              <a:rPr lang="en-US" b="1" dirty="0" smtClean="0">
-                <a:solidFill>
-                  <a:srgbClr val="C00000"/>
-                </a:solidFill>
-              </a:rPr>
-              <a:t>fll_getndata_s2</a:t>
-            </a:r>
-            <a:endParaRPr lang="en-US" b="1" dirty="0">
-              <a:solidFill>
-                <a:srgbClr val="C00000"/>
-              </a:solidFill>
-            </a:endParaRPr>
-          </a:p>
-          <a:p>
-            <a:pPr lvl="1"/>
-            <a:endParaRPr lang="en-US" dirty="0"/>
-          </a:p>
-          <a:p>
-            <a:pPr lvl="2"/>
-            <a:endParaRPr lang="en-US" dirty="0"/>
-          </a:p>
-          <a:p>
-            <a:pPr lvl="1"/>
+              <a:t>Return – number of nodes</a:t>
+            </a:r>
             <a:endParaRPr lang="en-US" dirty="0"/>
           </a:p>
         </p:txBody>
@@ -4534,7 +4683,7 @@
     </p:spTree>
     <p:extLst>
       <p:ext uri="{BB962C8B-B14F-4D97-AF65-F5344CB8AC3E}">
-        <p14:creationId xmlns:p14="http://schemas.microsoft.com/office/powerpoint/2010/main" val="3334160452"/>
+        <p14:creationId xmlns:p14="http://schemas.microsoft.com/office/powerpoint/2010/main" val="2539684297"/>
       </p:ext>
     </p:extLst>
   </p:cSld>
@@ -4582,7 +4731,7 @@
                   <a:srgbClr val="002060"/>
                 </a:solidFill>
               </a:rPr>
-              <a:t>Subroutine </a:t>
+              <a:t>Function </a:t>
             </a:r>
             <a:r>
               <a:rPr lang="en-US" b="1" dirty="0" err="1" smtClean="0">
@@ -4590,7 +4739,7 @@
                   <a:srgbClr val="002060"/>
                 </a:solidFill>
               </a:rPr>
-              <a:t>fll_rm</a:t>
+              <a:t>fll_getndata</a:t>
             </a:r>
             <a:r>
               <a:rPr lang="en-US" b="1" dirty="0" smtClean="0">
@@ -4621,7 +4770,7 @@
         <p:spPr/>
         <p:txBody>
           <a:bodyPr>
-            <a:normAutofit/>
+            <a:normAutofit lnSpcReduction="10000"/>
           </a:bodyPr>
           <a:lstStyle/>
           <a:p>
@@ -4647,7 +4796,7 @@
                   <a:srgbClr val="C00000"/>
                 </a:solidFill>
               </a:rPr>
-              <a:t>pnode,fpar</a:t>
+              <a:t>pnode,name</a:t>
             </a:r>
             <a:r>
               <a:rPr lang="en-US" b="1" dirty="0" smtClean="0">
@@ -4655,14 +4804,35 @@
                   <a:srgbClr val="C00000"/>
                 </a:solidFill>
               </a:rPr>
+              <a:t>, </a:t>
+            </a:r>
+            <a:r>
+              <a:rPr lang="en-US" b="1" dirty="0" err="1" smtClean="0">
+                <a:solidFill>
+                  <a:srgbClr val="C00000"/>
+                </a:solidFill>
+              </a:rPr>
+              <a:t>number,recursive,fpar,force_type</a:t>
+            </a:r>
+            <a:r>
+              <a:rPr lang="en-US" b="1" dirty="0" smtClean="0">
+                <a:solidFill>
+                  <a:srgbClr val="C00000"/>
+                </a:solidFill>
+              </a:rPr>
               <a:t>)</a:t>
             </a:r>
+            <a:endParaRPr lang="en-US" b="1" dirty="0" smtClean="0">
+              <a:solidFill>
+                <a:srgbClr val="C00000"/>
+              </a:solidFill>
+            </a:endParaRPr>
           </a:p>
           <a:p>
             <a:pPr lvl="1"/>
             <a:r>
               <a:rPr lang="en-US" dirty="0" smtClean="0"/>
-              <a:t>Removes data</a:t>
+              <a:t>Returns data in nodes which are not type of DIR</a:t>
             </a:r>
           </a:p>
           <a:p>
@@ -4680,21 +4850,139 @@
             </a:r>
             <a:r>
               <a:rPr lang="en-US" dirty="0" smtClean="0"/>
-              <a:t> – list to be removed</a:t>
-            </a:r>
+              <a:t> – list where to search</a:t>
+            </a:r>
+          </a:p>
+          <a:p>
+            <a:pPr lvl="2"/>
+            <a:r>
+              <a:rPr lang="en-US" dirty="0" smtClean="0"/>
+              <a:t>Name – name of node</a:t>
+            </a:r>
+          </a:p>
+          <a:p>
+            <a:pPr lvl="2"/>
+            <a:r>
+              <a:rPr lang="en-US" dirty="0" smtClean="0"/>
+              <a:t>Number – order of the node (1</a:t>
+            </a:r>
+            <a:r>
+              <a:rPr lang="en-US" baseline="30000" dirty="0" smtClean="0"/>
+              <a:t>st</a:t>
+            </a:r>
+            <a:r>
+              <a:rPr lang="en-US" dirty="0" smtClean="0"/>
+              <a:t>, 2</a:t>
+            </a:r>
+            <a:r>
+              <a:rPr lang="en-US" baseline="30000" dirty="0" smtClean="0"/>
+              <a:t>nd</a:t>
+            </a:r>
+            <a:r>
+              <a:rPr lang="en-US" dirty="0" smtClean="0"/>
+              <a:t> </a:t>
+            </a:r>
+            <a:r>
+              <a:rPr lang="en-US" dirty="0" err="1" smtClean="0"/>
+              <a:t>etc</a:t>
+            </a:r>
+            <a:r>
+              <a:rPr lang="en-US" dirty="0" smtClean="0"/>
+              <a:t>…) if more nodes of the same name </a:t>
+            </a:r>
+          </a:p>
+          <a:p>
+            <a:pPr lvl="2"/>
+            <a:r>
+              <a:rPr lang="en-US" dirty="0" smtClean="0"/>
+              <a:t>Dim </a:t>
+            </a:r>
+            <a:r>
+              <a:rPr lang="en-US" dirty="0"/>
+              <a:t>– dimensions of arrays in the node, can be 0,1,2, if any other number the dimensions is not </a:t>
+            </a:r>
+            <a:r>
+              <a:rPr lang="en-US" dirty="0" smtClean="0"/>
+              <a:t>considered</a:t>
+            </a:r>
+          </a:p>
+          <a:p>
+            <a:pPr lvl="2"/>
+            <a:r>
+              <a:rPr lang="en-US" dirty="0" smtClean="0"/>
+              <a:t>Recursive – search list recursively, if so, number == 1</a:t>
+            </a:r>
+          </a:p>
+          <a:p>
+            <a:pPr lvl="2"/>
+            <a:r>
+              <a:rPr lang="en-US" dirty="0" smtClean="0"/>
+              <a:t>Both name and type can be set to </a:t>
+            </a:r>
+            <a:r>
+              <a:rPr lang="en-US" dirty="0" smtClean="0"/>
+              <a:t>*</a:t>
+            </a:r>
+          </a:p>
+          <a:p>
+            <a:pPr lvl="2"/>
+            <a:r>
+              <a:rPr lang="en-US" dirty="0" smtClean="0"/>
+              <a:t>If </a:t>
+            </a:r>
+            <a:r>
+              <a:rPr lang="en-US" dirty="0" err="1" smtClean="0"/>
+              <a:t>force_type</a:t>
+            </a:r>
+            <a:r>
+              <a:rPr lang="en-US" dirty="0" smtClean="0"/>
+              <a:t> specified as ‘y’ array dimensions will be forced by index in name </a:t>
+            </a:r>
+            <a:r>
+              <a:rPr lang="en-US" smtClean="0"/>
+              <a:t>of function </a:t>
+            </a:r>
+            <a:r>
+              <a:rPr lang="en-US" dirty="0" smtClean="0"/>
+              <a:t>– see </a:t>
+            </a:r>
+            <a:r>
+              <a:rPr lang="en-US" dirty="0" err="1" smtClean="0"/>
+              <a:t>fll_mk</a:t>
+            </a:r>
+            <a:r>
+              <a:rPr lang="en-US" dirty="0" smtClean="0"/>
+              <a:t>()</a:t>
+            </a:r>
+            <a:endParaRPr lang="en-US" dirty="0" smtClean="0"/>
+          </a:p>
+          <a:p>
+            <a:pPr lvl="1"/>
+            <a:r>
+              <a:rPr lang="en-US" dirty="0" smtClean="0"/>
+              <a:t>Return – pointer to the data</a:t>
+            </a:r>
+            <a:endParaRPr lang="en-US" dirty="0"/>
           </a:p>
         </p:txBody>
       </p:sp>
     </p:spTree>
     <p:extLst>
       <p:ext uri="{BB962C8B-B14F-4D97-AF65-F5344CB8AC3E}">
-        <p14:creationId xmlns:p14="http://schemas.microsoft.com/office/powerpoint/2010/main" val="3917356030"/>
+        <p14:creationId xmlns:p14="http://schemas.microsoft.com/office/powerpoint/2010/main" val="628798269"/>
       </p:ext>
     </p:extLst>
   </p:cSld>
   <p:clrMapOvr>
     <a:masterClrMapping/>
   </p:clrMapOvr>
+  <p:timing>
+    <p:tnLst>
+      <p:par>
+        <p:cTn id="1" dur="indefinite" restart="never" nodeType="tmRoot"/>
+      </p:par>
+    </p:tnLst>
+  </p:timing>
 </p:sld>
 </file>
 
@@ -4731,34 +5019,29 @@
           <a:lstStyle/>
           <a:p>
             <a:r>
-              <a:rPr lang="en-US" b="1" dirty="0" smtClean="0">
+              <a:rPr lang="en-US" b="1" dirty="0">
                 <a:solidFill>
                   <a:srgbClr val="002060"/>
                 </a:solidFill>
               </a:rPr>
-              <a:t>Subroutine </a:t>
-            </a:r>
-            <a:r>
-              <a:rPr lang="en-US" b="1" dirty="0" err="1" smtClean="0">
+              <a:t>Function </a:t>
+            </a:r>
+            <a:r>
+              <a:rPr lang="en-US" b="1" dirty="0" err="1">
                 <a:solidFill>
                   <a:srgbClr val="002060"/>
                 </a:solidFill>
               </a:rPr>
-              <a:t>fll_cat</a:t>
-            </a:r>
-            <a:r>
-              <a:rPr lang="en-US" b="1" dirty="0" smtClean="0">
+              <a:t>fll_getndata</a:t>
+            </a:r>
+            <a:r>
+              <a:rPr lang="en-US" b="1" dirty="0">
                 <a:solidFill>
                   <a:srgbClr val="002060"/>
                 </a:solidFill>
               </a:rPr>
               <a:t>()</a:t>
             </a:r>
-            <a:endParaRPr lang="en-US" b="1" dirty="0">
-              <a:solidFill>
-                <a:srgbClr val="002060"/>
-              </a:solidFill>
-            </a:endParaRPr>
           </a:p>
         </p:txBody>
       </p:sp>
@@ -4775,102 +5058,189 @@
         <p:spPr/>
         <p:txBody>
           <a:bodyPr>
-            <a:normAutofit/>
+            <a:normAutofit lnSpcReduction="10000"/>
           </a:bodyPr>
           <a:lstStyle/>
           <a:p>
             <a:r>
-              <a:rPr lang="en-US" b="1" dirty="0" err="1" smtClean="0">
-                <a:solidFill>
-                  <a:srgbClr val="C00000"/>
-                </a:solidFill>
-              </a:rPr>
-              <a:t>fll_cat</a:t>
-            </a:r>
+              <a:rPr lang="en-US" dirty="0" smtClean="0"/>
+              <a:t>Functions are </a:t>
+            </a:r>
+          </a:p>
+          <a:p>
+            <a:pPr lvl="1"/>
+            <a:r>
+              <a:rPr lang="en-US" dirty="0" smtClean="0"/>
+              <a:t>Real numbers</a:t>
+            </a:r>
+          </a:p>
+          <a:p>
+            <a:pPr lvl="2"/>
             <a:r>
               <a:rPr lang="en-US" b="1" dirty="0" smtClean="0">
                 <a:solidFill>
                   <a:srgbClr val="C00000"/>
                 </a:solidFill>
               </a:rPr>
-              <a:t>(</a:t>
-            </a:r>
-            <a:r>
-              <a:rPr lang="en-US" b="1" dirty="0" err="1" smtClean="0">
-                <a:solidFill>
-                  <a:srgbClr val="C00000"/>
-                </a:solidFill>
-              </a:rPr>
-              <a:t>pnode,iounit,parent,fpar</a:t>
-            </a:r>
+              <a:t>fll_getndata_r0</a:t>
+            </a:r>
+            <a:endParaRPr lang="en-US" b="1" dirty="0">
+              <a:solidFill>
+                <a:srgbClr val="C00000"/>
+              </a:solidFill>
+            </a:endParaRPr>
+          </a:p>
+          <a:p>
+            <a:pPr lvl="2"/>
             <a:r>
               <a:rPr lang="en-US" b="1" dirty="0" smtClean="0">
                 <a:solidFill>
                   <a:srgbClr val="C00000"/>
                 </a:solidFill>
               </a:rPr>
-              <a:t>)</a:t>
+              <a:t>fll_getndata_r1</a:t>
+            </a:r>
+            <a:endParaRPr lang="en-US" b="1" dirty="0">
+              <a:solidFill>
+                <a:srgbClr val="C00000"/>
+              </a:solidFill>
+            </a:endParaRPr>
+          </a:p>
+          <a:p>
+            <a:pPr lvl="2"/>
+            <a:r>
+              <a:rPr lang="en-US" b="1" dirty="0" smtClean="0">
+                <a:solidFill>
+                  <a:srgbClr val="C00000"/>
+                </a:solidFill>
+              </a:rPr>
+              <a:t>fll_getndata_r2</a:t>
             </a:r>
           </a:p>
           <a:p>
             <a:pPr lvl="1"/>
             <a:r>
               <a:rPr lang="en-US" dirty="0" smtClean="0"/>
-              <a:t>Prints data to </a:t>
-            </a:r>
-            <a:r>
-              <a:rPr lang="en-US" dirty="0" err="1" smtClean="0"/>
-              <a:t>iounit</a:t>
-            </a:r>
-            <a:endParaRPr lang="en-US" dirty="0" smtClean="0"/>
+              <a:t>Double numbers</a:t>
+            </a:r>
+            <a:endParaRPr lang="en-US" dirty="0"/>
+          </a:p>
+          <a:p>
+            <a:pPr lvl="2"/>
+            <a:r>
+              <a:rPr lang="en-US" b="1" dirty="0" smtClean="0">
+                <a:solidFill>
+                  <a:srgbClr val="C00000"/>
+                </a:solidFill>
+              </a:rPr>
+              <a:t>fll_getndata_d0</a:t>
+            </a:r>
+            <a:endParaRPr lang="en-US" b="1" dirty="0">
+              <a:solidFill>
+                <a:srgbClr val="C00000"/>
+              </a:solidFill>
+            </a:endParaRPr>
+          </a:p>
+          <a:p>
+            <a:pPr lvl="2"/>
+            <a:r>
+              <a:rPr lang="en-US" b="1" dirty="0" smtClean="0">
+                <a:solidFill>
+                  <a:srgbClr val="C00000"/>
+                </a:solidFill>
+              </a:rPr>
+              <a:t>fll_getndata_d1</a:t>
+            </a:r>
+            <a:endParaRPr lang="en-US" b="1" dirty="0">
+              <a:solidFill>
+                <a:srgbClr val="C00000"/>
+              </a:solidFill>
+            </a:endParaRPr>
+          </a:p>
+          <a:p>
+            <a:pPr lvl="2"/>
+            <a:r>
+              <a:rPr lang="en-US" b="1" dirty="0" smtClean="0">
+                <a:solidFill>
+                  <a:srgbClr val="C00000"/>
+                </a:solidFill>
+              </a:rPr>
+              <a:t>fll_getndata_d2</a:t>
+            </a:r>
           </a:p>
           <a:p>
             <a:pPr lvl="1"/>
             <a:r>
               <a:rPr lang="en-US" dirty="0" smtClean="0"/>
-              <a:t>Input parameters</a:t>
+              <a:t>Strings</a:t>
             </a:r>
           </a:p>
           <a:p>
             <a:pPr lvl="2"/>
             <a:r>
-              <a:rPr lang="en-US" dirty="0" err="1" smtClean="0"/>
-              <a:t>Pnode</a:t>
-            </a:r>
-            <a:r>
-              <a:rPr lang="en-US" dirty="0" smtClean="0"/>
-              <a:t> – list to be printed</a:t>
-            </a:r>
+              <a:rPr lang="en-US" b="1" dirty="0" smtClean="0">
+                <a:solidFill>
+                  <a:srgbClr val="C00000"/>
+                </a:solidFill>
+              </a:rPr>
+              <a:t>fll_getndata_s0</a:t>
+            </a:r>
+            <a:endParaRPr lang="en-US" b="1" dirty="0">
+              <a:solidFill>
+                <a:srgbClr val="C00000"/>
+              </a:solidFill>
+            </a:endParaRPr>
           </a:p>
           <a:p>
             <a:pPr lvl="2"/>
             <a:r>
-              <a:rPr lang="en-US" dirty="0" err="1" smtClean="0"/>
-              <a:t>Iounit</a:t>
-            </a:r>
-            <a:r>
-              <a:rPr lang="en-US" dirty="0" smtClean="0"/>
-              <a:t> –  </a:t>
-            </a:r>
-            <a:r>
-              <a:rPr lang="en-US" dirty="0"/>
-              <a:t>number of file descriptor</a:t>
-            </a:r>
-            <a:endParaRPr lang="en-US" dirty="0" smtClean="0"/>
+              <a:rPr lang="en-US" b="1" dirty="0" smtClean="0">
+                <a:solidFill>
+                  <a:srgbClr val="C00000"/>
+                </a:solidFill>
+              </a:rPr>
+              <a:t>fll_getndata_s1</a:t>
+            </a:r>
+            <a:endParaRPr lang="en-US" b="1" dirty="0">
+              <a:solidFill>
+                <a:srgbClr val="C00000"/>
+              </a:solidFill>
+            </a:endParaRPr>
           </a:p>
           <a:p>
             <a:pPr lvl="2"/>
             <a:r>
-              <a:rPr lang="en-US" dirty="0" smtClean="0"/>
-              <a:t>Parent – if TRUE write information about node’s parent</a:t>
-            </a:r>
+              <a:rPr lang="en-US" b="1" dirty="0" smtClean="0">
+                <a:solidFill>
+                  <a:srgbClr val="C00000"/>
+                </a:solidFill>
+              </a:rPr>
+              <a:t>fll_getndata_s2</a:t>
+            </a:r>
+            <a:endParaRPr lang="en-US" b="1" dirty="0">
+              <a:solidFill>
+                <a:srgbClr val="C00000"/>
+              </a:solidFill>
+            </a:endParaRPr>
+          </a:p>
+          <a:p>
+            <a:pPr lvl="1"/>
+            <a:endParaRPr lang="en-US" dirty="0"/>
+          </a:p>
+          <a:p>
+            <a:pPr lvl="2"/>
+            <a:endParaRPr lang="en-US" dirty="0"/>
+          </a:p>
+          <a:p>
+            <a:pPr lvl="1"/>
+            <a:endParaRPr lang="en-US" dirty="0"/>
           </a:p>
         </p:txBody>
       </p:sp>
     </p:spTree>
     <p:extLst>
       <p:ext uri="{BB962C8B-B14F-4D97-AF65-F5344CB8AC3E}">
-        <p14:creationId xmlns:p14="http://schemas.microsoft.com/office/powerpoint/2010/main" val="2041767468"/>
+        <p14:creationId xmlns:p14="http://schemas.microsoft.com/office/powerpoint/2010/main" val="3334160452"/>
       </p:ext>
     </p:extLst>
   </p:cSld>
@@ -4918,7 +5288,7 @@
                   <a:srgbClr val="002060"/>
                 </a:solidFill>
               </a:rPr>
-              <a:t>Function </a:t>
+              <a:t>Subroutine </a:t>
             </a:r>
             <a:r>
               <a:rPr lang="en-US" b="1" dirty="0" err="1" smtClean="0">
@@ -4926,7 +5296,7 @@
                   <a:srgbClr val="002060"/>
                 </a:solidFill>
               </a:rPr>
-              <a:t>fll_deattach</a:t>
+              <a:t>fll_rm</a:t>
             </a:r>
             <a:r>
               <a:rPr lang="en-US" b="1" dirty="0" smtClean="0">
@@ -4967,7 +5337,7 @@
                   <a:srgbClr val="C00000"/>
                 </a:solidFill>
               </a:rPr>
-              <a:t>fll_deattach</a:t>
+              <a:t>fll_getndata</a:t>
             </a:r>
             <a:r>
               <a:rPr lang="en-US" b="1" dirty="0" smtClean="0">
@@ -4998,36 +5368,7 @@
             <a:pPr lvl="1"/>
             <a:r>
               <a:rPr lang="en-US" dirty="0" smtClean="0"/>
-              <a:t>Detaches PNODE from list</a:t>
-            </a:r>
-          </a:p>
-          <a:p>
-            <a:pPr lvl="2"/>
-            <a:r>
-              <a:rPr lang="en-US" dirty="0" smtClean="0"/>
-              <a:t>After being detached from list, the node parent and siblings are NULL </a:t>
-            </a:r>
-          </a:p>
-          <a:p>
-            <a:pPr lvl="2"/>
-            <a:r>
-              <a:rPr lang="en-US" dirty="0" smtClean="0"/>
-              <a:t>The node is removed from the original list</a:t>
-            </a:r>
-          </a:p>
-          <a:p>
-            <a:pPr lvl="2"/>
-            <a:r>
-              <a:rPr lang="en-US" dirty="0" smtClean="0"/>
-              <a:t>The function is an opposite to </a:t>
-            </a:r>
-            <a:r>
-              <a:rPr lang="en-US" dirty="0" err="1" smtClean="0"/>
-              <a:t>fll_mv</a:t>
-            </a:r>
-            <a:r>
-              <a:rPr lang="en-US" dirty="0" smtClean="0"/>
-              <a:t>() function</a:t>
+              <a:t>Removes data</a:t>
             </a:r>
           </a:p>
           <a:p>
@@ -5045,14 +5386,7 @@
             </a:r>
             <a:r>
               <a:rPr lang="en-US" dirty="0" smtClean="0"/>
-              <a:t> – list to be printed</a:t>
-            </a:r>
-          </a:p>
-          <a:p>
-            <a:pPr lvl="2"/>
-            <a:r>
-              <a:rPr lang="en-US" dirty="0" smtClean="0"/>
-              <a:t>Parent – if TRUE write information about node’s parent</a:t>
+              <a:t> – list to be removed</a:t>
             </a:r>
           </a:p>
         </p:txBody>
@@ -5060,7 +5394,7 @@
     </p:spTree>
     <p:extLst>
       <p:ext uri="{BB962C8B-B14F-4D97-AF65-F5344CB8AC3E}">
-        <p14:creationId xmlns:p14="http://schemas.microsoft.com/office/powerpoint/2010/main" val="1154602696"/>
+        <p14:creationId xmlns:p14="http://schemas.microsoft.com/office/powerpoint/2010/main" val="3917356030"/>
       </p:ext>
     </p:extLst>
   </p:cSld>
@@ -5116,7 +5450,7 @@
                   <a:srgbClr val="002060"/>
                 </a:solidFill>
               </a:rPr>
-              <a:t>fll_write</a:t>
+              <a:t>fll_cat</a:t>
             </a:r>
             <a:r>
               <a:rPr lang="en-US" b="1" dirty="0" smtClean="0">
@@ -5157,7 +5491,7 @@
                   <a:srgbClr val="C00000"/>
                 </a:solidFill>
               </a:rPr>
-              <a:t>fll_write</a:t>
+              <a:t>fll_cat</a:t>
             </a:r>
             <a:r>
               <a:rPr lang="en-US" b="1" dirty="0" smtClean="0">
@@ -5173,7 +5507,7 @@
                   <a:srgbClr val="C00000"/>
                 </a:solidFill>
               </a:rPr>
-              <a:t>pnode,file,iounit,fmt,fpar</a:t>
+              <a:t>pnode,iounit,parent,fpar</a:t>
             </a:r>
             <a:r>
               <a:rPr lang="en-US" b="1" dirty="0" smtClean="0">
@@ -5188,8 +5522,13 @@
             <a:pPr lvl="1"/>
             <a:r>
               <a:rPr lang="en-US" dirty="0" smtClean="0"/>
-              <a:t>Write data to FLL native format file </a:t>
-            </a:r>
+              <a:t>Prints data to </a:t>
+            </a:r>
+            <a:r>
+              <a:rPr lang="en-US" dirty="0" err="1" smtClean="0"/>
+              <a:t>iounit</a:t>
+            </a:r>
+            <a:endParaRPr lang="en-US" dirty="0" smtClean="0"/>
           </a:p>
           <a:p>
             <a:pPr lvl="1"/>
@@ -5212,19 +5551,12 @@
           <a:p>
             <a:pPr lvl="2"/>
             <a:r>
-              <a:rPr lang="en-US" dirty="0" smtClean="0"/>
-              <a:t>File – name of file</a:t>
-            </a:r>
-          </a:p>
-          <a:p>
-            <a:pPr lvl="2"/>
-            <a:r>
               <a:rPr lang="en-US" dirty="0" err="1" smtClean="0"/>
               <a:t>Iounit</a:t>
             </a:r>
             <a:r>
               <a:rPr lang="en-US" dirty="0" smtClean="0"/>
-              <a:t> - </a:t>
+              <a:t> –  </a:t>
             </a:r>
             <a:r>
               <a:rPr lang="en-US" dirty="0"/>
@@ -5235,12 +5567,8 @@
           <a:p>
             <a:pPr lvl="2"/>
             <a:r>
-              <a:rPr lang="en-US" dirty="0" err="1" smtClean="0"/>
-              <a:t>Fmt</a:t>
-            </a:r>
-            <a:r>
-              <a:rPr lang="en-US" dirty="0" smtClean="0"/>
-              <a:t> – A- asci file, B – binary file</a:t>
+              <a:rPr lang="en-US" dirty="0" smtClean="0"/>
+              <a:t>Parent – if TRUE write information about node’s parent</a:t>
             </a:r>
           </a:p>
         </p:txBody>
@@ -5248,7 +5576,7 @@
     </p:spTree>
     <p:extLst>
       <p:ext uri="{BB962C8B-B14F-4D97-AF65-F5344CB8AC3E}">
-        <p14:creationId xmlns:p14="http://schemas.microsoft.com/office/powerpoint/2010/main" val="726118658"/>
+        <p14:creationId xmlns:p14="http://schemas.microsoft.com/office/powerpoint/2010/main" val="2041767468"/>
       </p:ext>
     </p:extLst>
   </p:cSld>
@@ -5384,6 +5712,13 @@
   <p:clrMapOvr>
     <a:masterClrMapping/>
   </p:clrMapOvr>
+  <p:timing>
+    <p:tnLst>
+      <p:par>
+        <p:cTn id="1" dur="indefinite" restart="never" nodeType="tmRoot"/>
+      </p:par>
+    </p:tnLst>
+  </p:timing>
 </p:sld>
 </file>
 
@@ -5433,7 +5768,7 @@
                   <a:srgbClr val="002060"/>
                 </a:solidFill>
               </a:rPr>
-              <a:t>fll_read</a:t>
+              <a:t>fll_deattach</a:t>
             </a:r>
             <a:r>
               <a:rPr lang="en-US" b="1" dirty="0" smtClean="0">
@@ -5474,7 +5809,7 @@
                   <a:srgbClr val="C00000"/>
                 </a:solidFill>
               </a:rPr>
-              <a:t>fll_read</a:t>
+              <a:t>fll_deattach</a:t>
             </a:r>
             <a:r>
               <a:rPr lang="en-US" b="1" dirty="0" smtClean="0">
@@ -5490,7 +5825,7 @@
                   <a:srgbClr val="C00000"/>
                 </a:solidFill>
               </a:rPr>
-              <a:t>pnode,file,iounit,fmt,fpar</a:t>
+              <a:t>pnode,fpar</a:t>
             </a:r>
             <a:r>
               <a:rPr lang="en-US" b="1" dirty="0" smtClean="0">
@@ -5505,7 +5840,36 @@
             <a:pPr lvl="1"/>
             <a:r>
               <a:rPr lang="en-US" dirty="0" smtClean="0"/>
-              <a:t>Read data from FLL native format file </a:t>
+              <a:t>Detaches PNODE from list</a:t>
+            </a:r>
+          </a:p>
+          <a:p>
+            <a:pPr lvl="2"/>
+            <a:r>
+              <a:rPr lang="en-US" dirty="0" smtClean="0"/>
+              <a:t>After being detached from list, the node parent and siblings are NULL </a:t>
+            </a:r>
+          </a:p>
+          <a:p>
+            <a:pPr lvl="2"/>
+            <a:r>
+              <a:rPr lang="en-US" dirty="0" smtClean="0"/>
+              <a:t>The node is removed from the original list</a:t>
+            </a:r>
+          </a:p>
+          <a:p>
+            <a:pPr lvl="2"/>
+            <a:r>
+              <a:rPr lang="en-US" dirty="0" smtClean="0"/>
+              <a:t>The function is an opposite to </a:t>
+            </a:r>
+            <a:r>
+              <a:rPr lang="en-US" dirty="0" err="1" smtClean="0"/>
+              <a:t>fll_mv</a:t>
+            </a:r>
+            <a:r>
+              <a:rPr lang="en-US" dirty="0" smtClean="0"/>
+              <a:t>() function</a:t>
             </a:r>
           </a:p>
           <a:p>
@@ -5530,69 +5894,15 @@
             <a:pPr lvl="2"/>
             <a:r>
               <a:rPr lang="en-US" dirty="0" smtClean="0"/>
-              <a:t>File – name of file</a:t>
-            </a:r>
-          </a:p>
-          <a:p>
-            <a:pPr lvl="2"/>
-            <a:r>
-              <a:rPr lang="en-US" dirty="0" err="1" smtClean="0"/>
-              <a:t>Iounit</a:t>
-            </a:r>
-            <a:r>
-              <a:rPr lang="en-US" dirty="0" smtClean="0"/>
-              <a:t> – number of file descriptor</a:t>
-            </a:r>
-            <a:endParaRPr lang="en-US" dirty="0"/>
-          </a:p>
-          <a:p>
-            <a:pPr lvl="2"/>
-            <a:r>
-              <a:rPr lang="en-US" dirty="0" err="1" smtClean="0"/>
-              <a:t>Fmt</a:t>
-            </a:r>
-            <a:r>
-              <a:rPr lang="en-US" dirty="0" smtClean="0"/>
-              <a:t> – A- asci file, B – binary file</a:t>
-            </a:r>
-          </a:p>
-          <a:p>
-            <a:pPr lvl="2"/>
-            <a:endParaRPr lang="en-US" dirty="0"/>
-          </a:p>
-          <a:p>
-            <a:pPr lvl="2"/>
-            <a:r>
-              <a:rPr lang="en-US" dirty="0"/>
-              <a:t>Returns pointer to </a:t>
-            </a:r>
-            <a:r>
-              <a:rPr lang="en-US" dirty="0" smtClean="0"/>
-              <a:t>imported </a:t>
-            </a:r>
-            <a:r>
-              <a:rPr lang="en-US" dirty="0" err="1" smtClean="0"/>
-              <a:t>fll</a:t>
-            </a:r>
-            <a:r>
-              <a:rPr lang="en-US" dirty="0" smtClean="0"/>
-              <a:t> </a:t>
-            </a:r>
-            <a:r>
-              <a:rPr lang="en-US" dirty="0"/>
-              <a:t>list </a:t>
-            </a:r>
-          </a:p>
-          <a:p>
-            <a:pPr lvl="2"/>
-            <a:endParaRPr lang="en-US" dirty="0" smtClean="0"/>
+              <a:t>Parent – if TRUE write information about node’s parent</a:t>
+            </a:r>
           </a:p>
         </p:txBody>
       </p:sp>
     </p:spTree>
     <p:extLst>
       <p:ext uri="{BB962C8B-B14F-4D97-AF65-F5344CB8AC3E}">
-        <p14:creationId xmlns:p14="http://schemas.microsoft.com/office/powerpoint/2010/main" val="1845879526"/>
+        <p14:creationId xmlns:p14="http://schemas.microsoft.com/office/powerpoint/2010/main" val="1154602696"/>
       </p:ext>
     </p:extLst>
   </p:cSld>
@@ -5689,7 +5999,7 @@
                   <a:srgbClr val="C00000"/>
                 </a:solidFill>
               </a:rPr>
-              <a:t>fll_write_ffa</a:t>
+              <a:t>fll_write</a:t>
             </a:r>
             <a:r>
               <a:rPr lang="en-US" b="1" dirty="0" smtClean="0">
@@ -5720,7 +6030,7 @@
             <a:pPr lvl="1"/>
             <a:r>
               <a:rPr lang="en-US" dirty="0" smtClean="0"/>
-              <a:t>Write data to FFA format file </a:t>
+              <a:t>Write data to FLL native format file </a:t>
             </a:r>
           </a:p>
           <a:p>
@@ -5780,7 +6090,7 @@
     </p:spTree>
     <p:extLst>
       <p:ext uri="{BB962C8B-B14F-4D97-AF65-F5344CB8AC3E}">
-        <p14:creationId xmlns:p14="http://schemas.microsoft.com/office/powerpoint/2010/main" val="2061982905"/>
+        <p14:creationId xmlns:p14="http://schemas.microsoft.com/office/powerpoint/2010/main" val="726118658"/>
       </p:ext>
     </p:extLst>
   </p:cSld>
@@ -5836,7 +6146,7 @@
                   <a:srgbClr val="002060"/>
                 </a:solidFill>
               </a:rPr>
-              <a:t>fll_read_ffa</a:t>
+              <a:t>fll_read</a:t>
             </a:r>
             <a:r>
               <a:rPr lang="en-US" b="1" dirty="0" smtClean="0">
@@ -5877,7 +6187,7 @@
                   <a:srgbClr val="C00000"/>
                 </a:solidFill>
               </a:rPr>
-              <a:t>fll_read_ffa</a:t>
+              <a:t>fll_read</a:t>
             </a:r>
             <a:r>
               <a:rPr lang="en-US" b="1" dirty="0" smtClean="0">
@@ -5908,7 +6218,7 @@
             <a:pPr lvl="1"/>
             <a:r>
               <a:rPr lang="en-US" dirty="0" smtClean="0"/>
-              <a:t>Read data from FFA format file </a:t>
+              <a:t>Read data from FLL native format file </a:t>
             </a:r>
           </a:p>
           <a:p>
@@ -5967,11 +6277,11 @@
             <a:pPr lvl="2"/>
             <a:r>
               <a:rPr lang="en-US" dirty="0"/>
-              <a:t>Returns </a:t>
-            </a:r>
-            <a:r>
-              <a:rPr lang="en-US" dirty="0" smtClean="0"/>
-              <a:t>pointer to imported </a:t>
+              <a:t>Returns pointer to </a:t>
+            </a:r>
+            <a:r>
+              <a:rPr lang="en-US" dirty="0" smtClean="0"/>
+              <a:t>imported </a:t>
             </a:r>
             <a:r>
               <a:rPr lang="en-US" dirty="0" err="1" smtClean="0"/>
@@ -5979,9 +6289,12 @@
             </a:r>
             <a:r>
               <a:rPr lang="en-US" dirty="0" smtClean="0"/>
-              <a:t> list </a:t>
-            </a:r>
-            <a:endParaRPr lang="en-US" dirty="0"/>
+              <a:t> </a:t>
+            </a:r>
+            <a:r>
+              <a:rPr lang="en-US" dirty="0"/>
+              <a:t>list </a:t>
+            </a:r>
           </a:p>
           <a:p>
             <a:pPr lvl="2"/>
@@ -5992,7 +6305,7 @@
     </p:spTree>
     <p:extLst>
       <p:ext uri="{BB962C8B-B14F-4D97-AF65-F5344CB8AC3E}">
-        <p14:creationId xmlns:p14="http://schemas.microsoft.com/office/powerpoint/2010/main" val="3583348500"/>
+        <p14:creationId xmlns:p14="http://schemas.microsoft.com/office/powerpoint/2010/main" val="1845879526"/>
       </p:ext>
     </p:extLst>
   </p:cSld>
@@ -6040,6 +6353,406 @@
                   <a:srgbClr val="002060"/>
                 </a:solidFill>
               </a:rPr>
+              <a:t>Subroutine </a:t>
+            </a:r>
+            <a:r>
+              <a:rPr lang="en-US" b="1" dirty="0" err="1" smtClean="0">
+                <a:solidFill>
+                  <a:srgbClr val="002060"/>
+                </a:solidFill>
+              </a:rPr>
+              <a:t>fll_write</a:t>
+            </a:r>
+            <a:r>
+              <a:rPr lang="en-US" b="1" dirty="0" smtClean="0">
+                <a:solidFill>
+                  <a:srgbClr val="002060"/>
+                </a:solidFill>
+              </a:rPr>
+              <a:t>()</a:t>
+            </a:r>
+            <a:endParaRPr lang="en-US" b="1" dirty="0">
+              <a:solidFill>
+                <a:srgbClr val="002060"/>
+              </a:solidFill>
+            </a:endParaRPr>
+          </a:p>
+        </p:txBody>
+      </p:sp>
+      <p:sp>
+        <p:nvSpPr>
+          <p:cNvPr id="3" name="Content Placeholder 2"/>
+          <p:cNvSpPr>
+            <a:spLocks noGrp="1"/>
+          </p:cNvSpPr>
+          <p:nvPr>
+            <p:ph idx="1"/>
+          </p:nvPr>
+        </p:nvSpPr>
+        <p:spPr/>
+        <p:txBody>
+          <a:bodyPr>
+            <a:normAutofit/>
+          </a:bodyPr>
+          <a:lstStyle/>
+          <a:p>
+            <a:r>
+              <a:rPr lang="en-US" b="1" dirty="0" err="1" smtClean="0">
+                <a:solidFill>
+                  <a:srgbClr val="C00000"/>
+                </a:solidFill>
+              </a:rPr>
+              <a:t>fll_write_ffa</a:t>
+            </a:r>
+            <a:r>
+              <a:rPr lang="en-US" b="1" dirty="0" smtClean="0">
+                <a:solidFill>
+                  <a:srgbClr val="C00000"/>
+                </a:solidFill>
+              </a:rPr>
+              <a:t>(</a:t>
+            </a:r>
+            <a:r>
+              <a:rPr lang="en-US" b="1" dirty="0" err="1" smtClean="0">
+                <a:solidFill>
+                  <a:srgbClr val="C00000"/>
+                </a:solidFill>
+              </a:rPr>
+              <a:t>pnode,file,iounit,fmt,fpar</a:t>
+            </a:r>
+            <a:r>
+              <a:rPr lang="en-US" b="1" dirty="0" smtClean="0">
+                <a:solidFill>
+                  <a:srgbClr val="C00000"/>
+                </a:solidFill>
+              </a:rPr>
+              <a:t>)</a:t>
+            </a:r>
+          </a:p>
+          <a:p>
+            <a:pPr lvl="1"/>
+            <a:r>
+              <a:rPr lang="en-US" dirty="0" smtClean="0"/>
+              <a:t>Write data to FFA format file </a:t>
+            </a:r>
+          </a:p>
+          <a:p>
+            <a:pPr lvl="1"/>
+            <a:r>
+              <a:rPr lang="en-US" dirty="0" smtClean="0"/>
+              <a:t>Input parameters</a:t>
+            </a:r>
+          </a:p>
+          <a:p>
+            <a:pPr lvl="2"/>
+            <a:r>
+              <a:rPr lang="en-US" dirty="0" err="1" smtClean="0"/>
+              <a:t>Pnode</a:t>
+            </a:r>
+            <a:r>
+              <a:rPr lang="en-US" dirty="0" smtClean="0"/>
+              <a:t> – list to be printed</a:t>
+            </a:r>
+          </a:p>
+          <a:p>
+            <a:pPr lvl="2"/>
+            <a:r>
+              <a:rPr lang="en-US" dirty="0" smtClean="0"/>
+              <a:t>File – name of file</a:t>
+            </a:r>
+          </a:p>
+          <a:p>
+            <a:pPr lvl="2"/>
+            <a:r>
+              <a:rPr lang="en-US" dirty="0" err="1" smtClean="0"/>
+              <a:t>Iounit</a:t>
+            </a:r>
+            <a:r>
+              <a:rPr lang="en-US" dirty="0" smtClean="0"/>
+              <a:t> - </a:t>
+            </a:r>
+            <a:r>
+              <a:rPr lang="en-US" dirty="0"/>
+              <a:t>number of file descriptor</a:t>
+            </a:r>
+            <a:endParaRPr lang="en-US" dirty="0" smtClean="0"/>
+          </a:p>
+          <a:p>
+            <a:pPr lvl="2"/>
+            <a:r>
+              <a:rPr lang="en-US" dirty="0" err="1" smtClean="0"/>
+              <a:t>Fmt</a:t>
+            </a:r>
+            <a:r>
+              <a:rPr lang="en-US" dirty="0" smtClean="0"/>
+              <a:t> – A- asci file, B – binary file</a:t>
+            </a:r>
+          </a:p>
+        </p:txBody>
+      </p:sp>
+    </p:spTree>
+    <p:extLst>
+      <p:ext uri="{BB962C8B-B14F-4D97-AF65-F5344CB8AC3E}">
+        <p14:creationId xmlns:p14="http://schemas.microsoft.com/office/powerpoint/2010/main" val="2061982905"/>
+      </p:ext>
+    </p:extLst>
+  </p:cSld>
+  <p:clrMapOvr>
+    <a:masterClrMapping/>
+  </p:clrMapOvr>
+</p:sld>
+</file>
+
+<file path=ppt/slides/slide24.xml><?xml version="1.0" encoding="utf-8"?>
+<p:sld xmlns:a="http://schemas.openxmlformats.org/drawingml/2006/main" xmlns:r="http://schemas.openxmlformats.org/officeDocument/2006/relationships" xmlns:p="http://schemas.openxmlformats.org/presentationml/2006/main">
+  <p:cSld>
+    <p:spTree>
+      <p:nvGrpSpPr>
+        <p:cNvPr id="1" name=""/>
+        <p:cNvGrpSpPr/>
+        <p:nvPr/>
+      </p:nvGrpSpPr>
+      <p:grpSpPr>
+        <a:xfrm>
+          <a:off x="0" y="0"/>
+          <a:ext cx="0" cy="0"/>
+          <a:chOff x="0" y="0"/>
+          <a:chExt cx="0" cy="0"/>
+        </a:xfrm>
+      </p:grpSpPr>
+      <p:sp>
+        <p:nvSpPr>
+          <p:cNvPr id="2" name="Title 1"/>
+          <p:cNvSpPr>
+            <a:spLocks noGrp="1"/>
+          </p:cNvSpPr>
+          <p:nvPr>
+            <p:ph type="title"/>
+          </p:nvPr>
+        </p:nvSpPr>
+        <p:spPr/>
+        <p:txBody>
+          <a:bodyPr/>
+          <a:lstStyle/>
+          <a:p>
+            <a:r>
+              <a:rPr lang="en-US" b="1" dirty="0" smtClean="0">
+                <a:solidFill>
+                  <a:srgbClr val="002060"/>
+                </a:solidFill>
+              </a:rPr>
+              <a:t>Function </a:t>
+            </a:r>
+            <a:r>
+              <a:rPr lang="en-US" b="1" dirty="0" err="1" smtClean="0">
+                <a:solidFill>
+                  <a:srgbClr val="002060"/>
+                </a:solidFill>
+              </a:rPr>
+              <a:t>fll_read_ffa</a:t>
+            </a:r>
+            <a:r>
+              <a:rPr lang="en-US" b="1" dirty="0" smtClean="0">
+                <a:solidFill>
+                  <a:srgbClr val="002060"/>
+                </a:solidFill>
+              </a:rPr>
+              <a:t>()</a:t>
+            </a:r>
+            <a:endParaRPr lang="en-US" b="1" dirty="0">
+              <a:solidFill>
+                <a:srgbClr val="002060"/>
+              </a:solidFill>
+            </a:endParaRPr>
+          </a:p>
+        </p:txBody>
+      </p:sp>
+      <p:sp>
+        <p:nvSpPr>
+          <p:cNvPr id="3" name="Content Placeholder 2"/>
+          <p:cNvSpPr>
+            <a:spLocks noGrp="1"/>
+          </p:cNvSpPr>
+          <p:nvPr>
+            <p:ph idx="1"/>
+          </p:nvPr>
+        </p:nvSpPr>
+        <p:spPr/>
+        <p:txBody>
+          <a:bodyPr>
+            <a:normAutofit/>
+          </a:bodyPr>
+          <a:lstStyle/>
+          <a:p>
+            <a:r>
+              <a:rPr lang="en-US" b="1" dirty="0" err="1" smtClean="0">
+                <a:solidFill>
+                  <a:srgbClr val="C00000"/>
+                </a:solidFill>
+              </a:rPr>
+              <a:t>fll_read_ffa</a:t>
+            </a:r>
+            <a:r>
+              <a:rPr lang="en-US" b="1" dirty="0" smtClean="0">
+                <a:solidFill>
+                  <a:srgbClr val="C00000"/>
+                </a:solidFill>
+              </a:rPr>
+              <a:t>(</a:t>
+            </a:r>
+            <a:r>
+              <a:rPr lang="en-US" b="1" dirty="0" err="1" smtClean="0">
+                <a:solidFill>
+                  <a:srgbClr val="C00000"/>
+                </a:solidFill>
+              </a:rPr>
+              <a:t>pnode,file,iounit,fmt,fpar</a:t>
+            </a:r>
+            <a:r>
+              <a:rPr lang="en-US" b="1" dirty="0" smtClean="0">
+                <a:solidFill>
+                  <a:srgbClr val="C00000"/>
+                </a:solidFill>
+              </a:rPr>
+              <a:t>)</a:t>
+            </a:r>
+          </a:p>
+          <a:p>
+            <a:pPr lvl="1"/>
+            <a:r>
+              <a:rPr lang="en-US" dirty="0" smtClean="0"/>
+              <a:t>Read data from FFA format file </a:t>
+            </a:r>
+          </a:p>
+          <a:p>
+            <a:pPr lvl="1"/>
+            <a:r>
+              <a:rPr lang="en-US" dirty="0" smtClean="0"/>
+              <a:t>Input parameters</a:t>
+            </a:r>
+          </a:p>
+          <a:p>
+            <a:pPr lvl="2"/>
+            <a:r>
+              <a:rPr lang="en-US" dirty="0" err="1" smtClean="0"/>
+              <a:t>Pnode</a:t>
+            </a:r>
+            <a:r>
+              <a:rPr lang="en-US" dirty="0" smtClean="0"/>
+              <a:t> – list to be printed</a:t>
+            </a:r>
+          </a:p>
+          <a:p>
+            <a:pPr lvl="2"/>
+            <a:r>
+              <a:rPr lang="en-US" dirty="0" smtClean="0"/>
+              <a:t>File – name of file</a:t>
+            </a:r>
+          </a:p>
+          <a:p>
+            <a:pPr lvl="2"/>
+            <a:r>
+              <a:rPr lang="en-US" dirty="0" err="1" smtClean="0"/>
+              <a:t>Iounit</a:t>
+            </a:r>
+            <a:r>
+              <a:rPr lang="en-US" dirty="0" smtClean="0"/>
+              <a:t> – number of file descriptor</a:t>
+            </a:r>
+            <a:endParaRPr lang="en-US" dirty="0"/>
+          </a:p>
+          <a:p>
+            <a:pPr lvl="2"/>
+            <a:r>
+              <a:rPr lang="en-US" dirty="0" err="1" smtClean="0"/>
+              <a:t>Fmt</a:t>
+            </a:r>
+            <a:r>
+              <a:rPr lang="en-US" dirty="0" smtClean="0"/>
+              <a:t> – A- asci file, B – binary file</a:t>
+            </a:r>
+          </a:p>
+          <a:p>
+            <a:pPr lvl="2"/>
+            <a:endParaRPr lang="en-US" dirty="0"/>
+          </a:p>
+          <a:p>
+            <a:pPr lvl="2"/>
+            <a:r>
+              <a:rPr lang="en-US" dirty="0"/>
+              <a:t>Returns </a:t>
+            </a:r>
+            <a:r>
+              <a:rPr lang="en-US" dirty="0" smtClean="0"/>
+              <a:t>pointer to imported </a:t>
+            </a:r>
+            <a:r>
+              <a:rPr lang="en-US" dirty="0" err="1" smtClean="0"/>
+              <a:t>fll</a:t>
+            </a:r>
+            <a:r>
+              <a:rPr lang="en-US" dirty="0" smtClean="0"/>
+              <a:t> list </a:t>
+            </a:r>
+            <a:endParaRPr lang="en-US" dirty="0"/>
+          </a:p>
+          <a:p>
+            <a:pPr lvl="2"/>
+            <a:endParaRPr lang="en-US" dirty="0" smtClean="0"/>
+          </a:p>
+        </p:txBody>
+      </p:sp>
+    </p:spTree>
+    <p:extLst>
+      <p:ext uri="{BB962C8B-B14F-4D97-AF65-F5344CB8AC3E}">
+        <p14:creationId xmlns:p14="http://schemas.microsoft.com/office/powerpoint/2010/main" val="3583348500"/>
+      </p:ext>
+    </p:extLst>
+  </p:cSld>
+  <p:clrMapOvr>
+    <a:masterClrMapping/>
+  </p:clrMapOvr>
+</p:sld>
+</file>
+
+<file path=ppt/slides/slide25.xml><?xml version="1.0" encoding="utf-8"?>
+<p:sld xmlns:a="http://schemas.openxmlformats.org/drawingml/2006/main" xmlns:r="http://schemas.openxmlformats.org/officeDocument/2006/relationships" xmlns:p="http://schemas.openxmlformats.org/presentationml/2006/main">
+  <p:cSld>
+    <p:spTree>
+      <p:nvGrpSpPr>
+        <p:cNvPr id="1" name=""/>
+        <p:cNvGrpSpPr/>
+        <p:nvPr/>
+      </p:nvGrpSpPr>
+      <p:grpSpPr>
+        <a:xfrm>
+          <a:off x="0" y="0"/>
+          <a:ext cx="0" cy="0"/>
+          <a:chOff x="0" y="0"/>
+          <a:chExt cx="0" cy="0"/>
+        </a:xfrm>
+      </p:grpSpPr>
+      <p:sp>
+        <p:nvSpPr>
+          <p:cNvPr id="2" name="Title 1"/>
+          <p:cNvSpPr>
+            <a:spLocks noGrp="1"/>
+          </p:cNvSpPr>
+          <p:nvPr>
+            <p:ph type="title"/>
+          </p:nvPr>
+        </p:nvSpPr>
+        <p:spPr/>
+        <p:txBody>
+          <a:bodyPr/>
+          <a:lstStyle/>
+          <a:p>
+            <a:r>
+              <a:rPr lang="en-US" b="1" dirty="0" smtClean="0">
+                <a:solidFill>
+                  <a:srgbClr val="002060"/>
+                </a:solidFill>
+              </a:rPr>
               <a:t>Moving, copying nodes details</a:t>
             </a:r>
             <a:endParaRPr lang="en-US" b="1" dirty="0">
@@ -7862,7 +8575,7 @@
 </p:sld>
 </file>
 
-<file path=ppt/slides/slide24.xml><?xml version="1.0" encoding="utf-8"?>
+<file path=ppt/slides/slide26.xml><?xml version="1.0" encoding="utf-8"?>
 <p:sld xmlns:a="http://schemas.openxmlformats.org/drawingml/2006/main" xmlns:r="http://schemas.openxmlformats.org/officeDocument/2006/relationships" xmlns:p="http://schemas.openxmlformats.org/presentationml/2006/main">
   <p:cSld>
     <p:spTree>
@@ -9563,546 +10276,6 @@
 </p:sld>
 </file>
 
-<file path=ppt/slides/slide25.xml><?xml version="1.0" encoding="utf-8"?>
-<p:sld xmlns:a="http://schemas.openxmlformats.org/drawingml/2006/main" xmlns:r="http://schemas.openxmlformats.org/officeDocument/2006/relationships" xmlns:p="http://schemas.openxmlformats.org/presentationml/2006/main">
-  <p:cSld>
-    <p:spTree>
-      <p:nvGrpSpPr>
-        <p:cNvPr id="1" name=""/>
-        <p:cNvGrpSpPr/>
-        <p:nvPr/>
-      </p:nvGrpSpPr>
-      <p:grpSpPr>
-        <a:xfrm>
-          <a:off x="0" y="0"/>
-          <a:ext cx="0" cy="0"/>
-          <a:chOff x="0" y="0"/>
-          <a:chExt cx="0" cy="0"/>
-        </a:xfrm>
-      </p:grpSpPr>
-      <p:sp>
-        <p:nvSpPr>
-          <p:cNvPr id="2" name="Title 1"/>
-          <p:cNvSpPr>
-            <a:spLocks noGrp="1"/>
-          </p:cNvSpPr>
-          <p:nvPr>
-            <p:ph type="title"/>
-          </p:nvPr>
-        </p:nvSpPr>
-        <p:spPr/>
-        <p:txBody>
-          <a:bodyPr/>
-          <a:lstStyle/>
-          <a:p>
-            <a:r>
-              <a:rPr lang="en-US" b="1" dirty="0" smtClean="0">
-                <a:solidFill>
-                  <a:srgbClr val="002060"/>
-                </a:solidFill>
-              </a:rPr>
-              <a:t>Subroutine </a:t>
-            </a:r>
-            <a:r>
-              <a:rPr lang="en-US" b="1" dirty="0" err="1" smtClean="0">
-                <a:solidFill>
-                  <a:srgbClr val="002060"/>
-                </a:solidFill>
-              </a:rPr>
-              <a:t>fll_mpi_cp_all</a:t>
-            </a:r>
-            <a:r>
-              <a:rPr lang="en-US" b="1" dirty="0" smtClean="0">
-                <a:solidFill>
-                  <a:srgbClr val="002060"/>
-                </a:solidFill>
-              </a:rPr>
-              <a:t>()</a:t>
-            </a:r>
-            <a:endParaRPr lang="en-US" b="1" dirty="0">
-              <a:solidFill>
-                <a:srgbClr val="002060"/>
-              </a:solidFill>
-            </a:endParaRPr>
-          </a:p>
-        </p:txBody>
-      </p:sp>
-      <p:sp>
-        <p:nvSpPr>
-          <p:cNvPr id="3" name="Content Placeholder 2"/>
-          <p:cNvSpPr>
-            <a:spLocks noGrp="1"/>
-          </p:cNvSpPr>
-          <p:nvPr>
-            <p:ph idx="1"/>
-          </p:nvPr>
-        </p:nvSpPr>
-        <p:spPr/>
-        <p:txBody>
-          <a:bodyPr>
-            <a:normAutofit/>
-          </a:bodyPr>
-          <a:lstStyle/>
-          <a:p>
-            <a:r>
-              <a:rPr lang="en-US" b="1" dirty="0" err="1" smtClean="0">
-                <a:solidFill>
-                  <a:srgbClr val="C00000"/>
-                </a:solidFill>
-              </a:rPr>
-              <a:t>fll_mpi_cp_all</a:t>
-            </a:r>
-            <a:r>
-              <a:rPr lang="en-US" b="1" dirty="0" smtClean="0">
-                <a:solidFill>
-                  <a:srgbClr val="C00000"/>
-                </a:solidFill>
-              </a:rPr>
-              <a:t>(</a:t>
-            </a:r>
-            <a:r>
-              <a:rPr lang="en-US" b="1" dirty="0" err="1" smtClean="0">
-                <a:solidFill>
-                  <a:srgbClr val="C00000"/>
-                </a:solidFill>
-              </a:rPr>
-              <a:t>pnode,communicator,sendpart,fpar</a:t>
-            </a:r>
-            <a:r>
-              <a:rPr lang="en-US" b="1" dirty="0" smtClean="0">
-                <a:solidFill>
-                  <a:srgbClr val="C00000"/>
-                </a:solidFill>
-              </a:rPr>
-              <a:t>)</a:t>
-            </a:r>
-          </a:p>
-          <a:p>
-            <a:pPr lvl="1"/>
-            <a:r>
-              <a:rPr lang="en-US" dirty="0" smtClean="0"/>
-              <a:t>Copies (broadcasts) </a:t>
-            </a:r>
-            <a:r>
-              <a:rPr lang="en-US" dirty="0" err="1" smtClean="0"/>
-              <a:t>fll</a:t>
-            </a:r>
-            <a:r>
-              <a:rPr lang="en-US" dirty="0" smtClean="0"/>
-              <a:t> list from </a:t>
-            </a:r>
-            <a:r>
-              <a:rPr lang="en-US" dirty="0" err="1" smtClean="0"/>
-              <a:t>sendpart</a:t>
-            </a:r>
-            <a:r>
-              <a:rPr lang="en-US" dirty="0" smtClean="0"/>
-              <a:t> to all other partitions in communicator</a:t>
-            </a:r>
-          </a:p>
-          <a:p>
-            <a:pPr lvl="1"/>
-            <a:r>
-              <a:rPr lang="en-US" dirty="0" smtClean="0"/>
-              <a:t>Input parameters</a:t>
-            </a:r>
-          </a:p>
-          <a:p>
-            <a:pPr lvl="2"/>
-            <a:r>
-              <a:rPr lang="en-US" dirty="0" err="1" smtClean="0"/>
-              <a:t>Pnode</a:t>
-            </a:r>
-            <a:r>
-              <a:rPr lang="en-US" dirty="0" smtClean="0"/>
-              <a:t> – list to be printed</a:t>
-            </a:r>
-          </a:p>
-          <a:p>
-            <a:pPr lvl="2"/>
-            <a:r>
-              <a:rPr lang="en-US" dirty="0" smtClean="0"/>
-              <a:t>Communicator – MPI communicator</a:t>
-            </a:r>
-          </a:p>
-          <a:p>
-            <a:pPr lvl="2"/>
-            <a:r>
-              <a:rPr lang="en-US" dirty="0" err="1" smtClean="0"/>
-              <a:t>Sendpart</a:t>
-            </a:r>
-            <a:r>
-              <a:rPr lang="en-US" dirty="0" smtClean="0"/>
-              <a:t> – rank of sending partition</a:t>
-            </a:r>
-            <a:endParaRPr lang="en-US" dirty="0"/>
-          </a:p>
-          <a:p>
-            <a:pPr lvl="2"/>
-            <a:r>
-              <a:rPr lang="en-US" dirty="0" err="1" smtClean="0"/>
-              <a:t>Fpar</a:t>
-            </a:r>
-            <a:r>
-              <a:rPr lang="en-US" dirty="0" smtClean="0"/>
-              <a:t> – </a:t>
-            </a:r>
-            <a:r>
-              <a:rPr lang="en-US" dirty="0" err="1" smtClean="0"/>
-              <a:t>fuction</a:t>
-            </a:r>
-            <a:r>
-              <a:rPr lang="en-US" dirty="0" smtClean="0"/>
-              <a:t> specific structure</a:t>
-            </a:r>
-          </a:p>
-          <a:p>
-            <a:pPr lvl="2"/>
-            <a:endParaRPr lang="en-US" dirty="0"/>
-          </a:p>
-          <a:p>
-            <a:pPr lvl="2"/>
-            <a:r>
-              <a:rPr lang="en-US" dirty="0"/>
-              <a:t>Returns pointer </a:t>
-            </a:r>
-            <a:r>
-              <a:rPr lang="en-US" dirty="0" smtClean="0"/>
-              <a:t>to </a:t>
-            </a:r>
-            <a:r>
-              <a:rPr lang="en-US" dirty="0" err="1" smtClean="0"/>
-              <a:t>pnode</a:t>
-            </a:r>
-            <a:r>
-              <a:rPr lang="en-US" dirty="0" smtClean="0"/>
-              <a:t>  </a:t>
-            </a:r>
-            <a:r>
-              <a:rPr lang="en-US" dirty="0" err="1" smtClean="0"/>
-              <a:t>fll</a:t>
-            </a:r>
-            <a:r>
-              <a:rPr lang="en-US" dirty="0" smtClean="0"/>
-              <a:t> list on </a:t>
-            </a:r>
-            <a:r>
-              <a:rPr lang="en-US" dirty="0" err="1"/>
-              <a:t>sendpart</a:t>
-            </a:r>
-            <a:r>
-              <a:rPr lang="en-US" dirty="0"/>
-              <a:t> </a:t>
-            </a:r>
-            <a:r>
-              <a:rPr lang="en-US" dirty="0" smtClean="0"/>
-              <a:t>process and </a:t>
-            </a:r>
-            <a:r>
-              <a:rPr lang="en-US" dirty="0"/>
-              <a:t>pointer to new copy on </a:t>
-            </a:r>
-            <a:r>
-              <a:rPr lang="en-US" dirty="0" smtClean="0"/>
-              <a:t>all other processes</a:t>
-            </a:r>
-            <a:endParaRPr lang="en-US" dirty="0"/>
-          </a:p>
-          <a:p>
-            <a:pPr lvl="2"/>
-            <a:endParaRPr lang="en-US" dirty="0" smtClean="0"/>
-          </a:p>
-        </p:txBody>
-      </p:sp>
-    </p:spTree>
-    <p:extLst>
-      <p:ext uri="{BB962C8B-B14F-4D97-AF65-F5344CB8AC3E}">
-        <p14:creationId xmlns:p14="http://schemas.microsoft.com/office/powerpoint/2010/main" val="639366591"/>
-      </p:ext>
-    </p:extLst>
-  </p:cSld>
-  <p:clrMapOvr>
-    <a:masterClrMapping/>
-  </p:clrMapOvr>
-</p:sld>
-</file>
-
-<file path=ppt/slides/slide26.xml><?xml version="1.0" encoding="utf-8"?>
-<p:sld xmlns:a="http://schemas.openxmlformats.org/drawingml/2006/main" xmlns:r="http://schemas.openxmlformats.org/officeDocument/2006/relationships" xmlns:p="http://schemas.openxmlformats.org/presentationml/2006/main">
-  <p:cSld>
-    <p:spTree>
-      <p:nvGrpSpPr>
-        <p:cNvPr id="1" name=""/>
-        <p:cNvGrpSpPr/>
-        <p:nvPr/>
-      </p:nvGrpSpPr>
-      <p:grpSpPr>
-        <a:xfrm>
-          <a:off x="0" y="0"/>
-          <a:ext cx="0" cy="0"/>
-          <a:chOff x="0" y="0"/>
-          <a:chExt cx="0" cy="0"/>
-        </a:xfrm>
-      </p:grpSpPr>
-      <p:sp>
-        <p:nvSpPr>
-          <p:cNvPr id="2" name="Title 1"/>
-          <p:cNvSpPr>
-            <a:spLocks noGrp="1"/>
-          </p:cNvSpPr>
-          <p:nvPr>
-            <p:ph type="title"/>
-          </p:nvPr>
-        </p:nvSpPr>
-        <p:spPr/>
-        <p:txBody>
-          <a:bodyPr/>
-          <a:lstStyle/>
-          <a:p>
-            <a:r>
-              <a:rPr lang="en-US" b="1" dirty="0" smtClean="0">
-                <a:solidFill>
-                  <a:srgbClr val="002060"/>
-                </a:solidFill>
-              </a:rPr>
-              <a:t>Subroutine </a:t>
-            </a:r>
-            <a:r>
-              <a:rPr lang="en-US" b="1" dirty="0" err="1" smtClean="0">
-                <a:solidFill>
-                  <a:srgbClr val="002060"/>
-                </a:solidFill>
-              </a:rPr>
-              <a:t>fll_mpi_cp</a:t>
-            </a:r>
-            <a:r>
-              <a:rPr lang="en-US" b="1" dirty="0" smtClean="0">
-                <a:solidFill>
-                  <a:srgbClr val="002060"/>
-                </a:solidFill>
-              </a:rPr>
-              <a:t> ()</a:t>
-            </a:r>
-            <a:endParaRPr lang="en-US" b="1" dirty="0">
-              <a:solidFill>
-                <a:srgbClr val="002060"/>
-              </a:solidFill>
-            </a:endParaRPr>
-          </a:p>
-        </p:txBody>
-      </p:sp>
-      <p:sp>
-        <p:nvSpPr>
-          <p:cNvPr id="3" name="Content Placeholder 2"/>
-          <p:cNvSpPr>
-            <a:spLocks noGrp="1"/>
-          </p:cNvSpPr>
-          <p:nvPr>
-            <p:ph idx="1"/>
-          </p:nvPr>
-        </p:nvSpPr>
-        <p:spPr/>
-        <p:txBody>
-          <a:bodyPr>
-            <a:normAutofit/>
-          </a:bodyPr>
-          <a:lstStyle/>
-          <a:p>
-            <a:r>
-              <a:rPr lang="en-US" b="1" dirty="0" err="1" smtClean="0">
-                <a:solidFill>
-                  <a:srgbClr val="C00000"/>
-                </a:solidFill>
-              </a:rPr>
-              <a:t>fll_mpi_cp_all</a:t>
-            </a:r>
-            <a:r>
-              <a:rPr lang="en-US" b="1" dirty="0" smtClean="0">
-                <a:solidFill>
-                  <a:srgbClr val="C00000"/>
-                </a:solidFill>
-              </a:rPr>
-              <a:t>(</a:t>
-            </a:r>
-            <a:r>
-              <a:rPr lang="en-US" b="1" dirty="0" err="1" smtClean="0">
-                <a:solidFill>
-                  <a:srgbClr val="C00000"/>
-                </a:solidFill>
-              </a:rPr>
-              <a:t>pnode,communicator,sendpart,recpart,fpar</a:t>
-            </a:r>
-            <a:r>
-              <a:rPr lang="en-US" b="1" dirty="0" smtClean="0">
-                <a:solidFill>
-                  <a:srgbClr val="C00000"/>
-                </a:solidFill>
-              </a:rPr>
-              <a:t>)</a:t>
-            </a:r>
-          </a:p>
-          <a:p>
-            <a:pPr lvl="1"/>
-            <a:r>
-              <a:rPr lang="en-US" dirty="0" smtClean="0"/>
-              <a:t>Copies </a:t>
-            </a:r>
-            <a:r>
-              <a:rPr lang="en-US" dirty="0" err="1" smtClean="0"/>
-              <a:t>fll</a:t>
-            </a:r>
-            <a:r>
-              <a:rPr lang="en-US" dirty="0" smtClean="0"/>
-              <a:t> list from </a:t>
-            </a:r>
-            <a:r>
-              <a:rPr lang="en-US" dirty="0" err="1" smtClean="0"/>
-              <a:t>sendpart</a:t>
-            </a:r>
-            <a:r>
-              <a:rPr lang="en-US" dirty="0" smtClean="0"/>
-              <a:t> to </a:t>
-            </a:r>
-            <a:r>
-              <a:rPr lang="en-US" dirty="0" err="1" smtClean="0"/>
-              <a:t>recpart</a:t>
-            </a:r>
-            <a:endParaRPr lang="en-US" dirty="0" smtClean="0"/>
-          </a:p>
-          <a:p>
-            <a:pPr lvl="1"/>
-            <a:r>
-              <a:rPr lang="en-US" dirty="0" smtClean="0"/>
-              <a:t>Input parameters</a:t>
-            </a:r>
-          </a:p>
-          <a:p>
-            <a:pPr lvl="2"/>
-            <a:r>
-              <a:rPr lang="en-US" dirty="0" err="1" smtClean="0"/>
-              <a:t>Pnode</a:t>
-            </a:r>
-            <a:r>
-              <a:rPr lang="en-US" dirty="0" smtClean="0"/>
-              <a:t> – list to be printed</a:t>
-            </a:r>
-          </a:p>
-          <a:p>
-            <a:pPr lvl="2"/>
-            <a:r>
-              <a:rPr lang="en-US" dirty="0" smtClean="0"/>
-              <a:t>Communicator – MPI communicator</a:t>
-            </a:r>
-          </a:p>
-          <a:p>
-            <a:pPr lvl="2"/>
-            <a:r>
-              <a:rPr lang="en-US" dirty="0" err="1" smtClean="0"/>
-              <a:t>Sendpart</a:t>
-            </a:r>
-            <a:r>
-              <a:rPr lang="en-US" dirty="0" smtClean="0"/>
-              <a:t> – rank of sending partition</a:t>
-            </a:r>
-          </a:p>
-          <a:p>
-            <a:pPr lvl="2"/>
-            <a:r>
-              <a:rPr lang="en-US" dirty="0" err="1" smtClean="0"/>
-              <a:t>Recpart</a:t>
-            </a:r>
-            <a:r>
-              <a:rPr lang="en-US" dirty="0" smtClean="0"/>
-              <a:t> </a:t>
-            </a:r>
-            <a:r>
-              <a:rPr lang="en-US" dirty="0"/>
-              <a:t>– rank of sending </a:t>
-            </a:r>
-            <a:r>
-              <a:rPr lang="en-US" dirty="0" smtClean="0"/>
-              <a:t>partition</a:t>
-            </a:r>
-            <a:endParaRPr lang="en-US" dirty="0"/>
-          </a:p>
-          <a:p>
-            <a:pPr lvl="2"/>
-            <a:r>
-              <a:rPr lang="en-US" dirty="0" err="1" smtClean="0"/>
-              <a:t>Fpar</a:t>
-            </a:r>
-            <a:r>
-              <a:rPr lang="en-US" dirty="0" smtClean="0"/>
-              <a:t> – </a:t>
-            </a:r>
-            <a:r>
-              <a:rPr lang="en-US" dirty="0" err="1" smtClean="0"/>
-              <a:t>fuction</a:t>
-            </a:r>
-            <a:r>
-              <a:rPr lang="en-US" dirty="0" smtClean="0"/>
-              <a:t> specific structure</a:t>
-            </a:r>
-          </a:p>
-          <a:p>
-            <a:pPr lvl="2"/>
-            <a:endParaRPr lang="en-US" dirty="0"/>
-          </a:p>
-          <a:p>
-            <a:pPr lvl="2"/>
-            <a:r>
-              <a:rPr lang="en-US" dirty="0" smtClean="0"/>
-              <a:t>Returns pointer to </a:t>
-            </a:r>
-            <a:r>
-              <a:rPr lang="en-US" dirty="0" err="1" smtClean="0"/>
-              <a:t>pnode</a:t>
-            </a:r>
-            <a:r>
-              <a:rPr lang="en-US" dirty="0" smtClean="0"/>
-              <a:t>  </a:t>
-            </a:r>
-            <a:r>
-              <a:rPr lang="en-US" dirty="0" err="1" smtClean="0"/>
-              <a:t>fll</a:t>
-            </a:r>
-            <a:r>
-              <a:rPr lang="en-US" dirty="0" smtClean="0"/>
-              <a:t> list on </a:t>
-            </a:r>
-            <a:r>
-              <a:rPr lang="en-US" dirty="0" err="1" smtClean="0"/>
-              <a:t>sendpart</a:t>
-            </a:r>
-            <a:r>
-              <a:rPr lang="en-US" dirty="0" smtClean="0"/>
-              <a:t> process and pointer to new copy on </a:t>
-            </a:r>
-            <a:r>
-              <a:rPr lang="en-US" dirty="0" err="1" smtClean="0"/>
-              <a:t>recpart</a:t>
-            </a:r>
-            <a:r>
-              <a:rPr lang="en-US" dirty="0" smtClean="0"/>
-              <a:t> process</a:t>
-            </a:r>
-            <a:endParaRPr lang="en-US" dirty="0"/>
-          </a:p>
-        </p:txBody>
-      </p:sp>
-    </p:spTree>
-    <p:extLst>
-      <p:ext uri="{BB962C8B-B14F-4D97-AF65-F5344CB8AC3E}">
-        <p14:creationId xmlns:p14="http://schemas.microsoft.com/office/powerpoint/2010/main" val="1756462234"/>
-      </p:ext>
-    </p:extLst>
-  </p:cSld>
-  <p:clrMapOvr>
-    <a:masterClrMapping/>
-  </p:clrMapOvr>
-</p:sld>
-</file>
-
 <file path=ppt/slides/slide27.xml><?xml version="1.0" encoding="utf-8"?>
 <p:sld xmlns:a="http://schemas.openxmlformats.org/drawingml/2006/main" xmlns:r="http://schemas.openxmlformats.org/officeDocument/2006/relationships" xmlns:p="http://schemas.openxmlformats.org/presentationml/2006/main">
   <p:cSld>
@@ -10149,7 +10322,7 @@
                   <a:srgbClr val="002060"/>
                 </a:solidFill>
               </a:rPr>
-              <a:t>fll_mpi_mv</a:t>
+              <a:t>fll_mpi_cp_all</a:t>
             </a:r>
             <a:r>
               <a:rPr lang="en-US" b="1" dirty="0" smtClean="0">
@@ -10157,7 +10330,7 @@
                   <a:srgbClr val="002060"/>
                 </a:solidFill>
               </a:rPr>
-              <a:t> ()</a:t>
+              <a:t>()</a:t>
             </a:r>
             <a:endParaRPr lang="en-US" b="1" dirty="0">
               <a:solidFill>
@@ -10206,7 +10379,7 @@
                   <a:srgbClr val="C00000"/>
                 </a:solidFill>
               </a:rPr>
-              <a:t>pnode,communicator,sendpart,recpart,fpar</a:t>
+              <a:t>pnode,communicator,sendpart,fpar</a:t>
             </a:r>
             <a:r>
               <a:rPr lang="en-US" b="1" dirty="0" smtClean="0">
@@ -10221,7 +10394,7 @@
             <a:pPr lvl="1"/>
             <a:r>
               <a:rPr lang="en-US" dirty="0" smtClean="0"/>
-              <a:t>Moves </a:t>
+              <a:t>Copies (broadcasts) </a:t>
             </a:r>
             <a:r>
               <a:rPr lang="en-US" dirty="0" err="1" smtClean="0"/>
@@ -10237,13 +10410,8 @@
             </a:r>
             <a:r>
               <a:rPr lang="en-US" dirty="0" smtClean="0"/>
-              <a:t> to </a:t>
-            </a:r>
-            <a:r>
-              <a:rPr lang="en-US" dirty="0" err="1" smtClean="0"/>
-              <a:t>recpart</a:t>
-            </a:r>
-            <a:endParaRPr lang="en-US" dirty="0" smtClean="0"/>
+              <a:t> to all other partitions in communicator</a:t>
+            </a:r>
           </a:p>
           <a:p>
             <a:pPr lvl="1"/>
@@ -10280,25 +10448,6 @@
               <a:rPr lang="en-US" dirty="0" smtClean="0"/>
               <a:t> – rank of sending partition</a:t>
             </a:r>
-          </a:p>
-          <a:p>
-            <a:pPr lvl="2"/>
-            <a:r>
-              <a:rPr lang="en-US" dirty="0" err="1" smtClean="0"/>
-              <a:t>Recpart</a:t>
-            </a:r>
-            <a:r>
-              <a:rPr lang="en-US" dirty="0" smtClean="0"/>
-              <a:t> </a:t>
-            </a:r>
-            <a:r>
-              <a:rPr lang="en-US" dirty="0"/>
-              <a:t>– rank of sending </a:t>
-            </a:r>
-            <a:r>
-              <a:rPr lang="en-US" dirty="0" smtClean="0"/>
-              <a:t>partition</a:t>
-            </a:r>
             <a:endParaRPr lang="en-US" dirty="0"/>
           </a:p>
           <a:p>
@@ -10328,40 +10477,60 @@
             <a:pPr lvl="2"/>
             <a:r>
               <a:rPr lang="en-US" dirty="0"/>
-              <a:t>Returns </a:t>
-            </a:r>
-            <a:r>
-              <a:rPr lang="en-US" dirty="0" smtClean="0"/>
-              <a:t>NULL on </a:t>
+              <a:t>Returns pointer </a:t>
+            </a:r>
+            <a:r>
+              <a:rPr lang="en-US" dirty="0" smtClean="0"/>
+              <a:t>to </a:t>
             </a:r>
             <a:r>
               <a:rPr lang="en-US" dirty="0" err="1" smtClean="0"/>
+              <a:t>pnode</a:t>
+            </a:r>
+            <a:r>
+              <a:rPr lang="en-US" dirty="0" smtClean="0"/>
+              <a:t>  </a:t>
+            </a:r>
+            <a:r>
+              <a:rPr lang="en-US" dirty="0" err="1" smtClean="0"/>
+              <a:t>fll</a:t>
+            </a:r>
+            <a:r>
+              <a:rPr lang="en-US" dirty="0" smtClean="0"/>
+              <a:t> list on </a:t>
+            </a:r>
+            <a:r>
+              <a:rPr lang="en-US" dirty="0" err="1"/>
               <a:t>sendpart</a:t>
             </a:r>
             <a:r>
-              <a:rPr lang="en-US" dirty="0" smtClean="0"/>
-              <a:t> process and </a:t>
+              <a:rPr lang="en-US" dirty="0"/>
+              <a:t> </a:t>
+            </a:r>
+            <a:r>
+              <a:rPr lang="en-US" dirty="0" smtClean="0"/>
+              <a:t>process and </a:t>
             </a:r>
             <a:r>
               <a:rPr lang="en-US" dirty="0"/>
               <a:t>pointer to new copy on </a:t>
             </a:r>
             <a:r>
-              <a:rPr lang="en-US" dirty="0" err="1" smtClean="0"/>
-              <a:t>recpart</a:t>
-            </a:r>
-            <a:r>
-              <a:rPr lang="en-US" dirty="0" smtClean="0"/>
-              <a:t> process</a:t>
+              <a:rPr lang="en-US" dirty="0" smtClean="0"/>
+              <a:t>all other processes</a:t>
             </a:r>
             <a:endParaRPr lang="en-US" dirty="0"/>
+          </a:p>
+          <a:p>
+            <a:pPr lvl="2"/>
+            <a:endParaRPr lang="en-US" dirty="0" smtClean="0"/>
           </a:p>
         </p:txBody>
       </p:sp>
     </p:spTree>
     <p:extLst>
       <p:ext uri="{BB962C8B-B14F-4D97-AF65-F5344CB8AC3E}">
-        <p14:creationId xmlns:p14="http://schemas.microsoft.com/office/powerpoint/2010/main" val="4190658995"/>
+        <p14:creationId xmlns:p14="http://schemas.microsoft.com/office/powerpoint/2010/main" val="639366591"/>
       </p:ext>
     </p:extLst>
   </p:cSld>
@@ -10409,7 +10578,7 @@
                   <a:srgbClr val="002060"/>
                 </a:solidFill>
               </a:rPr>
-              <a:t>Function </a:t>
+              <a:t>Subroutine </a:t>
             </a:r>
             <a:r>
               <a:rPr lang="en-US" b="1" dirty="0" err="1" smtClean="0">
@@ -10417,7 +10586,7 @@
                   <a:srgbClr val="002060"/>
                 </a:solidFill>
               </a:rPr>
-              <a:t>fll_getnbytes</a:t>
+              <a:t>fll_mpi_cp</a:t>
             </a:r>
             <a:r>
               <a:rPr lang="en-US" b="1" dirty="0" smtClean="0">
@@ -10425,7 +10594,7 @@
                   <a:srgbClr val="002060"/>
                 </a:solidFill>
               </a:rPr>
-              <a:t>()</a:t>
+              <a:t> ()</a:t>
             </a:r>
             <a:endParaRPr lang="en-US" b="1" dirty="0">
               <a:solidFill>
@@ -10458,7 +10627,7 @@
                   <a:srgbClr val="C00000"/>
                 </a:solidFill>
               </a:rPr>
-              <a:t>fll_getnbytes</a:t>
+              <a:t>fll_mpi_cp_all</a:t>
             </a:r>
             <a:r>
               <a:rPr lang="en-US" b="1" dirty="0" smtClean="0">
@@ -10474,7 +10643,7 @@
                   <a:srgbClr val="C00000"/>
                 </a:solidFill>
               </a:rPr>
-              <a:t>pnode,fpar</a:t>
+              <a:t>pnode,communicator,sendpart,recpart,fpar</a:t>
             </a:r>
             <a:r>
               <a:rPr lang="en-US" b="1" dirty="0" smtClean="0">
@@ -10489,7 +10658,114 @@
             <a:pPr lvl="1"/>
             <a:r>
               <a:rPr lang="en-US" dirty="0" smtClean="0"/>
-              <a:t>Returns size of </a:t>
+              <a:t>Copies </a:t>
+            </a:r>
+            <a:r>
+              <a:rPr lang="en-US" dirty="0" err="1" smtClean="0"/>
+              <a:t>fll</a:t>
+            </a:r>
+            <a:r>
+              <a:rPr lang="en-US" dirty="0" smtClean="0"/>
+              <a:t> list from </a:t>
+            </a:r>
+            <a:r>
+              <a:rPr lang="en-US" dirty="0" err="1" smtClean="0"/>
+              <a:t>sendpart</a:t>
+            </a:r>
+            <a:r>
+              <a:rPr lang="en-US" dirty="0" smtClean="0"/>
+              <a:t> to </a:t>
+            </a:r>
+            <a:r>
+              <a:rPr lang="en-US" dirty="0" err="1" smtClean="0"/>
+              <a:t>recpart</a:t>
+            </a:r>
+            <a:endParaRPr lang="en-US" dirty="0" smtClean="0"/>
+          </a:p>
+          <a:p>
+            <a:pPr lvl="1"/>
+            <a:r>
+              <a:rPr lang="en-US" dirty="0" smtClean="0"/>
+              <a:t>Input parameters</a:t>
+            </a:r>
+          </a:p>
+          <a:p>
+            <a:pPr lvl="2"/>
+            <a:r>
+              <a:rPr lang="en-US" dirty="0" err="1" smtClean="0"/>
+              <a:t>Pnode</a:t>
+            </a:r>
+            <a:r>
+              <a:rPr lang="en-US" dirty="0" smtClean="0"/>
+              <a:t> – list to be printed</a:t>
+            </a:r>
+          </a:p>
+          <a:p>
+            <a:pPr lvl="2"/>
+            <a:r>
+              <a:rPr lang="en-US" dirty="0" smtClean="0"/>
+              <a:t>Communicator – MPI communicator</a:t>
+            </a:r>
+          </a:p>
+          <a:p>
+            <a:pPr lvl="2"/>
+            <a:r>
+              <a:rPr lang="en-US" dirty="0" err="1" smtClean="0"/>
+              <a:t>Sendpart</a:t>
+            </a:r>
+            <a:r>
+              <a:rPr lang="en-US" dirty="0" smtClean="0"/>
+              <a:t> – rank of sending partition</a:t>
+            </a:r>
+          </a:p>
+          <a:p>
+            <a:pPr lvl="2"/>
+            <a:r>
+              <a:rPr lang="en-US" dirty="0" err="1" smtClean="0"/>
+              <a:t>Recpart</a:t>
+            </a:r>
+            <a:r>
+              <a:rPr lang="en-US" dirty="0" smtClean="0"/>
+              <a:t> </a:t>
+            </a:r>
+            <a:r>
+              <a:rPr lang="en-US" dirty="0"/>
+              <a:t>– rank of sending </a:t>
+            </a:r>
+            <a:r>
+              <a:rPr lang="en-US" dirty="0" smtClean="0"/>
+              <a:t>partition</a:t>
+            </a:r>
+            <a:endParaRPr lang="en-US" dirty="0"/>
+          </a:p>
+          <a:p>
+            <a:pPr lvl="2"/>
+            <a:r>
+              <a:rPr lang="en-US" dirty="0" err="1" smtClean="0"/>
+              <a:t>Fpar</a:t>
+            </a:r>
+            <a:r>
+              <a:rPr lang="en-US" dirty="0" smtClean="0"/>
+              <a:t> – </a:t>
+            </a:r>
+            <a:r>
+              <a:rPr lang="en-US" dirty="0" err="1" smtClean="0"/>
+              <a:t>fuction</a:t>
+            </a:r>
+            <a:r>
+              <a:rPr lang="en-US" dirty="0" smtClean="0"/>
+              <a:t> specific structure</a:t>
+            </a:r>
+          </a:p>
+          <a:p>
+            <a:pPr lvl="2"/>
+            <a:endParaRPr lang="en-US" dirty="0"/>
+          </a:p>
+          <a:p>
+            <a:pPr lvl="2"/>
+            <a:r>
+              <a:rPr lang="en-US" dirty="0" smtClean="0"/>
+              <a:t>Returns pointer to </a:t>
             </a:r>
             <a:r>
               <a:rPr lang="en-US" dirty="0" err="1" smtClean="0"/>
@@ -10497,39 +10773,40 @@
             </a:r>
             <a:r>
               <a:rPr lang="en-US" dirty="0" smtClean="0"/>
-              <a:t> data set in bytes</a:t>
-            </a:r>
-            <a:endParaRPr lang="en-US" dirty="0" smtClean="0"/>
-          </a:p>
-          <a:p>
-            <a:pPr lvl="1"/>
-            <a:r>
-              <a:rPr lang="en-US" dirty="0" smtClean="0"/>
-              <a:t>Input parameters</a:t>
-            </a:r>
-          </a:p>
-          <a:p>
-            <a:pPr lvl="2"/>
+              <a:t>  </a:t>
+            </a:r>
             <a:r>
               <a:rPr lang="en-US" dirty="0" err="1" smtClean="0"/>
-              <a:t>Pnode</a:t>
-            </a:r>
-            <a:r>
-              <a:rPr lang="en-US" dirty="0" smtClean="0"/>
-              <a:t> – </a:t>
-            </a:r>
-            <a:r>
-              <a:rPr lang="en-US" dirty="0" smtClean="0"/>
-              <a:t>pointer to data set</a:t>
-            </a:r>
-            <a:endParaRPr lang="en-US" dirty="0" smtClean="0"/>
+              <a:t>fll</a:t>
+            </a:r>
+            <a:r>
+              <a:rPr lang="en-US" dirty="0" smtClean="0"/>
+              <a:t> list on </a:t>
+            </a:r>
+            <a:r>
+              <a:rPr lang="en-US" dirty="0" err="1" smtClean="0"/>
+              <a:t>sendpart</a:t>
+            </a:r>
+            <a:r>
+              <a:rPr lang="en-US" dirty="0" smtClean="0"/>
+              <a:t> process and pointer to new copy on </a:t>
+            </a:r>
+            <a:r>
+              <a:rPr lang="en-US" dirty="0" err="1" smtClean="0"/>
+              <a:t>recpart</a:t>
+            </a:r>
+            <a:r>
+              <a:rPr lang="en-US" dirty="0" smtClean="0"/>
+              <a:t> process</a:t>
+            </a:r>
+            <a:endParaRPr lang="en-US" dirty="0"/>
           </a:p>
         </p:txBody>
       </p:sp>
     </p:spTree>
     <p:extLst>
       <p:ext uri="{BB962C8B-B14F-4D97-AF65-F5344CB8AC3E}">
-        <p14:creationId xmlns:p14="http://schemas.microsoft.com/office/powerpoint/2010/main" val="3967074757"/>
+        <p14:creationId xmlns:p14="http://schemas.microsoft.com/office/powerpoint/2010/main" val="1756462234"/>
       </p:ext>
     </p:extLst>
   </p:cSld>
@@ -10577,7 +10854,7 @@
                   <a:srgbClr val="002060"/>
                 </a:solidFill>
               </a:rPr>
-              <a:t>Function </a:t>
+              <a:t>Subroutine </a:t>
             </a:r>
             <a:r>
               <a:rPr lang="en-US" b="1" dirty="0" err="1" smtClean="0">
@@ -10585,7 +10862,7 @@
                   <a:srgbClr val="002060"/>
                 </a:solidFill>
               </a:rPr>
-              <a:t>fll_scan_file</a:t>
+              <a:t>fll_mpi_mv</a:t>
             </a:r>
             <a:r>
               <a:rPr lang="en-US" b="1" dirty="0" smtClean="0">
@@ -10593,7 +10870,7 @@
                   <a:srgbClr val="002060"/>
                 </a:solidFill>
               </a:rPr>
-              <a:t>()</a:t>
+              <a:t> ()</a:t>
             </a:r>
             <a:endParaRPr lang="en-US" b="1" dirty="0">
               <a:solidFill>
@@ -10626,7 +10903,7 @@
                   <a:srgbClr val="C00000"/>
                 </a:solidFill>
               </a:rPr>
-              <a:t>fll_scan_file</a:t>
+              <a:t>fll_mpi_cp_all</a:t>
             </a:r>
             <a:r>
               <a:rPr lang="en-US" b="1" dirty="0" smtClean="0">
@@ -10634,7 +10911,7 @@
                   <a:srgbClr val="C00000"/>
                 </a:solidFill>
               </a:rPr>
-              <a:t>(filename, </a:t>
+              <a:t>(</a:t>
             </a:r>
             <a:r>
               <a:rPr lang="en-US" b="1" dirty="0" err="1" smtClean="0">
@@ -10642,7 +10919,7 @@
                   <a:srgbClr val="C00000"/>
                 </a:solidFill>
               </a:rPr>
-              <a:t>iounit</a:t>
+              <a:t>pnode,communicator,sendpart,recpart,fpar</a:t>
             </a:r>
             <a:r>
               <a:rPr lang="en-US" b="1" dirty="0" smtClean="0">
@@ -10650,22 +10927,6 @@
                   <a:srgbClr val="C00000"/>
                 </a:solidFill>
               </a:rPr>
-              <a:t>, </a:t>
-            </a:r>
-            <a:r>
-              <a:rPr lang="en-US" b="1" dirty="0" err="1" smtClean="0">
-                <a:solidFill>
-                  <a:srgbClr val="C00000"/>
-                </a:solidFill>
-              </a:rPr>
-              <a:t>fmt,fpar</a:t>
-            </a:r>
-            <a:r>
-              <a:rPr lang="en-US" b="1" dirty="0" smtClean="0">
-                <a:solidFill>
-                  <a:srgbClr val="C00000"/>
-                </a:solidFill>
-              </a:rPr>
               <a:t>)</a:t>
             </a:r>
           </a:p>
@@ -10673,7 +10934,7 @@
             <a:pPr lvl="1"/>
             <a:r>
               <a:rPr lang="en-US" dirty="0" smtClean="0"/>
-              <a:t>Returns </a:t>
+              <a:t>Moves </a:t>
             </a:r>
             <a:r>
               <a:rPr lang="en-US" dirty="0" err="1" smtClean="0"/>
@@ -10681,7 +10942,19 @@
             </a:r>
             <a:r>
               <a:rPr lang="en-US" dirty="0" smtClean="0"/>
-              <a:t> list of with data sets contained in file</a:t>
+              <a:t> list from </a:t>
+            </a:r>
+            <a:r>
+              <a:rPr lang="en-US" dirty="0" err="1" smtClean="0"/>
+              <a:t>sendpart</a:t>
+            </a:r>
+            <a:r>
+              <a:rPr lang="en-US" dirty="0" smtClean="0"/>
+              <a:t> to </a:t>
+            </a:r>
+            <a:r>
+              <a:rPr lang="en-US" dirty="0" err="1" smtClean="0"/>
+              <a:t>recpart</a:t>
             </a:r>
             <a:endParaRPr lang="en-US" dirty="0" smtClean="0"/>
           </a:p>
@@ -10695,40 +10968,51 @@
           <a:p>
             <a:pPr lvl="2"/>
             <a:r>
-              <a:rPr lang="en-US" dirty="0" smtClean="0"/>
-              <a:t>Filename – </a:t>
-            </a:r>
-            <a:r>
-              <a:rPr lang="en-US" dirty="0" smtClean="0"/>
-              <a:t>name of file</a:t>
+              <a:rPr lang="en-US" dirty="0" err="1" smtClean="0"/>
+              <a:t>Pnode</a:t>
+            </a:r>
+            <a:r>
+              <a:rPr lang="en-US" dirty="0" smtClean="0"/>
+              <a:t> – list to be printed</a:t>
             </a:r>
           </a:p>
           <a:p>
             <a:pPr lvl="2"/>
             <a:r>
+              <a:rPr lang="en-US" dirty="0" smtClean="0"/>
+              <a:t>Communicator – MPI communicator</a:t>
+            </a:r>
+          </a:p>
+          <a:p>
+            <a:pPr lvl="2"/>
+            <a:r>
               <a:rPr lang="en-US" dirty="0" err="1" smtClean="0"/>
-              <a:t>Iounit</a:t>
-            </a:r>
-            <a:r>
-              <a:rPr lang="en-US" dirty="0" smtClean="0"/>
-              <a:t> – number of IO file </a:t>
-            </a:r>
+              <a:t>Sendpart</a:t>
+            </a:r>
+            <a:r>
+              <a:rPr lang="en-US" dirty="0" smtClean="0"/>
+              <a:t> – rank of sending partition</a:t>
+            </a:r>
+          </a:p>
+          <a:p>
+            <a:pPr lvl="2"/>
             <a:r>
               <a:rPr lang="en-US" dirty="0" err="1" smtClean="0"/>
-              <a:t>descriptior</a:t>
-            </a:r>
-            <a:endParaRPr lang="en-US" dirty="0" smtClean="0"/>
-          </a:p>
-          <a:p>
-            <a:pPr lvl="2"/>
-            <a:r>
-              <a:rPr lang="en-US" dirty="0" err="1" smtClean="0"/>
-              <a:t>Fmt</a:t>
-            </a:r>
-            <a:r>
-              <a:rPr lang="en-US" dirty="0" smtClean="0"/>
-              <a:t>	- file format ‘A’ or ‘B’</a:t>
-            </a:r>
+              <a:t>Recpart</a:t>
+            </a:r>
+            <a:r>
+              <a:rPr lang="en-US" dirty="0" smtClean="0"/>
+              <a:t> </a:t>
+            </a:r>
+            <a:r>
+              <a:rPr lang="en-US" dirty="0"/>
+              <a:t>– rank of sending </a:t>
+            </a:r>
+            <a:r>
+              <a:rPr lang="en-US" dirty="0" smtClean="0"/>
+              <a:t>partition</a:t>
+            </a:r>
+            <a:endParaRPr lang="en-US" dirty="0"/>
           </a:p>
           <a:p>
             <a:pPr lvl="2"/>
@@ -10738,7 +11022,15 @@
             </a:r>
             <a:r>
               <a:rPr lang="en-US" dirty="0" smtClean="0"/>
-              <a:t> – function parameter pointer</a:t>
+              <a:t> – </a:t>
+            </a:r>
+            <a:r>
+              <a:rPr lang="en-US" dirty="0" err="1" smtClean="0"/>
+              <a:t>fuction</a:t>
+            </a:r>
+            <a:r>
+              <a:rPr lang="en-US" dirty="0" smtClean="0"/>
+              <a:t> specific structure</a:t>
             </a:r>
           </a:p>
           <a:p>
@@ -10748,28 +11040,41 @@
           <a:p>
             <a:pPr lvl="2"/>
             <a:r>
-              <a:rPr lang="en-US" dirty="0" smtClean="0"/>
-              <a:t>Function used in connection with </a:t>
+              <a:rPr lang="en-US" dirty="0"/>
+              <a:t>Returns </a:t>
+            </a:r>
+            <a:r>
+              <a:rPr lang="en-US" dirty="0" smtClean="0"/>
+              <a:t>NULL on </a:t>
             </a:r>
             <a:r>
               <a:rPr lang="en-US" dirty="0" err="1" smtClean="0"/>
-              <a:t>fll_read_record</a:t>
-            </a:r>
-            <a:r>
-              <a:rPr lang="en-US" dirty="0" smtClean="0"/>
-              <a:t>()</a:t>
-            </a:r>
-          </a:p>
-          <a:p>
-            <a:pPr lvl="2"/>
-            <a:endParaRPr lang="en-US" dirty="0" smtClean="0"/>
+              <a:t>sendpart</a:t>
+            </a:r>
+            <a:r>
+              <a:rPr lang="en-US" dirty="0" smtClean="0"/>
+              <a:t> process and </a:t>
+            </a:r>
+            <a:r>
+              <a:rPr lang="en-US" dirty="0"/>
+              <a:t>pointer to new copy on </a:t>
+            </a:r>
+            <a:r>
+              <a:rPr lang="en-US" dirty="0" err="1" smtClean="0"/>
+              <a:t>recpart</a:t>
+            </a:r>
+            <a:r>
+              <a:rPr lang="en-US" dirty="0" smtClean="0"/>
+              <a:t> process</a:t>
+            </a:r>
+            <a:endParaRPr lang="en-US" dirty="0"/>
           </a:p>
         </p:txBody>
       </p:sp>
     </p:spTree>
     <p:extLst>
       <p:ext uri="{BB962C8B-B14F-4D97-AF65-F5344CB8AC3E}">
-        <p14:creationId xmlns:p14="http://schemas.microsoft.com/office/powerpoint/2010/main" val="1144209969"/>
+        <p14:creationId xmlns:p14="http://schemas.microsoft.com/office/powerpoint/2010/main" val="4190658995"/>
       </p:ext>
     </p:extLst>
   </p:cSld>
@@ -10950,6 +11255,13 @@
   <p:clrMapOvr>
     <a:masterClrMapping/>
   </p:clrMapOvr>
+  <p:timing>
+    <p:tnLst>
+      <p:par>
+        <p:cTn id="1" dur="indefinite" restart="never" nodeType="tmRoot"/>
+      </p:par>
+    </p:tnLst>
+  </p:timing>
 </p:sld>
 </file>
 
@@ -10999,7 +11311,7 @@
                   <a:srgbClr val="002060"/>
                 </a:solidFill>
               </a:rPr>
-              <a:t>fll_read_record</a:t>
+              <a:t>fll_getnbytes</a:t>
             </a:r>
             <a:r>
               <a:rPr lang="en-US" b="1" dirty="0" smtClean="0">
@@ -11030,7 +11342,7 @@
         <p:spPr/>
         <p:txBody>
           <a:bodyPr>
-            <a:normAutofit fontScale="85000" lnSpcReduction="20000"/>
+            <a:normAutofit/>
           </a:bodyPr>
           <a:lstStyle/>
           <a:p>
@@ -11040,7 +11352,7 @@
                   <a:srgbClr val="C00000"/>
                 </a:solidFill>
               </a:rPr>
-              <a:t>fll_read_record</a:t>
+              <a:t>fll_getnbytes</a:t>
             </a:r>
             <a:r>
               <a:rPr lang="en-US" b="1" dirty="0" smtClean="0">
@@ -11048,7 +11360,7 @@
                   <a:srgbClr val="C00000"/>
                 </a:solidFill>
               </a:rPr>
-              <a:t>(filename, </a:t>
+              <a:t>(</a:t>
             </a:r>
             <a:r>
               <a:rPr lang="en-US" b="1" dirty="0" err="1" smtClean="0">
@@ -11056,55 +11368,7 @@
                   <a:srgbClr val="C00000"/>
                 </a:solidFill>
               </a:rPr>
-              <a:t>iounit</a:t>
-            </a:r>
-            <a:r>
-              <a:rPr lang="en-US" b="1" dirty="0">
-                <a:solidFill>
-                  <a:srgbClr val="C00000"/>
-                </a:solidFill>
-              </a:rPr>
-              <a:t>, </a:t>
-            </a:r>
-            <a:r>
-              <a:rPr lang="en-US" b="1" dirty="0" err="1">
-                <a:solidFill>
-                  <a:srgbClr val="C00000"/>
-                </a:solidFill>
-              </a:rPr>
-              <a:t>pnode,name</a:t>
-            </a:r>
-            <a:r>
-              <a:rPr lang="en-US" b="1" dirty="0">
-                <a:solidFill>
-                  <a:srgbClr val="C00000"/>
-                </a:solidFill>
-              </a:rPr>
-              <a:t>, </a:t>
-            </a:r>
-            <a:r>
-              <a:rPr lang="en-US" b="1" dirty="0" err="1">
-                <a:solidFill>
-                  <a:srgbClr val="C00000"/>
-                </a:solidFill>
-              </a:rPr>
-              <a:t>type,dim</a:t>
-            </a:r>
-            <a:r>
-              <a:rPr lang="en-US" b="1" dirty="0">
-                <a:solidFill>
-                  <a:srgbClr val="C00000"/>
-                </a:solidFill>
-              </a:rPr>
-              <a:t>, </a:t>
-            </a:r>
-            <a:r>
-              <a:rPr lang="en-US" b="1" dirty="0" err="1" smtClean="0">
-                <a:solidFill>
-                  <a:srgbClr val="C00000"/>
-                </a:solidFill>
-              </a:rPr>
-              <a:t>number,recursive,fpar</a:t>
+              <a:t>pnode,fpar</a:t>
             </a:r>
             <a:r>
               <a:rPr lang="en-US" b="1" dirty="0" smtClean="0">
@@ -11119,9 +11383,16 @@
             <a:pPr lvl="1"/>
             <a:r>
               <a:rPr lang="en-US" dirty="0" smtClean="0"/>
-              <a:t>Returns data set from file</a:t>
-            </a:r>
-            <a:endParaRPr lang="en-US" dirty="0" smtClean="0"/>
+              <a:t>Returns size of </a:t>
+            </a:r>
+            <a:r>
+              <a:rPr lang="en-US" dirty="0" err="1" smtClean="0"/>
+              <a:t>pnode</a:t>
+            </a:r>
+            <a:r>
+              <a:rPr lang="en-US" dirty="0" smtClean="0"/>
+              <a:t> data set in bytes</a:t>
+            </a:r>
           </a:p>
           <a:p>
             <a:pPr lvl="1"/>
@@ -11129,33 +11400,6 @@
               <a:rPr lang="en-US" dirty="0" smtClean="0"/>
               <a:t>Input parameters</a:t>
             </a:r>
-          </a:p>
-          <a:p>
-            <a:pPr lvl="2"/>
-            <a:r>
-              <a:rPr lang="en-US" dirty="0" smtClean="0"/>
-              <a:t>Filename – </a:t>
-            </a:r>
-            <a:r>
-              <a:rPr lang="en-US" dirty="0" smtClean="0"/>
-              <a:t>name of file</a:t>
-            </a:r>
-          </a:p>
-          <a:p>
-            <a:pPr lvl="2"/>
-            <a:r>
-              <a:rPr lang="en-US" dirty="0" err="1" smtClean="0"/>
-              <a:t>Iounit</a:t>
-            </a:r>
-            <a:r>
-              <a:rPr lang="en-US" dirty="0" smtClean="0"/>
-              <a:t> – number of IO file </a:t>
-            </a:r>
-            <a:r>
-              <a:rPr lang="en-US" dirty="0" err="1" smtClean="0"/>
-              <a:t>descriptior</a:t>
-            </a:r>
-            <a:endParaRPr lang="en-US" dirty="0" smtClean="0"/>
           </a:p>
           <a:p>
             <a:pPr lvl="2"/>
@@ -11165,123 +11409,15 @@
             </a:r>
             <a:r>
               <a:rPr lang="en-US" dirty="0" smtClean="0"/>
-              <a:t> – data structure of the file, obtained from </a:t>
-            </a:r>
-            <a:r>
-              <a:rPr lang="en-US" dirty="0" err="1" smtClean="0"/>
-              <a:t>fll_scan_file</a:t>
-            </a:r>
-            <a:r>
-              <a:rPr lang="en-US" dirty="0" smtClean="0"/>
-              <a:t>()</a:t>
-            </a:r>
-          </a:p>
-          <a:p>
-            <a:pPr lvl="4"/>
-            <a:r>
-              <a:rPr lang="en-US" dirty="0" smtClean="0"/>
-              <a:t>If NULL, function reads the file and crates this list itself</a:t>
-            </a:r>
-          </a:p>
-          <a:p>
-            <a:pPr lvl="4"/>
-            <a:r>
-              <a:rPr lang="en-US" dirty="0" smtClean="0"/>
-              <a:t>If not NULL, function uses this list instead of scanning file </a:t>
-            </a:r>
-          </a:p>
-          <a:p>
-            <a:pPr lvl="2"/>
-            <a:r>
-              <a:rPr lang="en-US" dirty="0"/>
-              <a:t>Name – name of node</a:t>
-            </a:r>
-          </a:p>
-          <a:p>
-            <a:pPr lvl="2"/>
-            <a:r>
-              <a:rPr lang="en-US" dirty="0"/>
-              <a:t>Number – order of the node (1</a:t>
-            </a:r>
-            <a:r>
-              <a:rPr lang="en-US" baseline="30000" dirty="0"/>
-              <a:t>st</a:t>
-            </a:r>
-            <a:r>
-              <a:rPr lang="en-US" dirty="0"/>
-              <a:t>, 2</a:t>
-            </a:r>
-            <a:r>
-              <a:rPr lang="en-US" baseline="30000" dirty="0"/>
-              <a:t>nd</a:t>
-            </a:r>
-            <a:r>
-              <a:rPr lang="en-US" dirty="0"/>
-              <a:t> </a:t>
-            </a:r>
-            <a:r>
-              <a:rPr lang="en-US" dirty="0" err="1"/>
-              <a:t>etc</a:t>
-            </a:r>
-            <a:r>
-              <a:rPr lang="en-US" dirty="0"/>
-              <a:t>…) if more nodes of the same name </a:t>
-            </a:r>
-          </a:p>
-          <a:p>
-            <a:pPr lvl="2"/>
-            <a:r>
-              <a:rPr lang="en-US" dirty="0"/>
-              <a:t>Type – type of node</a:t>
-            </a:r>
-          </a:p>
-          <a:p>
-            <a:pPr lvl="2"/>
-            <a:r>
-              <a:rPr lang="en-US" dirty="0"/>
-              <a:t>Dim – dimensions of arrays in the node, can be 0,1,2, if any other number the dimensions is not considered</a:t>
-            </a:r>
-          </a:p>
-          <a:p>
-            <a:pPr lvl="2"/>
-            <a:r>
-              <a:rPr lang="en-US" dirty="0"/>
-              <a:t>Recursive – search list recursively, if so, number == 1</a:t>
-            </a:r>
-          </a:p>
-          <a:p>
-            <a:pPr lvl="2"/>
-            <a:r>
-              <a:rPr lang="en-US" dirty="0"/>
-              <a:t>Both name and type can be set to </a:t>
-            </a:r>
-            <a:r>
-              <a:rPr lang="en-US" dirty="0" smtClean="0"/>
-              <a:t>*</a:t>
-            </a:r>
-            <a:endParaRPr lang="en-US" dirty="0" smtClean="0"/>
-          </a:p>
-          <a:p>
-            <a:pPr lvl="2"/>
-            <a:r>
-              <a:rPr lang="en-US" dirty="0" err="1" smtClean="0"/>
-              <a:t>Fpar</a:t>
-            </a:r>
-            <a:r>
-              <a:rPr lang="en-US" dirty="0" smtClean="0"/>
-              <a:t> – function parameter pointer</a:t>
-            </a:r>
-          </a:p>
-          <a:p>
-            <a:pPr lvl="2"/>
-            <a:endParaRPr lang="en-US" dirty="0" smtClean="0"/>
+              <a:t> – pointer to data set</a:t>
+            </a:r>
           </a:p>
         </p:txBody>
       </p:sp>
     </p:spTree>
     <p:extLst>
       <p:ext uri="{BB962C8B-B14F-4D97-AF65-F5344CB8AC3E}">
-        <p14:creationId xmlns:p14="http://schemas.microsoft.com/office/powerpoint/2010/main" val="1520666226"/>
+        <p14:creationId xmlns:p14="http://schemas.microsoft.com/office/powerpoint/2010/main" val="3967074757"/>
       </p:ext>
     </p:extLst>
   </p:cSld>
@@ -11329,7 +11465,23 @@
                   <a:srgbClr val="002060"/>
                 </a:solidFill>
               </a:rPr>
-              <a:t>MPI I/O functions</a:t>
+              <a:t>Function </a:t>
+            </a:r>
+            <a:r>
+              <a:rPr lang="en-US" b="1" dirty="0" err="1" smtClean="0">
+                <a:solidFill>
+                  <a:srgbClr val="002060"/>
+                </a:solidFill>
+              </a:rPr>
+              <a:t>fll_scan_file</a:t>
+            </a:r>
+            <a:r>
+              <a:rPr lang="en-US" b="1" dirty="0" smtClean="0">
+                <a:solidFill>
+                  <a:srgbClr val="002060"/>
+                </a:solidFill>
+              </a:rPr>
+              <a:t>()</a:t>
             </a:r>
             <a:endParaRPr lang="en-US" b="1" dirty="0">
               <a:solidFill>
@@ -11352,314 +11504,155 @@
         <p:spPr/>
         <p:txBody>
           <a:bodyPr>
-            <a:normAutofit fontScale="92500" lnSpcReduction="10000"/>
+            <a:normAutofit/>
           </a:bodyPr>
           <a:lstStyle/>
           <a:p>
-            <a:endParaRPr lang="en-US" sz="2400" dirty="0" smtClean="0"/>
-          </a:p>
-          <a:p>
-            <a:r>
-              <a:rPr lang="en-US" dirty="0"/>
-              <a:t>Available functions</a:t>
+            <a:r>
+              <a:rPr lang="en-US" b="1" dirty="0" err="1" smtClean="0">
+                <a:solidFill>
+                  <a:srgbClr val="C00000"/>
+                </a:solidFill>
+              </a:rPr>
+              <a:t>fll_scan_file</a:t>
+            </a:r>
+            <a:r>
+              <a:rPr lang="en-US" b="1" dirty="0" smtClean="0">
+                <a:solidFill>
+                  <a:srgbClr val="C00000"/>
+                </a:solidFill>
+              </a:rPr>
+              <a:t>(filename, </a:t>
+            </a:r>
+            <a:r>
+              <a:rPr lang="en-US" b="1" dirty="0" err="1" smtClean="0">
+                <a:solidFill>
+                  <a:srgbClr val="C00000"/>
+                </a:solidFill>
+              </a:rPr>
+              <a:t>iounit</a:t>
+            </a:r>
+            <a:r>
+              <a:rPr lang="en-US" b="1" dirty="0" smtClean="0">
+                <a:solidFill>
+                  <a:srgbClr val="C00000"/>
+                </a:solidFill>
+              </a:rPr>
+              <a:t>, </a:t>
+            </a:r>
+            <a:r>
+              <a:rPr lang="en-US" b="1" dirty="0" err="1" smtClean="0">
+                <a:solidFill>
+                  <a:srgbClr val="C00000"/>
+                </a:solidFill>
+              </a:rPr>
+              <a:t>fmt,fpar</a:t>
+            </a:r>
+            <a:r>
+              <a:rPr lang="en-US" b="1" dirty="0" smtClean="0">
+                <a:solidFill>
+                  <a:srgbClr val="C00000"/>
+                </a:solidFill>
+              </a:rPr>
+              <a:t>)</a:t>
             </a:r>
           </a:p>
           <a:p>
             <a:pPr lvl="1"/>
             <a:r>
-              <a:rPr lang="en-US" b="1" dirty="0" err="1" smtClean="0">
-                <a:solidFill>
-                  <a:srgbClr val="C00000"/>
-                </a:solidFill>
-              </a:rPr>
-              <a:t>fll_mpi_cp</a:t>
-            </a:r>
-            <a:r>
-              <a:rPr lang="en-US" b="1" dirty="0" smtClean="0">
-                <a:solidFill>
-                  <a:srgbClr val="C00000"/>
-                </a:solidFill>
-              </a:rPr>
-              <a:t> </a:t>
-            </a:r>
-            <a:r>
-              <a:rPr lang="en-US" dirty="0" smtClean="0"/>
-              <a:t>   </a:t>
-            </a:r>
-            <a:r>
-              <a:rPr lang="en-US" dirty="0"/>
-              <a:t>- </a:t>
-            </a:r>
-            <a:r>
-              <a:rPr lang="en-US" dirty="0" smtClean="0"/>
-              <a:t>copy data set from one process to another</a:t>
+              <a:rPr lang="en-US" dirty="0" smtClean="0"/>
+              <a:t>Returns </a:t>
+            </a:r>
+            <a:r>
+              <a:rPr lang="en-US" dirty="0" err="1" smtClean="0"/>
+              <a:t>fll</a:t>
+            </a:r>
+            <a:r>
+              <a:rPr lang="en-US" dirty="0" smtClean="0"/>
+              <a:t> list of with data sets contained in file</a:t>
             </a:r>
           </a:p>
           <a:p>
             <a:pPr lvl="1"/>
             <a:r>
-              <a:rPr lang="en-US" b="1" dirty="0" err="1" smtClean="0">
-                <a:solidFill>
-                  <a:srgbClr val="C00000"/>
-                </a:solidFill>
-              </a:rPr>
-              <a:t>fll_mpi_cp_all</a:t>
-            </a:r>
-            <a:r>
-              <a:rPr lang="en-US" b="1" dirty="0" smtClean="0">
-                <a:solidFill>
-                  <a:srgbClr val="C00000"/>
-                </a:solidFill>
-              </a:rPr>
-              <a:t> </a:t>
-            </a:r>
-            <a:r>
-              <a:rPr lang="en-US" dirty="0" smtClean="0"/>
-              <a:t>   </a:t>
-            </a:r>
-            <a:r>
-              <a:rPr lang="en-US" dirty="0"/>
-              <a:t>- </a:t>
-            </a:r>
-            <a:r>
-              <a:rPr lang="en-US" dirty="0" smtClean="0"/>
-              <a:t>copy data set from one partition to all partitions</a:t>
-            </a:r>
-          </a:p>
-          <a:p>
-            <a:pPr lvl="1"/>
-            <a:r>
-              <a:rPr lang="en-US" b="1" dirty="0" err="1" smtClean="0">
-                <a:solidFill>
-                  <a:srgbClr val="C00000"/>
-                </a:solidFill>
-              </a:rPr>
-              <a:t>fll_mpi_mv</a:t>
-            </a:r>
-            <a:r>
-              <a:rPr lang="en-US" b="1" dirty="0" smtClean="0">
-                <a:solidFill>
-                  <a:srgbClr val="C00000"/>
-                </a:solidFill>
-              </a:rPr>
-              <a:t> </a:t>
-            </a:r>
-            <a:r>
-              <a:rPr lang="en-US" dirty="0" smtClean="0"/>
-              <a:t>   </a:t>
-            </a:r>
-            <a:r>
-              <a:rPr lang="en-US" dirty="0"/>
-              <a:t>- move </a:t>
-            </a:r>
-            <a:r>
-              <a:rPr lang="en-US" dirty="0" smtClean="0"/>
-              <a:t>data set from one process to another</a:t>
-            </a:r>
-          </a:p>
-          <a:p>
-            <a:pPr lvl="1"/>
-            <a:r>
-              <a:rPr lang="en-US" b="1" dirty="0" err="1" smtClean="0">
-                <a:solidFill>
-                  <a:srgbClr val="C00000"/>
-                </a:solidFill>
-              </a:rPr>
-              <a:t>fll_mpi_read</a:t>
-            </a:r>
-            <a:r>
-              <a:rPr lang="en-US" dirty="0" smtClean="0"/>
-              <a:t>   </a:t>
-            </a:r>
-            <a:r>
-              <a:rPr lang="en-US" dirty="0"/>
-              <a:t>- </a:t>
-            </a:r>
-            <a:r>
-              <a:rPr lang="en-US" dirty="0" smtClean="0"/>
-              <a:t>read file in MPI mode</a:t>
-            </a:r>
-          </a:p>
-          <a:p>
-            <a:pPr lvl="1"/>
-            <a:r>
-              <a:rPr lang="en-US" b="1" dirty="0" err="1" smtClean="0">
-                <a:solidFill>
-                  <a:srgbClr val="C00000"/>
-                </a:solidFill>
-              </a:rPr>
-              <a:t>fll_mpi_write</a:t>
-            </a:r>
-            <a:r>
-              <a:rPr lang="en-US" dirty="0" smtClean="0"/>
-              <a:t>   </a:t>
-            </a:r>
-            <a:r>
-              <a:rPr lang="en-US" dirty="0"/>
-              <a:t>- </a:t>
-            </a:r>
-            <a:r>
-              <a:rPr lang="en-US" dirty="0" smtClean="0"/>
-              <a:t>write file in MPI node (N-1) model</a:t>
-            </a:r>
-          </a:p>
-          <a:p>
-            <a:pPr lvl="1"/>
-            <a:r>
-              <a:rPr lang="en-US" b="1" dirty="0" err="1" smtClean="0">
-                <a:solidFill>
-                  <a:srgbClr val="C00000"/>
-                </a:solidFill>
-              </a:rPr>
-              <a:t>fll_mpi_write_nm</a:t>
-            </a:r>
-            <a:r>
-              <a:rPr lang="en-US" dirty="0" smtClean="0"/>
-              <a:t> </a:t>
-            </a:r>
-            <a:r>
-              <a:rPr lang="en-US" dirty="0"/>
-              <a:t>- write file in MPI node (</a:t>
-            </a:r>
-            <a:r>
-              <a:rPr lang="en-US" dirty="0" smtClean="0"/>
-              <a:t>N-M) </a:t>
-            </a:r>
-            <a:r>
-              <a:rPr lang="en-US" dirty="0"/>
-              <a:t>model </a:t>
+              <a:rPr lang="en-US" dirty="0" smtClean="0"/>
+              <a:t>Input parameters</a:t>
+            </a:r>
+          </a:p>
+          <a:p>
+            <a:pPr lvl="2"/>
+            <a:r>
+              <a:rPr lang="en-US" dirty="0" smtClean="0"/>
+              <a:t>Filename – name of file</a:t>
+            </a:r>
+          </a:p>
+          <a:p>
+            <a:pPr lvl="2"/>
+            <a:r>
+              <a:rPr lang="en-US" dirty="0" err="1" smtClean="0"/>
+              <a:t>Iounit</a:t>
+            </a:r>
+            <a:r>
+              <a:rPr lang="en-US" dirty="0" smtClean="0"/>
+              <a:t> – number of IO file </a:t>
+            </a:r>
+            <a:r>
+              <a:rPr lang="en-US" dirty="0" err="1" smtClean="0"/>
+              <a:t>descriptior</a:t>
             </a:r>
             <a:endParaRPr lang="en-US" dirty="0" smtClean="0"/>
           </a:p>
           <a:p>
-            <a:pPr lvl="1"/>
-            <a:r>
-              <a:rPr lang="en-US" b="1" dirty="0" err="1" smtClean="0">
-                <a:solidFill>
-                  <a:srgbClr val="C00000"/>
-                </a:solidFill>
-              </a:rPr>
-              <a:t>fll_mpi_write_snm</a:t>
-            </a:r>
-            <a:r>
-              <a:rPr lang="en-US" dirty="0" smtClean="0"/>
-              <a:t>  </a:t>
-            </a:r>
-            <a:r>
-              <a:rPr lang="en-US" dirty="0"/>
-              <a:t>- </a:t>
-            </a:r>
-            <a:r>
-              <a:rPr lang="en-US" dirty="0" smtClean="0"/>
-              <a:t>write </a:t>
-            </a:r>
-            <a:r>
-              <a:rPr lang="en-US" dirty="0"/>
-              <a:t>file in MPI node </a:t>
-            </a:r>
-            <a:r>
-              <a:rPr lang="en-US" dirty="0" smtClean="0"/>
-              <a:t>(S-N-M) </a:t>
-            </a:r>
-            <a:r>
-              <a:rPr lang="en-US" dirty="0"/>
-              <a:t>model </a:t>
-            </a:r>
+            <a:pPr lvl="2"/>
+            <a:r>
+              <a:rPr lang="en-US" dirty="0" err="1" smtClean="0"/>
+              <a:t>Fmt</a:t>
+            </a:r>
+            <a:r>
+              <a:rPr lang="en-US" dirty="0" smtClean="0"/>
+              <a:t>	- file format ‘A’ or ‘B’</a:t>
+            </a:r>
+          </a:p>
+          <a:p>
+            <a:pPr lvl="2"/>
+            <a:r>
+              <a:rPr lang="en-US" dirty="0" err="1" smtClean="0"/>
+              <a:t>Fpar</a:t>
+            </a:r>
+            <a:r>
+              <a:rPr lang="en-US" dirty="0" smtClean="0"/>
+              <a:t> – function parameter pointer</a:t>
+            </a:r>
+          </a:p>
+          <a:p>
+            <a:pPr lvl="2"/>
+            <a:endParaRPr lang="en-US" dirty="0"/>
+          </a:p>
+          <a:p>
+            <a:pPr lvl="2"/>
+            <a:r>
+              <a:rPr lang="en-US" dirty="0" smtClean="0"/>
+              <a:t>Function used in connection with </a:t>
+            </a:r>
+            <a:r>
+              <a:rPr lang="en-US" dirty="0" err="1" smtClean="0"/>
+              <a:t>fll_read_record</a:t>
+            </a:r>
+            <a:r>
+              <a:rPr lang="en-US" dirty="0" smtClean="0"/>
+              <a:t>()</a:t>
+            </a:r>
+          </a:p>
+          <a:p>
+            <a:pPr lvl="2"/>
             <a:endParaRPr lang="en-US" dirty="0" smtClean="0"/>
-          </a:p>
-          <a:p>
-            <a:pPr lvl="1"/>
-            <a:r>
-              <a:rPr lang="en-US" b="1" dirty="0" err="1" smtClean="0">
-                <a:solidFill>
-                  <a:srgbClr val="C00000"/>
-                </a:solidFill>
-              </a:rPr>
-              <a:t>fll_mpi_proc_struct</a:t>
-            </a:r>
-            <a:r>
-              <a:rPr lang="en-US" dirty="0" smtClean="0"/>
-              <a:t>   - creates structures needed for MPI IO </a:t>
-            </a:r>
-          </a:p>
-          <a:p>
-            <a:pPr lvl="1"/>
-            <a:r>
-              <a:rPr lang="en-US" b="1" dirty="0" err="1" smtClean="0">
-                <a:solidFill>
-                  <a:srgbClr val="C00000"/>
-                </a:solidFill>
-              </a:rPr>
-              <a:t>fll_nmio_struct</a:t>
-            </a:r>
-            <a:r>
-              <a:rPr lang="en-US" dirty="0" smtClean="0"/>
-              <a:t>   </a:t>
-            </a:r>
-            <a:r>
-              <a:rPr lang="en-US" dirty="0"/>
-              <a:t>- creates structures needed for MPI IO </a:t>
-            </a:r>
-          </a:p>
-          <a:p>
-            <a:pPr lvl="1"/>
-            <a:r>
-              <a:rPr lang="en-US" b="1" dirty="0" err="1" smtClean="0">
-                <a:solidFill>
-                  <a:srgbClr val="C00000"/>
-                </a:solidFill>
-              </a:rPr>
-              <a:t>fll_snmio_struct</a:t>
-            </a:r>
-            <a:r>
-              <a:rPr lang="en-US" dirty="0" smtClean="0"/>
-              <a:t>   </a:t>
-            </a:r>
-            <a:r>
-              <a:rPr lang="en-US" dirty="0"/>
-              <a:t>- creates structures needed for MPI IO </a:t>
-            </a:r>
-          </a:p>
-          <a:p>
-            <a:pPr lvl="1"/>
-            <a:endParaRPr lang="en-US" dirty="0"/>
-          </a:p>
-          <a:p>
-            <a:pPr lvl="1"/>
-            <a:endParaRPr lang="en-US" dirty="0"/>
-          </a:p>
-          <a:p>
-            <a:pPr lvl="1"/>
-            <a:endParaRPr lang="en-US" dirty="0"/>
-          </a:p>
-          <a:p>
-            <a:pPr lvl="1"/>
-            <a:endParaRPr lang="en-US" dirty="0"/>
-          </a:p>
-          <a:p>
-            <a:pPr lvl="1"/>
-            <a:endParaRPr lang="en-US" dirty="0"/>
-          </a:p>
-          <a:p>
-            <a:pPr marL="457200" lvl="1" indent="0">
-              <a:buNone/>
-            </a:pPr>
-            <a:endParaRPr lang="en-US" dirty="0"/>
-          </a:p>
-          <a:p>
-            <a:pPr lvl="1"/>
-            <a:endParaRPr lang="en-US" dirty="0"/>
-          </a:p>
-          <a:p>
-            <a:pPr lvl="1"/>
-            <a:endParaRPr lang="en-US" dirty="0"/>
           </a:p>
         </p:txBody>
       </p:sp>
     </p:spTree>
     <p:extLst>
       <p:ext uri="{BB962C8B-B14F-4D97-AF65-F5344CB8AC3E}">
-        <p14:creationId xmlns:p14="http://schemas.microsoft.com/office/powerpoint/2010/main" val="990041030"/>
+        <p14:creationId xmlns:p14="http://schemas.microsoft.com/office/powerpoint/2010/main" val="1144209969"/>
       </p:ext>
     </p:extLst>
   </p:cSld>
@@ -11715,7 +11708,7 @@
                   <a:srgbClr val="002060"/>
                 </a:solidFill>
               </a:rPr>
-              <a:t>fll_mpi_cp</a:t>
+              <a:t>fll_read_record</a:t>
             </a:r>
             <a:r>
               <a:rPr lang="en-US" b="1" dirty="0" smtClean="0">
@@ -11723,7 +11716,7 @@
                   <a:srgbClr val="002060"/>
                 </a:solidFill>
               </a:rPr>
-              <a:t> ()</a:t>
+              <a:t>()</a:t>
             </a:r>
             <a:endParaRPr lang="en-US" b="1" dirty="0">
               <a:solidFill>
@@ -11746,7 +11739,7 @@
         <p:spPr/>
         <p:txBody>
           <a:bodyPr>
-            <a:normAutofit/>
+            <a:normAutofit fontScale="85000" lnSpcReduction="20000"/>
           </a:bodyPr>
           <a:lstStyle/>
           <a:p>
@@ -11756,7 +11749,7 @@
                   <a:srgbClr val="C00000"/>
                 </a:solidFill>
               </a:rPr>
-              <a:t>fll_mpi_cp</a:t>
+              <a:t>fll_read_record</a:t>
             </a:r>
             <a:r>
               <a:rPr lang="en-US" b="1" dirty="0" smtClean="0">
@@ -11764,7 +11757,7 @@
                   <a:srgbClr val="C00000"/>
                 </a:solidFill>
               </a:rPr>
-              <a:t>(</a:t>
+              <a:t>(filename, </a:t>
             </a:r>
             <a:r>
               <a:rPr lang="en-US" b="1" dirty="0" err="1" smtClean="0">
@@ -11772,7 +11765,55 @@
                   <a:srgbClr val="C00000"/>
                 </a:solidFill>
               </a:rPr>
-              <a:t>pnode,communicator</a:t>
+              <a:t>iounit</a:t>
+            </a:r>
+            <a:r>
+              <a:rPr lang="en-US" b="1" dirty="0">
+                <a:solidFill>
+                  <a:srgbClr val="C00000"/>
+                </a:solidFill>
+              </a:rPr>
+              <a:t>, </a:t>
+            </a:r>
+            <a:r>
+              <a:rPr lang="en-US" b="1" dirty="0" err="1">
+                <a:solidFill>
+                  <a:srgbClr val="C00000"/>
+                </a:solidFill>
+              </a:rPr>
+              <a:t>pnode,name</a:t>
+            </a:r>
+            <a:r>
+              <a:rPr lang="en-US" b="1" dirty="0">
+                <a:solidFill>
+                  <a:srgbClr val="C00000"/>
+                </a:solidFill>
+              </a:rPr>
+              <a:t>, </a:t>
+            </a:r>
+            <a:r>
+              <a:rPr lang="en-US" b="1" dirty="0" err="1">
+                <a:solidFill>
+                  <a:srgbClr val="C00000"/>
+                </a:solidFill>
+              </a:rPr>
+              <a:t>type,dim</a:t>
+            </a:r>
+            <a:r>
+              <a:rPr lang="en-US" b="1" dirty="0">
+                <a:solidFill>
+                  <a:srgbClr val="C00000"/>
+                </a:solidFill>
+              </a:rPr>
+              <a:t>, </a:t>
+            </a:r>
+            <a:r>
+              <a:rPr lang="en-US" b="1" dirty="0" err="1" smtClean="0">
+                <a:solidFill>
+                  <a:srgbClr val="C00000"/>
+                </a:solidFill>
+              </a:rPr>
+              <a:t>number,recursive,fpar</a:t>
             </a:r>
             <a:r>
               <a:rPr lang="en-US" b="1" dirty="0" smtClean="0">
@@ -11780,22 +11821,6 @@
                   <a:srgbClr val="C00000"/>
                 </a:solidFill>
               </a:rPr>
-              <a:t>, </a:t>
-            </a:r>
-            <a:r>
-              <a:rPr lang="en-US" b="1" dirty="0" err="1" smtClean="0">
-                <a:solidFill>
-                  <a:srgbClr val="C00000"/>
-                </a:solidFill>
-              </a:rPr>
-              <a:t>sendpart,recpart,fpar</a:t>
-            </a:r>
-            <a:r>
-              <a:rPr lang="en-US" b="1" dirty="0" smtClean="0">
-                <a:solidFill>
-                  <a:srgbClr val="C00000"/>
-                </a:solidFill>
-              </a:rPr>
               <a:t>)</a:t>
             </a:r>
           </a:p>
@@ -11803,44 +11828,38 @@
             <a:pPr lvl="1"/>
             <a:r>
               <a:rPr lang="en-US" dirty="0" smtClean="0"/>
-              <a:t>Copy data set from </a:t>
-            </a:r>
+              <a:t>Returns data set from file</a:t>
+            </a:r>
+          </a:p>
+          <a:p>
+            <a:pPr lvl="1"/>
+            <a:r>
+              <a:rPr lang="en-US" dirty="0" smtClean="0"/>
+              <a:t>Input parameters</a:t>
+            </a:r>
+          </a:p>
+          <a:p>
+            <a:pPr lvl="2"/>
+            <a:r>
+              <a:rPr lang="en-US" dirty="0" smtClean="0"/>
+              <a:t>Filename – name of file</a:t>
+            </a:r>
+          </a:p>
+          <a:p>
+            <a:pPr lvl="2"/>
             <a:r>
               <a:rPr lang="en-US" dirty="0" err="1" smtClean="0"/>
-              <a:t>sendpart</a:t>
-            </a:r>
-            <a:r>
-              <a:rPr lang="en-US" dirty="0" smtClean="0"/>
-              <a:t> to </a:t>
+              <a:t>Iounit</a:t>
+            </a:r>
+            <a:r>
+              <a:rPr lang="en-US" dirty="0" smtClean="0"/>
+              <a:t> – number of IO file </a:t>
             </a:r>
             <a:r>
               <a:rPr lang="en-US" dirty="0" err="1" smtClean="0"/>
-              <a:t>recpart</a:t>
+              <a:t>descriptior</a:t>
             </a:r>
             <a:endParaRPr lang="en-US" dirty="0" smtClean="0"/>
-          </a:p>
-          <a:p>
-            <a:pPr lvl="1"/>
-            <a:r>
-              <a:rPr lang="en-US" dirty="0" smtClean="0"/>
-              <a:t>Returns pointer to copied data set on </a:t>
-            </a:r>
-            <a:r>
-              <a:rPr lang="en-US" dirty="0" err="1" smtClean="0"/>
-              <a:t>recpart</a:t>
-            </a:r>
-            <a:r>
-              <a:rPr lang="en-US" dirty="0" smtClean="0"/>
-              <a:t> processor</a:t>
-            </a:r>
-            <a:endParaRPr lang="en-US" dirty="0" smtClean="0"/>
-          </a:p>
-          <a:p>
-            <a:pPr lvl="1"/>
-            <a:r>
-              <a:rPr lang="en-US" dirty="0" smtClean="0"/>
-              <a:t>Input parameters</a:t>
-            </a:r>
           </a:p>
           <a:p>
             <a:pPr lvl="2"/>
@@ -11850,41 +11869,114 @@
             </a:r>
             <a:r>
               <a:rPr lang="en-US" dirty="0" smtClean="0"/>
-              <a:t> – </a:t>
-            </a:r>
-            <a:r>
-              <a:rPr lang="en-US" dirty="0" smtClean="0"/>
-              <a:t>pointer to data set</a:t>
+              <a:t> – data structure of the file, obtained from </a:t>
+            </a:r>
+            <a:r>
+              <a:rPr lang="en-US" dirty="0" err="1" smtClean="0"/>
+              <a:t>fll_scan_file</a:t>
+            </a:r>
+            <a:r>
+              <a:rPr lang="en-US" dirty="0" smtClean="0"/>
+              <a:t>()</a:t>
+            </a:r>
+          </a:p>
+          <a:p>
+            <a:pPr lvl="4"/>
+            <a:r>
+              <a:rPr lang="en-US" dirty="0" smtClean="0"/>
+              <a:t>If NULL, function reads the file and crates this list itself</a:t>
+            </a:r>
+          </a:p>
+          <a:p>
+            <a:pPr lvl="4"/>
+            <a:r>
+              <a:rPr lang="en-US" dirty="0" smtClean="0"/>
+              <a:t>If not NULL, function uses this list instead of scanning file </a:t>
             </a:r>
           </a:p>
           <a:p>
             <a:pPr lvl="2"/>
             <a:r>
-              <a:rPr lang="en-US" dirty="0" smtClean="0"/>
-              <a:t>Communicator – MPI communicator</a:t>
+              <a:rPr lang="en-US" dirty="0"/>
+              <a:t>Name – name of node</a:t>
             </a:r>
           </a:p>
           <a:p>
             <a:pPr lvl="2"/>
             <a:r>
+              <a:rPr lang="en-US" dirty="0"/>
+              <a:t>Number – order of the node (1</a:t>
+            </a:r>
+            <a:r>
+              <a:rPr lang="en-US" baseline="30000" dirty="0"/>
+              <a:t>st</a:t>
+            </a:r>
+            <a:r>
+              <a:rPr lang="en-US" dirty="0"/>
+              <a:t>, 2</a:t>
+            </a:r>
+            <a:r>
+              <a:rPr lang="en-US" baseline="30000" dirty="0"/>
+              <a:t>nd</a:t>
+            </a:r>
+            <a:r>
+              <a:rPr lang="en-US" dirty="0"/>
+              <a:t> </a:t>
+            </a:r>
+            <a:r>
+              <a:rPr lang="en-US" dirty="0" err="1"/>
+              <a:t>etc</a:t>
+            </a:r>
+            <a:r>
+              <a:rPr lang="en-US" dirty="0"/>
+              <a:t>…) if more nodes of the same name </a:t>
+            </a:r>
+          </a:p>
+          <a:p>
+            <a:pPr lvl="2"/>
+            <a:r>
+              <a:rPr lang="en-US" dirty="0"/>
+              <a:t>Type – type of node</a:t>
+            </a:r>
+          </a:p>
+          <a:p>
+            <a:pPr lvl="2"/>
+            <a:r>
+              <a:rPr lang="en-US" dirty="0"/>
+              <a:t>Dim – dimensions of arrays in the node, can be 0,1,2, if any other number the dimensions is not considered</a:t>
+            </a:r>
+          </a:p>
+          <a:p>
+            <a:pPr lvl="2"/>
+            <a:r>
+              <a:rPr lang="en-US" dirty="0"/>
+              <a:t>Recursive – search list recursively, if so, number == 1</a:t>
+            </a:r>
+          </a:p>
+          <a:p>
+            <a:pPr lvl="2"/>
+            <a:r>
+              <a:rPr lang="en-US" dirty="0"/>
+              <a:t>Both name and type can be set to </a:t>
+            </a:r>
+            <a:r>
+              <a:rPr lang="en-US" dirty="0" smtClean="0"/>
+              <a:t>*</a:t>
+            </a:r>
+          </a:p>
+          <a:p>
+            <a:pPr lvl="2"/>
+            <a:r>
               <a:rPr lang="en-US" dirty="0" err="1" smtClean="0"/>
-              <a:t>Sendpart</a:t>
-            </a:r>
-            <a:r>
-              <a:rPr lang="en-US" dirty="0" smtClean="0"/>
-              <a:t> – world number of sending process</a:t>
+              <a:t>Fpar</a:t>
+            </a:r>
+            <a:r>
+              <a:rPr lang="en-US" dirty="0" smtClean="0"/>
+              <a:t> – function parameter pointer</a:t>
             </a:r>
           </a:p>
           <a:p>
             <a:pPr lvl="2"/>
-            <a:r>
-              <a:rPr lang="en-US" dirty="0" err="1" smtClean="0"/>
-              <a:t>Recpart</a:t>
-            </a:r>
-            <a:r>
-              <a:rPr lang="en-US" dirty="0" smtClean="0"/>
-              <a:t> – world number of receiving process</a:t>
-            </a:r>
             <a:endParaRPr lang="en-US" dirty="0" smtClean="0"/>
           </a:p>
         </p:txBody>
@@ -11892,13 +11984,20 @@
     </p:spTree>
     <p:extLst>
       <p:ext uri="{BB962C8B-B14F-4D97-AF65-F5344CB8AC3E}">
-        <p14:creationId xmlns:p14="http://schemas.microsoft.com/office/powerpoint/2010/main" val="594026096"/>
+        <p14:creationId xmlns:p14="http://schemas.microsoft.com/office/powerpoint/2010/main" val="1520666226"/>
       </p:ext>
     </p:extLst>
   </p:cSld>
   <p:clrMapOvr>
     <a:masterClrMapping/>
   </p:clrMapOvr>
+  <p:timing>
+    <p:tnLst>
+      <p:par>
+        <p:cTn id="1" dur="indefinite" restart="never" nodeType="tmRoot"/>
+      </p:par>
+    </p:tnLst>
+  </p:timing>
 </p:sld>
 </file>
 
@@ -11940,23 +12039,7 @@
                   <a:srgbClr val="002060"/>
                 </a:solidFill>
               </a:rPr>
-              <a:t>Function </a:t>
-            </a:r>
-            <a:r>
-              <a:rPr lang="en-US" b="1" dirty="0" err="1" smtClean="0">
-                <a:solidFill>
-                  <a:srgbClr val="002060"/>
-                </a:solidFill>
-              </a:rPr>
-              <a:t>fll_mpi_cp_all</a:t>
-            </a:r>
-            <a:r>
-              <a:rPr lang="en-US" b="1" dirty="0" smtClean="0">
-                <a:solidFill>
-                  <a:srgbClr val="002060"/>
-                </a:solidFill>
-              </a:rPr>
-              <a:t> ()</a:t>
+              <a:t>MPI I/O functions</a:t>
             </a:r>
             <a:endParaRPr lang="en-US" b="1" dirty="0">
               <a:solidFill>
@@ -11979,16 +12062,57 @@
         <p:spPr/>
         <p:txBody>
           <a:bodyPr>
-            <a:normAutofit/>
+            <a:normAutofit fontScale="92500" lnSpcReduction="10000"/>
           </a:bodyPr>
           <a:lstStyle/>
           <a:p>
+            <a:endParaRPr lang="en-US" sz="2400" dirty="0" smtClean="0"/>
+          </a:p>
+          <a:p>
+            <a:r>
+              <a:rPr lang="en-US" dirty="0"/>
+              <a:t>Available functions</a:t>
+            </a:r>
+          </a:p>
+          <a:p>
+            <a:pPr lvl="1"/>
             <a:r>
               <a:rPr lang="en-US" b="1" dirty="0" err="1" smtClean="0">
                 <a:solidFill>
                   <a:srgbClr val="C00000"/>
                 </a:solidFill>
               </a:rPr>
+              <a:t>fll_mpi_cp</a:t>
+            </a:r>
+            <a:r>
+              <a:rPr lang="en-US" b="1" dirty="0" smtClean="0">
+                <a:solidFill>
+                  <a:srgbClr val="C00000"/>
+                </a:solidFill>
+              </a:rPr>
+              <a:t> </a:t>
+            </a:r>
+            <a:r>
+              <a:rPr lang="en-US" dirty="0" smtClean="0"/>
+              <a:t>   </a:t>
+            </a:r>
+            <a:r>
+              <a:rPr lang="en-US" dirty="0"/>
+              <a:t>- </a:t>
+            </a:r>
+            <a:r>
+              <a:rPr lang="en-US" dirty="0" smtClean="0"/>
+              <a:t>copy data set from one process to another</a:t>
+            </a:r>
+          </a:p>
+          <a:p>
+            <a:pPr lvl="1"/>
+            <a:r>
+              <a:rPr lang="en-US" b="1" dirty="0" err="1" smtClean="0">
+                <a:solidFill>
+                  <a:srgbClr val="C00000"/>
+                </a:solidFill>
+              </a:rPr>
               <a:t>fll_mpi_cp_all</a:t>
             </a:r>
             <a:r>
@@ -11997,15 +12121,30 @@
                   <a:srgbClr val="C00000"/>
                 </a:solidFill>
               </a:rPr>
-              <a:t>(</a:t>
-            </a:r>
+              <a:t> </a:t>
+            </a:r>
+            <a:r>
+              <a:rPr lang="en-US" dirty="0" smtClean="0"/>
+              <a:t>   </a:t>
+            </a:r>
+            <a:r>
+              <a:rPr lang="en-US" dirty="0"/>
+              <a:t>- </a:t>
+            </a:r>
+            <a:r>
+              <a:rPr lang="en-US" dirty="0" smtClean="0"/>
+              <a:t>copy data set from one partition to all partitions</a:t>
+            </a:r>
+          </a:p>
+          <a:p>
+            <a:pPr lvl="1"/>
             <a:r>
               <a:rPr lang="en-US" b="1" dirty="0" err="1" smtClean="0">
                 <a:solidFill>
                   <a:srgbClr val="C00000"/>
                 </a:solidFill>
               </a:rPr>
-              <a:t>pnode,communicator</a:t>
+              <a:t>fll_mpi_mv</a:t>
             </a:r>
             <a:r>
               <a:rPr lang="en-US" b="1" dirty="0" smtClean="0">
@@ -12013,94 +12152,224 @@
                   <a:srgbClr val="C00000"/>
                 </a:solidFill>
               </a:rPr>
-              <a:t>, </a:t>
-            </a:r>
+              <a:t> </a:t>
+            </a:r>
+            <a:r>
+              <a:rPr lang="en-US" dirty="0" smtClean="0"/>
+              <a:t>   </a:t>
+            </a:r>
+            <a:r>
+              <a:rPr lang="en-US" dirty="0"/>
+              <a:t>- move </a:t>
+            </a:r>
+            <a:r>
+              <a:rPr lang="en-US" dirty="0" smtClean="0"/>
+              <a:t>data set from one process to another</a:t>
+            </a:r>
+          </a:p>
+          <a:p>
+            <a:pPr lvl="1"/>
             <a:r>
               <a:rPr lang="en-US" b="1" dirty="0" err="1" smtClean="0">
                 <a:solidFill>
                   <a:srgbClr val="C00000"/>
                 </a:solidFill>
               </a:rPr>
-              <a:t>sendpart,fpar</a:t>
-            </a:r>
-            <a:r>
-              <a:rPr lang="en-US" b="1" dirty="0" smtClean="0">
-                <a:solidFill>
-                  <a:srgbClr val="C00000"/>
-                </a:solidFill>
-              </a:rPr>
-              <a:t>)</a:t>
+              <a:t>fll_mpi_read</a:t>
+            </a:r>
+            <a:r>
+              <a:rPr lang="en-US" dirty="0" smtClean="0"/>
+              <a:t>   </a:t>
+            </a:r>
+            <a:r>
+              <a:rPr lang="en-US" dirty="0"/>
+              <a:t>- </a:t>
+            </a:r>
+            <a:r>
+              <a:rPr lang="en-US" dirty="0" smtClean="0"/>
+              <a:t>read file in MPI mode</a:t>
             </a:r>
           </a:p>
           <a:p>
             <a:pPr lvl="1"/>
             <a:r>
-              <a:rPr lang="en-US" dirty="0" smtClean="0"/>
-              <a:t>Copy data set from </a:t>
-            </a:r>
-            <a:r>
-              <a:rPr lang="en-US" dirty="0" err="1" smtClean="0"/>
-              <a:t>sendpart</a:t>
-            </a:r>
-            <a:r>
-              <a:rPr lang="en-US" dirty="0" smtClean="0"/>
-              <a:t> process to all other processes</a:t>
+              <a:rPr lang="en-US" b="1" dirty="0" err="1" smtClean="0">
+                <a:solidFill>
+                  <a:srgbClr val="C00000"/>
+                </a:solidFill>
+              </a:rPr>
+              <a:t>fll_mpi_write</a:t>
+            </a:r>
+            <a:r>
+              <a:rPr lang="en-US" dirty="0" smtClean="0"/>
+              <a:t>   </a:t>
+            </a:r>
+            <a:r>
+              <a:rPr lang="en-US" dirty="0"/>
+              <a:t>- </a:t>
+            </a:r>
+            <a:r>
+              <a:rPr lang="en-US" dirty="0" smtClean="0"/>
+              <a:t>write file in MPI node (N-1) model</a:t>
             </a:r>
           </a:p>
           <a:p>
             <a:pPr lvl="1"/>
             <a:r>
-              <a:rPr lang="en-US" dirty="0" smtClean="0"/>
-              <a:t>Returns pointer to copied data set in receiving processes</a:t>
+              <a:rPr lang="en-US" b="1" dirty="0" err="1" smtClean="0">
+                <a:solidFill>
+                  <a:srgbClr val="C00000"/>
+                </a:solidFill>
+              </a:rPr>
+              <a:t>fll_mpi_write_nm</a:t>
+            </a:r>
+            <a:r>
+              <a:rPr lang="en-US" dirty="0" smtClean="0"/>
+              <a:t> </a:t>
+            </a:r>
+            <a:r>
+              <a:rPr lang="en-US" dirty="0"/>
+              <a:t>- write file in MPI node (</a:t>
+            </a:r>
+            <a:r>
+              <a:rPr lang="en-US" dirty="0" smtClean="0"/>
+              <a:t>N-M) </a:t>
+            </a:r>
+            <a:r>
+              <a:rPr lang="en-US" dirty="0"/>
+              <a:t>model </a:t>
             </a:r>
             <a:endParaRPr lang="en-US" dirty="0" smtClean="0"/>
           </a:p>
           <a:p>
             <a:pPr lvl="1"/>
             <a:r>
-              <a:rPr lang="en-US" dirty="0" smtClean="0"/>
-              <a:t>Input parameters</a:t>
-            </a:r>
-          </a:p>
-          <a:p>
-            <a:pPr lvl="2"/>
-            <a:r>
-              <a:rPr lang="en-US" dirty="0" err="1" smtClean="0"/>
-              <a:t>Pnode</a:t>
-            </a:r>
-            <a:r>
-              <a:rPr lang="en-US" dirty="0" smtClean="0"/>
-              <a:t> – </a:t>
-            </a:r>
-            <a:r>
-              <a:rPr lang="en-US" dirty="0" smtClean="0"/>
-              <a:t>pointer to data set</a:t>
-            </a:r>
-          </a:p>
-          <a:p>
-            <a:pPr lvl="2"/>
-            <a:r>
-              <a:rPr lang="en-US" dirty="0" smtClean="0"/>
-              <a:t>Communicator – MPI communicator</a:t>
-            </a:r>
-          </a:p>
-          <a:p>
-            <a:pPr lvl="2"/>
-            <a:r>
-              <a:rPr lang="en-US" dirty="0" err="1" smtClean="0"/>
-              <a:t>Sendpart</a:t>
-            </a:r>
-            <a:r>
-              <a:rPr lang="en-US" dirty="0" smtClean="0"/>
-              <a:t> – world number of sending process</a:t>
-            </a:r>
+              <a:rPr lang="en-US" b="1" dirty="0" err="1" smtClean="0">
+                <a:solidFill>
+                  <a:srgbClr val="C00000"/>
+                </a:solidFill>
+              </a:rPr>
+              <a:t>fll_mpi_write_snm</a:t>
+            </a:r>
+            <a:r>
+              <a:rPr lang="en-US" dirty="0" smtClean="0"/>
+              <a:t>  </a:t>
+            </a:r>
+            <a:r>
+              <a:rPr lang="en-US" dirty="0"/>
+              <a:t>- </a:t>
+            </a:r>
+            <a:r>
+              <a:rPr lang="en-US" dirty="0" smtClean="0"/>
+              <a:t>write </a:t>
+            </a:r>
+            <a:r>
+              <a:rPr lang="en-US" dirty="0"/>
+              <a:t>file in MPI node </a:t>
+            </a:r>
+            <a:r>
+              <a:rPr lang="en-US" dirty="0" smtClean="0"/>
+              <a:t>(S-N-M) </a:t>
+            </a:r>
+            <a:r>
+              <a:rPr lang="en-US" dirty="0"/>
+              <a:t>model </a:t>
+            </a:r>
+            <a:endParaRPr lang="en-US" dirty="0" smtClean="0"/>
+          </a:p>
+          <a:p>
+            <a:pPr lvl="1"/>
+            <a:r>
+              <a:rPr lang="en-US" b="1" dirty="0" err="1" smtClean="0">
+                <a:solidFill>
+                  <a:srgbClr val="C00000"/>
+                </a:solidFill>
+              </a:rPr>
+              <a:t>fll_mpi_proc_struct</a:t>
+            </a:r>
+            <a:r>
+              <a:rPr lang="en-US" dirty="0" smtClean="0"/>
+              <a:t>   - creates structures needed for MPI IO </a:t>
+            </a:r>
+          </a:p>
+          <a:p>
+            <a:pPr lvl="1"/>
+            <a:r>
+              <a:rPr lang="en-US" b="1" dirty="0" err="1" smtClean="0">
+                <a:solidFill>
+                  <a:srgbClr val="C00000"/>
+                </a:solidFill>
+              </a:rPr>
+              <a:t>fll_nmio_struct</a:t>
+            </a:r>
+            <a:r>
+              <a:rPr lang="en-US" dirty="0" smtClean="0"/>
+              <a:t>   </a:t>
+            </a:r>
+            <a:r>
+              <a:rPr lang="en-US" dirty="0"/>
+              <a:t>- creates structures needed for MPI IO </a:t>
+            </a:r>
+          </a:p>
+          <a:p>
+            <a:pPr lvl="1"/>
+            <a:r>
+              <a:rPr lang="en-US" b="1" dirty="0" err="1" smtClean="0">
+                <a:solidFill>
+                  <a:srgbClr val="C00000"/>
+                </a:solidFill>
+              </a:rPr>
+              <a:t>fll_snmio_struct</a:t>
+            </a:r>
+            <a:r>
+              <a:rPr lang="en-US" dirty="0" smtClean="0"/>
+              <a:t>   </a:t>
+            </a:r>
+            <a:r>
+              <a:rPr lang="en-US" dirty="0"/>
+              <a:t>- creates structures needed for MPI IO </a:t>
+            </a:r>
+          </a:p>
+          <a:p>
+            <a:pPr lvl="1"/>
+            <a:endParaRPr lang="en-US" dirty="0"/>
+          </a:p>
+          <a:p>
+            <a:pPr lvl="1"/>
+            <a:endParaRPr lang="en-US" dirty="0"/>
+          </a:p>
+          <a:p>
+            <a:pPr lvl="1"/>
+            <a:endParaRPr lang="en-US" dirty="0"/>
+          </a:p>
+          <a:p>
+            <a:pPr lvl="1"/>
+            <a:endParaRPr lang="en-US" dirty="0"/>
+          </a:p>
+          <a:p>
+            <a:pPr lvl="1"/>
+            <a:endParaRPr lang="en-US" dirty="0"/>
+          </a:p>
+          <a:p>
+            <a:pPr marL="457200" lvl="1" indent="0">
+              <a:buNone/>
+            </a:pPr>
+            <a:endParaRPr lang="en-US" dirty="0"/>
+          </a:p>
+          <a:p>
+            <a:pPr lvl="1"/>
+            <a:endParaRPr lang="en-US" dirty="0"/>
+          </a:p>
+          <a:p>
+            <a:pPr lvl="1"/>
+            <a:endParaRPr lang="en-US" dirty="0"/>
           </a:p>
         </p:txBody>
       </p:sp>
     </p:spTree>
     <p:extLst>
       <p:ext uri="{BB962C8B-B14F-4D97-AF65-F5344CB8AC3E}">
-        <p14:creationId xmlns:p14="http://schemas.microsoft.com/office/powerpoint/2010/main" val="1062322570"/>
+        <p14:creationId xmlns:p14="http://schemas.microsoft.com/office/powerpoint/2010/main" val="990041030"/>
       </p:ext>
     </p:extLst>
   </p:cSld>
@@ -12156,7 +12425,7 @@
                   <a:srgbClr val="002060"/>
                 </a:solidFill>
               </a:rPr>
-              <a:t>fll_mpi_mv</a:t>
+              <a:t>fll_mpi_cp</a:t>
             </a:r>
             <a:r>
               <a:rPr lang="en-US" b="1" dirty="0" smtClean="0">
@@ -12197,7 +12466,7 @@
                   <a:srgbClr val="C00000"/>
                 </a:solidFill>
               </a:rPr>
-              <a:t>fll_mpi_mv</a:t>
+              <a:t>fll_mpi_cp</a:t>
             </a:r>
             <a:r>
               <a:rPr lang="en-US" b="1" dirty="0" smtClean="0">
@@ -12244,7 +12513,7 @@
             <a:pPr lvl="1"/>
             <a:r>
               <a:rPr lang="en-US" dirty="0" smtClean="0"/>
-              <a:t>Moves data set from </a:t>
+              <a:t>Copy data set from </a:t>
             </a:r>
             <a:r>
               <a:rPr lang="en-US" dirty="0" err="1" smtClean="0"/>
@@ -12274,7 +12543,6 @@
               <a:rPr lang="en-US" dirty="0" smtClean="0"/>
               <a:t> processor</a:t>
             </a:r>
-            <a:endParaRPr lang="en-US" dirty="0" smtClean="0"/>
           </a:p>
           <a:p>
             <a:pPr lvl="1"/>
@@ -12291,11 +12559,7 @@
             </a:r>
             <a:r>
               <a:rPr lang="en-US" dirty="0" smtClean="0"/>
-              <a:t> – </a:t>
-            </a:r>
-            <a:r>
-              <a:rPr lang="en-US" dirty="0" smtClean="0"/>
-              <a:t>pointer to data set</a:t>
+              <a:t> – pointer to data set</a:t>
             </a:r>
           </a:p>
           <a:p>
@@ -12326,14 +12590,13 @@
               <a:rPr lang="en-US" dirty="0" smtClean="0"/>
               <a:t> – world number of receiving process</a:t>
             </a:r>
-            <a:endParaRPr lang="en-US" dirty="0" smtClean="0"/>
           </a:p>
         </p:txBody>
       </p:sp>
     </p:spTree>
     <p:extLst>
       <p:ext uri="{BB962C8B-B14F-4D97-AF65-F5344CB8AC3E}">
-        <p14:creationId xmlns:p14="http://schemas.microsoft.com/office/powerpoint/2010/main" val="1992604880"/>
+        <p14:creationId xmlns:p14="http://schemas.microsoft.com/office/powerpoint/2010/main" val="594026096"/>
       </p:ext>
     </p:extLst>
   </p:cSld>
@@ -12389,7 +12652,7 @@
                   <a:srgbClr val="002060"/>
                 </a:solidFill>
               </a:rPr>
-              <a:t>fll_mpi_sum</a:t>
+              <a:t>fll_mpi_cp_all</a:t>
             </a:r>
             <a:r>
               <a:rPr lang="en-US" b="1" dirty="0" smtClean="0">
@@ -12420,6 +12683,436 @@
         <p:spPr/>
         <p:txBody>
           <a:bodyPr>
+            <a:normAutofit/>
+          </a:bodyPr>
+          <a:lstStyle/>
+          <a:p>
+            <a:r>
+              <a:rPr lang="en-US" b="1" dirty="0" err="1" smtClean="0">
+                <a:solidFill>
+                  <a:srgbClr val="C00000"/>
+                </a:solidFill>
+              </a:rPr>
+              <a:t>fll_mpi_cp_all</a:t>
+            </a:r>
+            <a:r>
+              <a:rPr lang="en-US" b="1" dirty="0" smtClean="0">
+                <a:solidFill>
+                  <a:srgbClr val="C00000"/>
+                </a:solidFill>
+              </a:rPr>
+              <a:t>(</a:t>
+            </a:r>
+            <a:r>
+              <a:rPr lang="en-US" b="1" dirty="0" err="1" smtClean="0">
+                <a:solidFill>
+                  <a:srgbClr val="C00000"/>
+                </a:solidFill>
+              </a:rPr>
+              <a:t>pnode,communicator</a:t>
+            </a:r>
+            <a:r>
+              <a:rPr lang="en-US" b="1" dirty="0" smtClean="0">
+                <a:solidFill>
+                  <a:srgbClr val="C00000"/>
+                </a:solidFill>
+              </a:rPr>
+              <a:t>, </a:t>
+            </a:r>
+            <a:r>
+              <a:rPr lang="en-US" b="1" dirty="0" err="1" smtClean="0">
+                <a:solidFill>
+                  <a:srgbClr val="C00000"/>
+                </a:solidFill>
+              </a:rPr>
+              <a:t>sendpart,fpar</a:t>
+            </a:r>
+            <a:r>
+              <a:rPr lang="en-US" b="1" dirty="0" smtClean="0">
+                <a:solidFill>
+                  <a:srgbClr val="C00000"/>
+                </a:solidFill>
+              </a:rPr>
+              <a:t>)</a:t>
+            </a:r>
+          </a:p>
+          <a:p>
+            <a:pPr lvl="1"/>
+            <a:r>
+              <a:rPr lang="en-US" dirty="0" smtClean="0"/>
+              <a:t>Copy data set from </a:t>
+            </a:r>
+            <a:r>
+              <a:rPr lang="en-US" dirty="0" err="1" smtClean="0"/>
+              <a:t>sendpart</a:t>
+            </a:r>
+            <a:r>
+              <a:rPr lang="en-US" dirty="0" smtClean="0"/>
+              <a:t> process to all other processes</a:t>
+            </a:r>
+          </a:p>
+          <a:p>
+            <a:pPr lvl="1"/>
+            <a:r>
+              <a:rPr lang="en-US" dirty="0" smtClean="0"/>
+              <a:t>Returns pointer to copied data set in receiving processes</a:t>
+            </a:r>
+          </a:p>
+          <a:p>
+            <a:pPr lvl="1"/>
+            <a:r>
+              <a:rPr lang="en-US" dirty="0" smtClean="0"/>
+              <a:t>Input parameters</a:t>
+            </a:r>
+          </a:p>
+          <a:p>
+            <a:pPr lvl="2"/>
+            <a:r>
+              <a:rPr lang="en-US" dirty="0" err="1" smtClean="0"/>
+              <a:t>Pnode</a:t>
+            </a:r>
+            <a:r>
+              <a:rPr lang="en-US" dirty="0" smtClean="0"/>
+              <a:t> – pointer to data set</a:t>
+            </a:r>
+          </a:p>
+          <a:p>
+            <a:pPr lvl="2"/>
+            <a:r>
+              <a:rPr lang="en-US" dirty="0" smtClean="0"/>
+              <a:t>Communicator – MPI communicator</a:t>
+            </a:r>
+          </a:p>
+          <a:p>
+            <a:pPr lvl="2"/>
+            <a:r>
+              <a:rPr lang="en-US" dirty="0" err="1" smtClean="0"/>
+              <a:t>Sendpart</a:t>
+            </a:r>
+            <a:r>
+              <a:rPr lang="en-US" dirty="0" smtClean="0"/>
+              <a:t> – world number of sending process</a:t>
+            </a:r>
+          </a:p>
+        </p:txBody>
+      </p:sp>
+    </p:spTree>
+    <p:extLst>
+      <p:ext uri="{BB962C8B-B14F-4D97-AF65-F5344CB8AC3E}">
+        <p14:creationId xmlns:p14="http://schemas.microsoft.com/office/powerpoint/2010/main" val="1062322570"/>
+      </p:ext>
+    </p:extLst>
+  </p:cSld>
+  <p:clrMapOvr>
+    <a:masterClrMapping/>
+  </p:clrMapOvr>
+</p:sld>
+</file>
+
+<file path=ppt/slides/slide36.xml><?xml version="1.0" encoding="utf-8"?>
+<p:sld xmlns:a="http://schemas.openxmlformats.org/drawingml/2006/main" xmlns:r="http://schemas.openxmlformats.org/officeDocument/2006/relationships" xmlns:p="http://schemas.openxmlformats.org/presentationml/2006/main">
+  <p:cSld>
+    <p:spTree>
+      <p:nvGrpSpPr>
+        <p:cNvPr id="1" name=""/>
+        <p:cNvGrpSpPr/>
+        <p:nvPr/>
+      </p:nvGrpSpPr>
+      <p:grpSpPr>
+        <a:xfrm>
+          <a:off x="0" y="0"/>
+          <a:ext cx="0" cy="0"/>
+          <a:chOff x="0" y="0"/>
+          <a:chExt cx="0" cy="0"/>
+        </a:xfrm>
+      </p:grpSpPr>
+      <p:sp>
+        <p:nvSpPr>
+          <p:cNvPr id="2" name="Title 1"/>
+          <p:cNvSpPr>
+            <a:spLocks noGrp="1"/>
+          </p:cNvSpPr>
+          <p:nvPr>
+            <p:ph type="title"/>
+          </p:nvPr>
+        </p:nvSpPr>
+        <p:spPr/>
+        <p:txBody>
+          <a:bodyPr/>
+          <a:lstStyle/>
+          <a:p>
+            <a:r>
+              <a:rPr lang="en-US" b="1" dirty="0" smtClean="0">
+                <a:solidFill>
+                  <a:srgbClr val="002060"/>
+                </a:solidFill>
+              </a:rPr>
+              <a:t>Function </a:t>
+            </a:r>
+            <a:r>
+              <a:rPr lang="en-US" b="1" dirty="0" err="1" smtClean="0">
+                <a:solidFill>
+                  <a:srgbClr val="002060"/>
+                </a:solidFill>
+              </a:rPr>
+              <a:t>fll_mpi_mv</a:t>
+            </a:r>
+            <a:r>
+              <a:rPr lang="en-US" b="1" dirty="0" smtClean="0">
+                <a:solidFill>
+                  <a:srgbClr val="002060"/>
+                </a:solidFill>
+              </a:rPr>
+              <a:t> ()</a:t>
+            </a:r>
+            <a:endParaRPr lang="en-US" b="1" dirty="0">
+              <a:solidFill>
+                <a:srgbClr val="002060"/>
+              </a:solidFill>
+            </a:endParaRPr>
+          </a:p>
+        </p:txBody>
+      </p:sp>
+      <p:sp>
+        <p:nvSpPr>
+          <p:cNvPr id="3" name="Content Placeholder 2"/>
+          <p:cNvSpPr>
+            <a:spLocks noGrp="1"/>
+          </p:cNvSpPr>
+          <p:nvPr>
+            <p:ph idx="1"/>
+          </p:nvPr>
+        </p:nvSpPr>
+        <p:spPr/>
+        <p:txBody>
+          <a:bodyPr>
+            <a:normAutofit/>
+          </a:bodyPr>
+          <a:lstStyle/>
+          <a:p>
+            <a:r>
+              <a:rPr lang="en-US" b="1" dirty="0" err="1" smtClean="0">
+                <a:solidFill>
+                  <a:srgbClr val="C00000"/>
+                </a:solidFill>
+              </a:rPr>
+              <a:t>fll_mpi_mv</a:t>
+            </a:r>
+            <a:r>
+              <a:rPr lang="en-US" b="1" dirty="0" smtClean="0">
+                <a:solidFill>
+                  <a:srgbClr val="C00000"/>
+                </a:solidFill>
+              </a:rPr>
+              <a:t>(</a:t>
+            </a:r>
+            <a:r>
+              <a:rPr lang="en-US" b="1" dirty="0" err="1" smtClean="0">
+                <a:solidFill>
+                  <a:srgbClr val="C00000"/>
+                </a:solidFill>
+              </a:rPr>
+              <a:t>pnode,communicator</a:t>
+            </a:r>
+            <a:r>
+              <a:rPr lang="en-US" b="1" dirty="0" smtClean="0">
+                <a:solidFill>
+                  <a:srgbClr val="C00000"/>
+                </a:solidFill>
+              </a:rPr>
+              <a:t>, </a:t>
+            </a:r>
+            <a:r>
+              <a:rPr lang="en-US" b="1" dirty="0" err="1" smtClean="0">
+                <a:solidFill>
+                  <a:srgbClr val="C00000"/>
+                </a:solidFill>
+              </a:rPr>
+              <a:t>sendpart,recpart,fpar</a:t>
+            </a:r>
+            <a:r>
+              <a:rPr lang="en-US" b="1" dirty="0" smtClean="0">
+                <a:solidFill>
+                  <a:srgbClr val="C00000"/>
+                </a:solidFill>
+              </a:rPr>
+              <a:t>)</a:t>
+            </a:r>
+          </a:p>
+          <a:p>
+            <a:pPr lvl="1"/>
+            <a:r>
+              <a:rPr lang="en-US" dirty="0" smtClean="0"/>
+              <a:t>Moves data set from </a:t>
+            </a:r>
+            <a:r>
+              <a:rPr lang="en-US" dirty="0" err="1" smtClean="0"/>
+              <a:t>sendpart</a:t>
+            </a:r>
+            <a:r>
+              <a:rPr lang="en-US" dirty="0" smtClean="0"/>
+              <a:t> to </a:t>
+            </a:r>
+            <a:r>
+              <a:rPr lang="en-US" dirty="0" err="1" smtClean="0"/>
+              <a:t>recpart</a:t>
+            </a:r>
+            <a:endParaRPr lang="en-US" dirty="0" smtClean="0"/>
+          </a:p>
+          <a:p>
+            <a:pPr lvl="1"/>
+            <a:r>
+              <a:rPr lang="en-US" dirty="0" smtClean="0"/>
+              <a:t>Returns pointer to copied data set on </a:t>
+            </a:r>
+            <a:r>
+              <a:rPr lang="en-US" dirty="0" err="1" smtClean="0"/>
+              <a:t>recpart</a:t>
+            </a:r>
+            <a:r>
+              <a:rPr lang="en-US" dirty="0" smtClean="0"/>
+              <a:t> processor</a:t>
+            </a:r>
+          </a:p>
+          <a:p>
+            <a:pPr lvl="1"/>
+            <a:r>
+              <a:rPr lang="en-US" dirty="0" smtClean="0"/>
+              <a:t>Input parameters</a:t>
+            </a:r>
+          </a:p>
+          <a:p>
+            <a:pPr lvl="2"/>
+            <a:r>
+              <a:rPr lang="en-US" dirty="0" err="1" smtClean="0"/>
+              <a:t>Pnode</a:t>
+            </a:r>
+            <a:r>
+              <a:rPr lang="en-US" dirty="0" smtClean="0"/>
+              <a:t> – pointer to data set</a:t>
+            </a:r>
+          </a:p>
+          <a:p>
+            <a:pPr lvl="2"/>
+            <a:r>
+              <a:rPr lang="en-US" dirty="0" smtClean="0"/>
+              <a:t>Communicator – MPI communicator</a:t>
+            </a:r>
+          </a:p>
+          <a:p>
+            <a:pPr lvl="2"/>
+            <a:r>
+              <a:rPr lang="en-US" dirty="0" err="1" smtClean="0"/>
+              <a:t>Sendpart</a:t>
+            </a:r>
+            <a:r>
+              <a:rPr lang="en-US" dirty="0" smtClean="0"/>
+              <a:t> – world number of sending process</a:t>
+            </a:r>
+          </a:p>
+          <a:p>
+            <a:pPr lvl="2"/>
+            <a:r>
+              <a:rPr lang="en-US" dirty="0" err="1" smtClean="0"/>
+              <a:t>Recpart</a:t>
+            </a:r>
+            <a:r>
+              <a:rPr lang="en-US" dirty="0" smtClean="0"/>
+              <a:t> – world number of receiving process</a:t>
+            </a:r>
+          </a:p>
+        </p:txBody>
+      </p:sp>
+    </p:spTree>
+    <p:extLst>
+      <p:ext uri="{BB962C8B-B14F-4D97-AF65-F5344CB8AC3E}">
+        <p14:creationId xmlns:p14="http://schemas.microsoft.com/office/powerpoint/2010/main" val="1992604880"/>
+      </p:ext>
+    </p:extLst>
+  </p:cSld>
+  <p:clrMapOvr>
+    <a:masterClrMapping/>
+  </p:clrMapOvr>
+</p:sld>
+</file>
+
+<file path=ppt/slides/slide37.xml><?xml version="1.0" encoding="utf-8"?>
+<p:sld xmlns:a="http://schemas.openxmlformats.org/drawingml/2006/main" xmlns:r="http://schemas.openxmlformats.org/officeDocument/2006/relationships" xmlns:p="http://schemas.openxmlformats.org/presentationml/2006/main">
+  <p:cSld>
+    <p:spTree>
+      <p:nvGrpSpPr>
+        <p:cNvPr id="1" name=""/>
+        <p:cNvGrpSpPr/>
+        <p:nvPr/>
+      </p:nvGrpSpPr>
+      <p:grpSpPr>
+        <a:xfrm>
+          <a:off x="0" y="0"/>
+          <a:ext cx="0" cy="0"/>
+          <a:chOff x="0" y="0"/>
+          <a:chExt cx="0" cy="0"/>
+        </a:xfrm>
+      </p:grpSpPr>
+      <p:sp>
+        <p:nvSpPr>
+          <p:cNvPr id="2" name="Title 1"/>
+          <p:cNvSpPr>
+            <a:spLocks noGrp="1"/>
+          </p:cNvSpPr>
+          <p:nvPr>
+            <p:ph type="title"/>
+          </p:nvPr>
+        </p:nvSpPr>
+        <p:spPr/>
+        <p:txBody>
+          <a:bodyPr/>
+          <a:lstStyle/>
+          <a:p>
+            <a:r>
+              <a:rPr lang="en-US" b="1" dirty="0" smtClean="0">
+                <a:solidFill>
+                  <a:srgbClr val="002060"/>
+                </a:solidFill>
+              </a:rPr>
+              <a:t>Function </a:t>
+            </a:r>
+            <a:r>
+              <a:rPr lang="en-US" b="1" dirty="0" err="1" smtClean="0">
+                <a:solidFill>
+                  <a:srgbClr val="002060"/>
+                </a:solidFill>
+              </a:rPr>
+              <a:t>fll_mpi_sum</a:t>
+            </a:r>
+            <a:r>
+              <a:rPr lang="en-US" b="1" dirty="0" smtClean="0">
+                <a:solidFill>
+                  <a:srgbClr val="002060"/>
+                </a:solidFill>
+              </a:rPr>
+              <a:t> ()</a:t>
+            </a:r>
+            <a:endParaRPr lang="en-US" b="1" dirty="0">
+              <a:solidFill>
+                <a:srgbClr val="002060"/>
+              </a:solidFill>
+            </a:endParaRPr>
+          </a:p>
+        </p:txBody>
+      </p:sp>
+      <p:sp>
+        <p:nvSpPr>
+          <p:cNvPr id="3" name="Content Placeholder 2"/>
+          <p:cNvSpPr>
+            <a:spLocks noGrp="1"/>
+          </p:cNvSpPr>
+          <p:nvPr>
+            <p:ph idx="1"/>
+          </p:nvPr>
+        </p:nvSpPr>
+        <p:spPr/>
+        <p:txBody>
+          <a:bodyPr>
             <a:normAutofit fontScale="92500" lnSpcReduction="20000"/>
           </a:bodyPr>
           <a:lstStyle/>
@@ -12472,11 +13165,6 @@
               </a:rPr>
               <a:t>)</a:t>
             </a:r>
-            <a:endParaRPr lang="en-US" b="1" dirty="0" smtClean="0">
-              <a:solidFill>
-                <a:srgbClr val="C00000"/>
-              </a:solidFill>
-            </a:endParaRPr>
           </a:p>
           <a:p>
             <a:pPr lvl="1"/>
@@ -12493,11 +13181,7 @@
             <a:pPr lvl="1"/>
             <a:r>
               <a:rPr lang="en-US" dirty="0" smtClean="0"/>
-              <a:t>Input </a:t>
-            </a:r>
-            <a:r>
-              <a:rPr lang="en-US" dirty="0" smtClean="0"/>
-              <a:t>parameters</a:t>
+              <a:t>Input parameters</a:t>
             </a:r>
           </a:p>
           <a:p>
@@ -12518,11 +13202,7 @@
             <a:pPr lvl="2"/>
             <a:r>
               <a:rPr lang="en-US" dirty="0" smtClean="0"/>
-              <a:t>Arra</a:t>
-            </a:r>
-            <a:r>
-              <a:rPr lang="en-US" dirty="0" smtClean="0"/>
-              <a:t>y is array where to </a:t>
+              <a:t>Array is array where to </a:t>
             </a:r>
             <a:r>
               <a:rPr lang="en-US" dirty="0" err="1" smtClean="0"/>
@@ -12551,11 +13231,7 @@
             <a:pPr lvl="4"/>
             <a:r>
               <a:rPr lang="en-US" dirty="0" smtClean="0"/>
-              <a:t>L1 = Array 	- lon</a:t>
-            </a:r>
-            <a:r>
-              <a:rPr lang="en-US" dirty="0" smtClean="0"/>
-              <a:t>g integer 1D array</a:t>
+              <a:t>L1 = Array 	- long integer 1D array</a:t>
             </a:r>
           </a:p>
           <a:p>
@@ -12572,7 +13248,6 @@
               <a:rPr lang="en-US" dirty="0" smtClean="0"/>
               <a:t>array</a:t>
             </a:r>
-            <a:endParaRPr lang="en-US" dirty="0" smtClean="0"/>
           </a:p>
           <a:p>
             <a:pPr lvl="4"/>
@@ -12980,6 +13655,13 @@
   <p:clrMapOvr>
     <a:masterClrMapping/>
   </p:clrMapOvr>
+  <p:timing>
+    <p:tnLst>
+      <p:par>
+        <p:cTn id="1" dur="indefinite" restart="never" nodeType="tmRoot"/>
+      </p:par>
+    </p:tnLst>
+  </p:timing>
 </p:sld>
 </file>
 
@@ -13156,6 +13838,13 @@
   <p:clrMapOvr>
     <a:masterClrMapping/>
   </p:clrMapOvr>
+  <p:timing>
+    <p:tnLst>
+      <p:par>
+        <p:cTn id="1" dur="indefinite" restart="never" nodeType="tmRoot"/>
+      </p:par>
+    </p:tnLst>
+  </p:timing>
 </p:sld>
 </file>
 
@@ -13318,11 +14007,7 @@
             </a:r>
             <a:r>
               <a:rPr lang="en-US" dirty="0" smtClean="0"/>
-              <a:t>– get data of </a:t>
-            </a:r>
-            <a:r>
-              <a:rPr lang="en-US" dirty="0" smtClean="0"/>
-              <a:t>node</a:t>
+              <a:t>– get data of node</a:t>
             </a:r>
           </a:p>
           <a:p>
@@ -13339,7 +14024,6 @@
               <a:rPr lang="en-US" dirty="0" smtClean="0"/>
               <a:t> – get size of dataset</a:t>
             </a:r>
-            <a:endParaRPr lang="en-US" dirty="0" smtClean="0"/>
           </a:p>
           <a:p>
             <a:pPr lvl="1"/>
@@ -13523,6 +14207,13 @@
   <p:clrMapOvr>
     <a:masterClrMapping/>
   </p:clrMapOvr>
+  <p:timing>
+    <p:tnLst>
+      <p:par>
+        <p:cTn id="1" dur="indefinite" restart="never" nodeType="tmRoot"/>
+      </p:par>
+    </p:tnLst>
+  </p:timing>
 </p:sld>
 </file>
 
@@ -13593,15 +14284,7 @@
             </a:r>
             <a:r>
               <a:rPr lang="en-US" dirty="0" smtClean="0"/>
-              <a:t>  </a:t>
-            </a:r>
-            <a:r>
-              <a:rPr lang="en-US" dirty="0" smtClean="0"/>
-              <a:t>- </a:t>
-            </a:r>
-            <a:r>
-              <a:rPr lang="en-US" dirty="0" smtClean="0"/>
-              <a:t>reads record from </a:t>
+              <a:t>  - reads record from </a:t>
             </a:r>
             <a:r>
               <a:rPr lang="en-US" dirty="0" err="1" smtClean="0"/>
@@ -13611,7 +14294,6 @@
               <a:rPr lang="en-US" dirty="0" smtClean="0"/>
               <a:t> file instead of reading entire file</a:t>
             </a:r>
-            <a:endParaRPr lang="en-US" dirty="0" smtClean="0"/>
           </a:p>
           <a:p>
             <a:pPr lvl="1"/>
@@ -13625,15 +14307,7 @@
             </a:r>
             <a:r>
               <a:rPr lang="en-US" dirty="0" smtClean="0"/>
-              <a:t>   </a:t>
-            </a:r>
-            <a:r>
-              <a:rPr lang="en-US" dirty="0" smtClean="0"/>
-              <a:t>- </a:t>
-            </a:r>
-            <a:r>
-              <a:rPr lang="en-US" dirty="0" smtClean="0"/>
-              <a:t>reads </a:t>
+              <a:t>   - reads </a:t>
             </a:r>
             <a:r>
               <a:rPr lang="en-US" dirty="0" err="1" smtClean="0"/>
@@ -13643,7 +14317,6 @@
               <a:rPr lang="en-US" dirty="0" smtClean="0"/>
               <a:t> file in fast mode – scans for data sets names and types</a:t>
             </a:r>
-            <a:endParaRPr lang="en-US" dirty="0" smtClean="0"/>
           </a:p>
           <a:p>
             <a:pPr lvl="1"/>
@@ -13708,6 +14381,13 @@
   <p:clrMapOvr>
     <a:masterClrMapping/>
   </p:clrMapOvr>
+  <p:timing>
+    <p:tnLst>
+      <p:par>
+        <p:cTn id="1" dur="indefinite" restart="never" nodeType="tmRoot"/>
+      </p:par>
+    </p:tnLst>
+  </p:timing>
 </p:sld>
 </file>
 
@@ -14351,7 +15031,7 @@
   <a:extraClrSchemeLst/>
   <a:extLst>
     <a:ext uri="{05A4C25C-085E-4340-85A3-A5531E510DB2}">
-      <thm15:themeFamily xmlns:thm15="http://schemas.microsoft.com/office/thememl/2012/main" xmlns="" name="Office Theme" id="{62F939B6-93AF-4DB8-9C6B-D6C7DFDC589F}" vid="{4A3C46E8-61CC-4603-A589-7422A47A8E4A}"/>
+      <thm15:themeFamily xmlns:thm15="http://schemas.microsoft.com/office/thememl/2012/main" name="Office Theme" id="{62F939B6-93AF-4DB8-9C6B-D6C7DFDC589F}" vid="{4A3C46E8-61CC-4603-A589-7422A47A8E4A}"/>
     </a:ext>
   </a:extLst>
 </a:theme>
